--- a/final/Final_presentation.pptx
+++ b/final/Final_presentation.pptx
@@ -2,11 +2,17 @@
 <file path=ppt/presentation.xml><?xml version="1.0" encoding="utf-8"?>
 <p:presentation xmlns:a="http://schemas.openxmlformats.org/drawingml/2006/main" xmlns:r="http://schemas.openxmlformats.org/officeDocument/2006/relationships" xmlns:p="http://schemas.openxmlformats.org/presentationml/2006/main" saveSubsetFonts="1">
   <p:sldMasterIdLst>
-    <p:sldMasterId id="2147483648" r:id="rId1"/>
+    <p:sldMasterId id="2147483713" r:id="rId1"/>
   </p:sldMasterIdLst>
   <p:sldIdLst>
     <p:sldId id="256" r:id="rId2"/>
     <p:sldId id="257" r:id="rId3"/>
+    <p:sldId id="260" r:id="rId4"/>
+    <p:sldId id="261" r:id="rId5"/>
+    <p:sldId id="262" r:id="rId6"/>
+    <p:sldId id="259" r:id="rId7"/>
+    <p:sldId id="263" r:id="rId8"/>
+    <p:sldId id="258" r:id="rId9"/>
   </p:sldIdLst>
   <p:sldSz cx="12192000" cy="6858000"/>
   <p:notesSz cx="6858000" cy="9144000"/>
@@ -14,7 +20,7 @@
     <a:defPPr>
       <a:defRPr lang="en-US"/>
     </a:defPPr>
-    <a:lvl1pPr marL="0" algn="l" defTabSz="914400" rtl="0" eaLnBrk="1" latinLnBrk="0" hangingPunct="1">
+    <a:lvl1pPr marL="0" algn="l" defTabSz="457200" rtl="0" eaLnBrk="1" latinLnBrk="0" hangingPunct="1">
       <a:defRPr sz="1800" kern="1200">
         <a:solidFill>
           <a:schemeClr val="tx1"/>
@@ -24,7 +30,7 @@
         <a:cs typeface="+mn-cs"/>
       </a:defRPr>
     </a:lvl1pPr>
-    <a:lvl2pPr marL="457200" algn="l" defTabSz="914400" rtl="0" eaLnBrk="1" latinLnBrk="0" hangingPunct="1">
+    <a:lvl2pPr marL="457200" algn="l" defTabSz="457200" rtl="0" eaLnBrk="1" latinLnBrk="0" hangingPunct="1">
       <a:defRPr sz="1800" kern="1200">
         <a:solidFill>
           <a:schemeClr val="tx1"/>
@@ -34,7 +40,7 @@
         <a:cs typeface="+mn-cs"/>
       </a:defRPr>
     </a:lvl2pPr>
-    <a:lvl3pPr marL="914400" algn="l" defTabSz="914400" rtl="0" eaLnBrk="1" latinLnBrk="0" hangingPunct="1">
+    <a:lvl3pPr marL="914400" algn="l" defTabSz="457200" rtl="0" eaLnBrk="1" latinLnBrk="0" hangingPunct="1">
       <a:defRPr sz="1800" kern="1200">
         <a:solidFill>
           <a:schemeClr val="tx1"/>
@@ -44,7 +50,7 @@
         <a:cs typeface="+mn-cs"/>
       </a:defRPr>
     </a:lvl3pPr>
-    <a:lvl4pPr marL="1371600" algn="l" defTabSz="914400" rtl="0" eaLnBrk="1" latinLnBrk="0" hangingPunct="1">
+    <a:lvl4pPr marL="1371600" algn="l" defTabSz="457200" rtl="0" eaLnBrk="1" latinLnBrk="0" hangingPunct="1">
       <a:defRPr sz="1800" kern="1200">
         <a:solidFill>
           <a:schemeClr val="tx1"/>
@@ -54,7 +60,7 @@
         <a:cs typeface="+mn-cs"/>
       </a:defRPr>
     </a:lvl4pPr>
-    <a:lvl5pPr marL="1828800" algn="l" defTabSz="914400" rtl="0" eaLnBrk="1" latinLnBrk="0" hangingPunct="1">
+    <a:lvl5pPr marL="1828800" algn="l" defTabSz="457200" rtl="0" eaLnBrk="1" latinLnBrk="0" hangingPunct="1">
       <a:defRPr sz="1800" kern="1200">
         <a:solidFill>
           <a:schemeClr val="tx1"/>
@@ -64,7 +70,7 @@
         <a:cs typeface="+mn-cs"/>
       </a:defRPr>
     </a:lvl5pPr>
-    <a:lvl6pPr marL="2286000" algn="l" defTabSz="914400" rtl="0" eaLnBrk="1" latinLnBrk="0" hangingPunct="1">
+    <a:lvl6pPr marL="2286000" algn="l" defTabSz="457200" rtl="0" eaLnBrk="1" latinLnBrk="0" hangingPunct="1">
       <a:defRPr sz="1800" kern="1200">
         <a:solidFill>
           <a:schemeClr val="tx1"/>
@@ -74,7 +80,7 @@
         <a:cs typeface="+mn-cs"/>
       </a:defRPr>
     </a:lvl6pPr>
-    <a:lvl7pPr marL="2743200" algn="l" defTabSz="914400" rtl="0" eaLnBrk="1" latinLnBrk="0" hangingPunct="1">
+    <a:lvl7pPr marL="2743200" algn="l" defTabSz="457200" rtl="0" eaLnBrk="1" latinLnBrk="0" hangingPunct="1">
       <a:defRPr sz="1800" kern="1200">
         <a:solidFill>
           <a:schemeClr val="tx1"/>
@@ -84,7 +90,7 @@
         <a:cs typeface="+mn-cs"/>
       </a:defRPr>
     </a:lvl7pPr>
-    <a:lvl8pPr marL="3200400" algn="l" defTabSz="914400" rtl="0" eaLnBrk="1" latinLnBrk="0" hangingPunct="1">
+    <a:lvl8pPr marL="3200400" algn="l" defTabSz="457200" rtl="0" eaLnBrk="1" latinLnBrk="0" hangingPunct="1">
       <a:defRPr sz="1800" kern="1200">
         <a:solidFill>
           <a:schemeClr val="tx1"/>
@@ -94,7 +100,7 @@
         <a:cs typeface="+mn-cs"/>
       </a:defRPr>
     </a:lvl8pPr>
-    <a:lvl9pPr marL="3657600" algn="l" defTabSz="914400" rtl="0" eaLnBrk="1" latinLnBrk="0" hangingPunct="1">
+    <a:lvl9pPr marL="3657600" algn="l" defTabSz="457200" rtl="0" eaLnBrk="1" latinLnBrk="0" hangingPunct="1">
       <a:defRPr sz="1800" kern="1200">
         <a:solidFill>
           <a:schemeClr val="tx1"/>
@@ -105,6 +111,11 @@
       </a:defRPr>
     </a:lvl9pPr>
   </p:defaultTextStyle>
+  <p:extLst>
+    <p:ext uri="{EFAFB233-063F-42B5-8137-9DF3F51BA10A}">
+      <p15:sldGuideLst xmlns:p15="http://schemas.microsoft.com/office/powerpoint/2012/main"/>
+    </p:ext>
+  </p:extLst>
 </p:presentation>
 </file>
 
@@ -113,7 +124,7 @@
 </file>
 
 <file path=ppt/slideLayouts/slideLayout1.xml><?xml version="1.0" encoding="utf-8"?>
-<p:sldLayout xmlns:a="http://schemas.openxmlformats.org/drawingml/2006/main" xmlns:r="http://schemas.openxmlformats.org/officeDocument/2006/relationships" xmlns:p="http://schemas.openxmlformats.org/presentationml/2006/main" type="title" preserve="1">
+<p:sldLayout xmlns:a="http://schemas.openxmlformats.org/drawingml/2006/main" xmlns:r="http://schemas.openxmlformats.org/officeDocument/2006/relationships" xmlns:p="http://schemas.openxmlformats.org/presentationml/2006/main" showMasterSp="0" type="title" preserve="1">
   <p:cSld name="Title Slide">
     <p:spTree>
       <p:nvGrpSpPr>
@@ -129,15 +140,146 @@
           <a:chExt cx="0" cy="0"/>
         </a:xfrm>
       </p:grpSpPr>
-      <p:sp>
-        <p:nvSpPr>
-          <p:cNvPr id="2" name="Title 1">
-            <a:extLst>
-              <a:ext uri="{FF2B5EF4-FFF2-40B4-BE49-F238E27FC236}">
-                <a16:creationId xmlns:a16="http://schemas.microsoft.com/office/drawing/2014/main" id="{3FA88555-F28D-429A-B485-3F9747C5D7E7}"/>
-              </a:ext>
-            </a:extLst>
-          </p:cNvPr>
+      <p:grpSp>
+        <p:nvGrpSpPr>
+          <p:cNvPr id="7" name="Group 6"/>
+          <p:cNvGrpSpPr/>
+          <p:nvPr/>
+        </p:nvGrpSpPr>
+        <p:grpSpPr>
+          <a:xfrm>
+            <a:off x="-16934" y="0"/>
+            <a:ext cx="12231160" cy="6856214"/>
+            <a:chOff x="-16934" y="0"/>
+            <a:chExt cx="12231160" cy="6856214"/>
+          </a:xfrm>
+        </p:grpSpPr>
+        <p:pic>
+          <p:nvPicPr>
+            <p:cNvPr id="16" name="Picture 15" descr="HD-PanelTitleR1.png"/>
+            <p:cNvPicPr>
+              <a:picLocks noChangeAspect="1"/>
+            </p:cNvPicPr>
+            <p:nvPr/>
+          </p:nvPicPr>
+          <p:blipFill>
+            <a:blip r:embed="rId2">
+              <a:extLst>
+                <a:ext uri="{28A0092B-C50C-407E-A947-70E740481C1C}">
+                  <a14:useLocalDpi xmlns:a14="http://schemas.microsoft.com/office/drawing/2010/main" val="0"/>
+                </a:ext>
+              </a:extLst>
+            </a:blip>
+            <a:stretch>
+              <a:fillRect/>
+            </a:stretch>
+          </p:blipFill>
+          <p:spPr>
+            <a:xfrm>
+              <a:off x="0" y="0"/>
+              <a:ext cx="12188825" cy="6856214"/>
+            </a:xfrm>
+            <a:prstGeom prst="rect">
+              <a:avLst/>
+            </a:prstGeom>
+          </p:spPr>
+        </p:pic>
+        <p:sp>
+          <p:nvSpPr>
+            <p:cNvPr id="26" name="Rectangle 25"/>
+            <p:cNvSpPr/>
+            <p:nvPr/>
+          </p:nvSpPr>
+          <p:spPr>
+            <a:xfrm>
+              <a:off x="2328332" y="1540931"/>
+              <a:ext cx="7543802" cy="3835401"/>
+            </a:xfrm>
+            <a:prstGeom prst="rect">
+              <a:avLst/>
+            </a:prstGeom>
+            <a:noFill/>
+            <a:ln w="15875">
+              <a:miter lim="800000"/>
+            </a:ln>
+          </p:spPr>
+          <p:style>
+            <a:lnRef idx="1">
+              <a:schemeClr val="accent1"/>
+            </a:lnRef>
+            <a:fillRef idx="3">
+              <a:schemeClr val="accent1"/>
+            </a:fillRef>
+            <a:effectRef idx="2">
+              <a:schemeClr val="accent1"/>
+            </a:effectRef>
+            <a:fontRef idx="minor">
+              <a:schemeClr val="lt1"/>
+            </a:fontRef>
+          </p:style>
+        </p:sp>
+        <p:pic>
+          <p:nvPicPr>
+            <p:cNvPr id="17" name="Picture 16" descr="HDRibbonTitle-UniformTrim.png"/>
+            <p:cNvPicPr>
+              <a:picLocks noChangeAspect="1"/>
+            </p:cNvPicPr>
+            <p:nvPr/>
+          </p:nvPicPr>
+          <p:blipFill rotWithShape="1">
+            <a:blip r:embed="rId3">
+              <a:extLst>
+                <a:ext uri="{28A0092B-C50C-407E-A947-70E740481C1C}">
+                  <a14:useLocalDpi xmlns:a14="http://schemas.microsoft.com/office/drawing/2010/main" val="0"/>
+                </a:ext>
+              </a:extLst>
+            </a:blip>
+            <a:srcRect/>
+            <a:stretch/>
+          </p:blipFill>
+          <p:spPr>
+            <a:xfrm>
+              <a:off x="-16934" y="3147609"/>
+              <a:ext cx="2478024" cy="612648"/>
+            </a:xfrm>
+            <a:prstGeom prst="rect">
+              <a:avLst/>
+            </a:prstGeom>
+          </p:spPr>
+        </p:pic>
+        <p:pic>
+          <p:nvPicPr>
+            <p:cNvPr id="20" name="Picture 19" descr="HDRibbonTitle-UniformTrim.png"/>
+            <p:cNvPicPr>
+              <a:picLocks noChangeAspect="1"/>
+            </p:cNvPicPr>
+            <p:nvPr/>
+          </p:nvPicPr>
+          <p:blipFill rotWithShape="1">
+            <a:blip r:embed="rId3">
+              <a:extLst>
+                <a:ext uri="{28A0092B-C50C-407E-A947-70E740481C1C}">
+                  <a14:useLocalDpi xmlns:a14="http://schemas.microsoft.com/office/drawing/2010/main" val="0"/>
+                </a:ext>
+              </a:extLst>
+            </a:blip>
+            <a:srcRect/>
+            <a:stretch/>
+          </p:blipFill>
+          <p:spPr>
+            <a:xfrm>
+              <a:off x="9736202" y="3147609"/>
+              <a:ext cx="2478024" cy="612648"/>
+            </a:xfrm>
+            <a:prstGeom prst="rect">
+              <a:avLst/>
+            </a:prstGeom>
+          </p:spPr>
+        </p:pic>
+      </p:grpSp>
+      <p:sp>
+        <p:nvSpPr>
+          <p:cNvPr id="2" name="Title 1"/>
           <p:cNvSpPr>
             <a:spLocks noGrp="1"/>
           </p:cNvSpPr>
@@ -147,15 +289,19 @@
         </p:nvSpPr>
         <p:spPr>
           <a:xfrm>
-            <a:off x="1524000" y="1122363"/>
-            <a:ext cx="9144000" cy="2387600"/>
+            <a:off x="2692398" y="1871131"/>
+            <a:ext cx="6815669" cy="1515533"/>
           </a:xfrm>
         </p:spPr>
         <p:txBody>
-          <a:bodyPr anchor="b"/>
+          <a:bodyPr anchor="b">
+            <a:noAutofit/>
+          </a:bodyPr>
           <a:lstStyle>
             <a:lvl1pPr algn="ctr">
-              <a:defRPr sz="6000"/>
+              <a:defRPr sz="5400">
+                <a:effectLst/>
+              </a:defRPr>
             </a:lvl1pPr>
           </a:lstStyle>
           <a:p>
@@ -163,18 +309,13 @@
               <a:rPr lang="en-US"/>
               <a:t>Click to edit Master title style</a:t>
             </a:r>
-          </a:p>
-        </p:txBody>
-      </p:sp>
-      <p:sp>
-        <p:nvSpPr>
-          <p:cNvPr id="3" name="Subtitle 2">
-            <a:extLst>
-              <a:ext uri="{FF2B5EF4-FFF2-40B4-BE49-F238E27FC236}">
-                <a16:creationId xmlns:a16="http://schemas.microsoft.com/office/drawing/2014/main" id="{557FD3E4-2FA4-4ED5-B588-B7BD10CF4D7D}"/>
-              </a:ext>
-            </a:extLst>
-          </p:cNvPr>
+            <a:endParaRPr lang="en-US" dirty="0"/>
+          </a:p>
+        </p:txBody>
+      </p:sp>
+      <p:sp>
+        <p:nvSpPr>
+          <p:cNvPr id="3" name="Subtitle 2"/>
           <p:cNvSpPr>
             <a:spLocks noGrp="1"/>
           </p:cNvSpPr>
@@ -184,48 +325,102 @@
         </p:nvSpPr>
         <p:spPr>
           <a:xfrm>
-            <a:off x="1524000" y="3602038"/>
-            <a:ext cx="9144000" cy="1655762"/>
+            <a:off x="2692398" y="3657597"/>
+            <a:ext cx="6815669" cy="1320802"/>
           </a:xfrm>
         </p:spPr>
         <p:txBody>
-          <a:bodyPr/>
+          <a:bodyPr anchor="t">
+            <a:normAutofit/>
+          </a:bodyPr>
           <a:lstStyle>
             <a:lvl1pPr marL="0" indent="0" algn="ctr">
               <a:buNone/>
-              <a:defRPr sz="2400"/>
+              <a:defRPr sz="2100">
+                <a:solidFill>
+                  <a:schemeClr val="tx1"/>
+                </a:solidFill>
+              </a:defRPr>
             </a:lvl1pPr>
             <a:lvl2pPr marL="457200" indent="0" algn="ctr">
               <a:buNone/>
-              <a:defRPr sz="2000"/>
+              <a:defRPr>
+                <a:solidFill>
+                  <a:schemeClr val="tx1">
+                    <a:tint val="75000"/>
+                  </a:schemeClr>
+                </a:solidFill>
+              </a:defRPr>
             </a:lvl2pPr>
             <a:lvl3pPr marL="914400" indent="0" algn="ctr">
               <a:buNone/>
-              <a:defRPr sz="1800"/>
+              <a:defRPr>
+                <a:solidFill>
+                  <a:schemeClr val="tx1">
+                    <a:tint val="75000"/>
+                  </a:schemeClr>
+                </a:solidFill>
+              </a:defRPr>
             </a:lvl3pPr>
             <a:lvl4pPr marL="1371600" indent="0" algn="ctr">
               <a:buNone/>
-              <a:defRPr sz="1600"/>
+              <a:defRPr>
+                <a:solidFill>
+                  <a:schemeClr val="tx1">
+                    <a:tint val="75000"/>
+                  </a:schemeClr>
+                </a:solidFill>
+              </a:defRPr>
             </a:lvl4pPr>
             <a:lvl5pPr marL="1828800" indent="0" algn="ctr">
               <a:buNone/>
-              <a:defRPr sz="1600"/>
+              <a:defRPr>
+                <a:solidFill>
+                  <a:schemeClr val="tx1">
+                    <a:tint val="75000"/>
+                  </a:schemeClr>
+                </a:solidFill>
+              </a:defRPr>
             </a:lvl5pPr>
             <a:lvl6pPr marL="2286000" indent="0" algn="ctr">
               <a:buNone/>
-              <a:defRPr sz="1600"/>
+              <a:defRPr>
+                <a:solidFill>
+                  <a:schemeClr val="tx1">
+                    <a:tint val="75000"/>
+                  </a:schemeClr>
+                </a:solidFill>
+              </a:defRPr>
             </a:lvl6pPr>
             <a:lvl7pPr marL="2743200" indent="0" algn="ctr">
               <a:buNone/>
-              <a:defRPr sz="1600"/>
+              <a:defRPr>
+                <a:solidFill>
+                  <a:schemeClr val="tx1">
+                    <a:tint val="75000"/>
+                  </a:schemeClr>
+                </a:solidFill>
+              </a:defRPr>
             </a:lvl7pPr>
             <a:lvl8pPr marL="3200400" indent="0" algn="ctr">
               <a:buNone/>
-              <a:defRPr sz="1600"/>
+              <a:defRPr>
+                <a:solidFill>
+                  <a:schemeClr val="tx1">
+                    <a:tint val="75000"/>
+                  </a:schemeClr>
+                </a:solidFill>
+              </a:defRPr>
             </a:lvl8pPr>
             <a:lvl9pPr marL="3657600" indent="0" algn="ctr">
               <a:buNone/>
-              <a:defRPr sz="1600"/>
+              <a:defRPr>
+                <a:solidFill>
+                  <a:schemeClr val="tx1">
+                    <a:tint val="75000"/>
+                  </a:schemeClr>
+                </a:solidFill>
+              </a:defRPr>
             </a:lvl9pPr>
           </a:lstStyle>
           <a:p>
@@ -233,18 +428,13 @@
               <a:rPr lang="en-US"/>
               <a:t>Click to edit Master subtitle style</a:t>
             </a:r>
-          </a:p>
-        </p:txBody>
-      </p:sp>
-      <p:sp>
-        <p:nvSpPr>
-          <p:cNvPr id="4" name="Date Placeholder 3">
-            <a:extLst>
-              <a:ext uri="{FF2B5EF4-FFF2-40B4-BE49-F238E27FC236}">
-                <a16:creationId xmlns:a16="http://schemas.microsoft.com/office/drawing/2014/main" id="{66C1D728-A315-4E00-9351-2FEEC76B0F24}"/>
-              </a:ext>
-            </a:extLst>
-          </p:cNvPr>
+            <a:endParaRPr lang="en-US" dirty="0"/>
+          </a:p>
+        </p:txBody>
+      </p:sp>
+      <p:sp>
+        <p:nvSpPr>
+          <p:cNvPr id="4" name="Date Placeholder 3"/>
           <p:cNvSpPr>
             <a:spLocks noGrp="1"/>
           </p:cNvSpPr>
@@ -252,14 +442,19 @@
             <p:ph type="dt" sz="half" idx="10"/>
           </p:nvPr>
         </p:nvSpPr>
-        <p:spPr/>
+        <p:spPr>
+          <a:xfrm>
+            <a:off x="7983232" y="5037663"/>
+            <a:ext cx="897467" cy="279400"/>
+          </a:xfrm>
+        </p:spPr>
         <p:txBody>
           <a:bodyPr/>
           <a:lstStyle/>
           <a:p>
             <a:fld id="{70BC94CE-8BD2-4D24-BE63-671312790EC5}" type="datetimeFigureOut">
               <a:rPr lang="en-US" smtClean="0"/>
-              <a:t>12/4/2017</a:t>
+              <a:t>12/5/2017</a:t>
             </a:fld>
             <a:endParaRPr lang="en-US"/>
           </a:p>
@@ -267,13 +462,7 @@
       </p:sp>
       <p:sp>
         <p:nvSpPr>
-          <p:cNvPr id="5" name="Footer Placeholder 4">
-            <a:extLst>
-              <a:ext uri="{FF2B5EF4-FFF2-40B4-BE49-F238E27FC236}">
-                <a16:creationId xmlns:a16="http://schemas.microsoft.com/office/drawing/2014/main" id="{A182A93C-2F2D-4F5B-8B8D-A7E1D5EC0ADC}"/>
-              </a:ext>
-            </a:extLst>
-          </p:cNvPr>
+          <p:cNvPr id="5" name="Footer Placeholder 4"/>
           <p:cNvSpPr>
             <a:spLocks noGrp="1"/>
           </p:cNvSpPr>
@@ -281,7 +470,12 @@
             <p:ph type="ftr" sz="quarter" idx="11"/>
           </p:nvPr>
         </p:nvSpPr>
-        <p:spPr/>
+        <p:spPr>
+          <a:xfrm>
+            <a:off x="2692397" y="5037663"/>
+            <a:ext cx="5214635" cy="279400"/>
+          </a:xfrm>
+        </p:spPr>
         <p:txBody>
           <a:bodyPr/>
           <a:lstStyle/>
@@ -292,13 +486,7 @@
       </p:sp>
       <p:sp>
         <p:nvSpPr>
-          <p:cNvPr id="6" name="Slide Number Placeholder 5">
-            <a:extLst>
-              <a:ext uri="{FF2B5EF4-FFF2-40B4-BE49-F238E27FC236}">
-                <a16:creationId xmlns:a16="http://schemas.microsoft.com/office/drawing/2014/main" id="{3E1FF648-F478-449A-AA17-D46B032EA828}"/>
-              </a:ext>
-            </a:extLst>
-          </p:cNvPr>
+          <p:cNvPr id="6" name="Slide Number Placeholder 5"/>
           <p:cNvSpPr>
             <a:spLocks noGrp="1"/>
           </p:cNvSpPr>
@@ -306,7 +494,12 @@
             <p:ph type="sldNum" sz="quarter" idx="12"/>
           </p:nvPr>
         </p:nvSpPr>
-        <p:spPr/>
+        <p:spPr>
+          <a:xfrm>
+            <a:off x="8956900" y="5037663"/>
+            <a:ext cx="551167" cy="279400"/>
+          </a:xfrm>
+        </p:spPr>
         <p:txBody>
           <a:bodyPr/>
           <a:lstStyle/>
@@ -319,10 +512,40 @@
           </a:p>
         </p:txBody>
       </p:sp>
+      <p:cxnSp>
+        <p:nvCxnSpPr>
+          <p:cNvPr id="15" name="Straight Connector 14"/>
+          <p:cNvCxnSpPr/>
+          <p:nvPr/>
+        </p:nvCxnSpPr>
+        <p:spPr>
+          <a:xfrm>
+            <a:off x="2692399" y="3522131"/>
+            <a:ext cx="6815668" cy="0"/>
+          </a:xfrm>
+          <a:prstGeom prst="line">
+            <a:avLst/>
+          </a:prstGeom>
+        </p:spPr>
+        <p:style>
+          <a:lnRef idx="2">
+            <a:schemeClr val="accent1"/>
+          </a:lnRef>
+          <a:fillRef idx="0">
+            <a:schemeClr val="accent1"/>
+          </a:fillRef>
+          <a:effectRef idx="1">
+            <a:schemeClr val="accent1"/>
+          </a:effectRef>
+          <a:fontRef idx="minor">
+            <a:schemeClr val="tx1"/>
+          </a:fontRef>
+        </p:style>
+      </p:cxnSp>
     </p:spTree>
     <p:extLst>
       <p:ext uri="{BB962C8B-B14F-4D97-AF65-F5344CB8AC3E}">
-        <p14:creationId xmlns:p14="http://schemas.microsoft.com/office/powerpoint/2010/main" val="2019445752"/>
+        <p14:creationId xmlns:p14="http://schemas.microsoft.com/office/powerpoint/2010/main" val="3909756424"/>
       </p:ext>
     </p:extLst>
   </p:cSld>
@@ -333,6 +556,2099 @@
 </file>
 
 <file path=ppt/slideLayouts/slideLayout10.xml><?xml version="1.0" encoding="utf-8"?>
+<p:sldLayout xmlns:a="http://schemas.openxmlformats.org/drawingml/2006/main" xmlns:r="http://schemas.openxmlformats.org/officeDocument/2006/relationships" xmlns:p="http://schemas.openxmlformats.org/presentationml/2006/main" preserve="1">
+  <p:cSld name="Panoramic Picture with Caption">
+    <p:spTree>
+      <p:nvGrpSpPr>
+        <p:cNvPr id="1" name=""/>
+        <p:cNvGrpSpPr/>
+        <p:nvPr/>
+      </p:nvGrpSpPr>
+      <p:grpSpPr>
+        <a:xfrm>
+          <a:off x="0" y="0"/>
+          <a:ext cx="0" cy="0"/>
+          <a:chOff x="0" y="0"/>
+          <a:chExt cx="0" cy="0"/>
+        </a:xfrm>
+      </p:grpSpPr>
+      <p:sp>
+        <p:nvSpPr>
+          <p:cNvPr id="2" name="Title 1"/>
+          <p:cNvSpPr>
+            <a:spLocks noGrp="1"/>
+          </p:cNvSpPr>
+          <p:nvPr>
+            <p:ph type="title"/>
+          </p:nvPr>
+        </p:nvSpPr>
+        <p:spPr>
+          <a:xfrm>
+            <a:off x="1295401" y="4815415"/>
+            <a:ext cx="9609666" cy="566738"/>
+          </a:xfrm>
+        </p:spPr>
+        <p:txBody>
+          <a:bodyPr anchor="b">
+            <a:normAutofit/>
+          </a:bodyPr>
+          <a:lstStyle>
+            <a:lvl1pPr algn="ctr">
+              <a:defRPr sz="2400" b="0"/>
+            </a:lvl1pPr>
+          </a:lstStyle>
+          <a:p>
+            <a:r>
+              <a:rPr lang="en-US"/>
+              <a:t>Click to edit Master title style</a:t>
+            </a:r>
+            <a:endParaRPr lang="en-US" dirty="0"/>
+          </a:p>
+        </p:txBody>
+      </p:sp>
+      <p:sp>
+        <p:nvSpPr>
+          <p:cNvPr id="3" name="Picture Placeholder 2"/>
+          <p:cNvSpPr>
+            <a:spLocks noGrp="1" noChangeAspect="1"/>
+          </p:cNvSpPr>
+          <p:nvPr>
+            <p:ph type="pic" idx="1"/>
+          </p:nvPr>
+        </p:nvSpPr>
+        <p:spPr>
+          <a:xfrm>
+            <a:off x="1041427" y="1041399"/>
+            <a:ext cx="10105972" cy="3335869"/>
+          </a:xfrm>
+          <a:prstGeom prst="roundRect">
+            <a:avLst>
+              <a:gd name="adj" fmla="val 0"/>
+            </a:avLst>
+          </a:prstGeom>
+          <a:ln w="57150" cmpd="thickThin">
+            <a:solidFill>
+              <a:schemeClr val="tx1">
+                <a:lumMod val="50000"/>
+                <a:lumOff val="50000"/>
+              </a:schemeClr>
+            </a:solidFill>
+            <a:miter lim="800000"/>
+          </a:ln>
+          <a:effectLst>
+            <a:innerShdw blurRad="57150" dist="38100" dir="14460000">
+              <a:srgbClr val="000000">
+                <a:alpha val="70000"/>
+              </a:srgbClr>
+            </a:innerShdw>
+          </a:effectLst>
+        </p:spPr>
+        <p:txBody>
+          <a:bodyPr anchor="t">
+            <a:normAutofit/>
+          </a:bodyPr>
+          <a:lstStyle>
+            <a:lvl1pPr marL="0" indent="0" algn="ctr">
+              <a:buNone/>
+              <a:defRPr sz="1600"/>
+            </a:lvl1pPr>
+            <a:lvl2pPr marL="457200" indent="0">
+              <a:buNone/>
+              <a:defRPr sz="1600"/>
+            </a:lvl2pPr>
+            <a:lvl3pPr marL="914400" indent="0">
+              <a:buNone/>
+              <a:defRPr sz="1600"/>
+            </a:lvl3pPr>
+            <a:lvl4pPr marL="1371600" indent="0">
+              <a:buNone/>
+              <a:defRPr sz="1600"/>
+            </a:lvl4pPr>
+            <a:lvl5pPr marL="1828800" indent="0">
+              <a:buNone/>
+              <a:defRPr sz="1600"/>
+            </a:lvl5pPr>
+            <a:lvl6pPr marL="2286000" indent="0">
+              <a:buNone/>
+              <a:defRPr sz="1600"/>
+            </a:lvl6pPr>
+            <a:lvl7pPr marL="2743200" indent="0">
+              <a:buNone/>
+              <a:defRPr sz="1600"/>
+            </a:lvl7pPr>
+            <a:lvl8pPr marL="3200400" indent="0">
+              <a:buNone/>
+              <a:defRPr sz="1600"/>
+            </a:lvl8pPr>
+            <a:lvl9pPr marL="3657600" indent="0">
+              <a:buNone/>
+              <a:defRPr sz="1600"/>
+            </a:lvl9pPr>
+          </a:lstStyle>
+          <a:p>
+            <a:r>
+              <a:rPr lang="en-US"/>
+              <a:t>Click icon to add picture</a:t>
+            </a:r>
+            <a:endParaRPr lang="en-US" dirty="0"/>
+          </a:p>
+        </p:txBody>
+      </p:sp>
+      <p:sp>
+        <p:nvSpPr>
+          <p:cNvPr id="4" name="Text Placeholder 3"/>
+          <p:cNvSpPr>
+            <a:spLocks noGrp="1"/>
+          </p:cNvSpPr>
+          <p:nvPr>
+            <p:ph type="body" sz="half" idx="2"/>
+          </p:nvPr>
+        </p:nvSpPr>
+        <p:spPr>
+          <a:xfrm>
+            <a:off x="1295401" y="5382153"/>
+            <a:ext cx="9609666" cy="493712"/>
+          </a:xfrm>
+        </p:spPr>
+        <p:txBody>
+          <a:bodyPr>
+            <a:normAutofit/>
+          </a:bodyPr>
+          <a:lstStyle>
+            <a:lvl1pPr marL="0" indent="0" algn="ctr">
+              <a:buNone/>
+              <a:defRPr sz="1400"/>
+            </a:lvl1pPr>
+            <a:lvl2pPr marL="457200" indent="0">
+              <a:buNone/>
+              <a:defRPr sz="1200"/>
+            </a:lvl2pPr>
+            <a:lvl3pPr marL="914400" indent="0">
+              <a:buNone/>
+              <a:defRPr sz="1000"/>
+            </a:lvl3pPr>
+            <a:lvl4pPr marL="1371600" indent="0">
+              <a:buNone/>
+              <a:defRPr sz="900"/>
+            </a:lvl4pPr>
+            <a:lvl5pPr marL="1828800" indent="0">
+              <a:buNone/>
+              <a:defRPr sz="900"/>
+            </a:lvl5pPr>
+            <a:lvl6pPr marL="2286000" indent="0">
+              <a:buNone/>
+              <a:defRPr sz="900"/>
+            </a:lvl6pPr>
+            <a:lvl7pPr marL="2743200" indent="0">
+              <a:buNone/>
+              <a:defRPr sz="900"/>
+            </a:lvl7pPr>
+            <a:lvl8pPr marL="3200400" indent="0">
+              <a:buNone/>
+              <a:defRPr sz="900"/>
+            </a:lvl8pPr>
+            <a:lvl9pPr marL="3657600" indent="0">
+              <a:buNone/>
+              <a:defRPr sz="900"/>
+            </a:lvl9pPr>
+          </a:lstStyle>
+          <a:p>
+            <a:pPr lvl="0"/>
+            <a:r>
+              <a:rPr lang="en-US"/>
+              <a:t>Edit Master text styles</a:t>
+            </a:r>
+          </a:p>
+        </p:txBody>
+      </p:sp>
+      <p:sp>
+        <p:nvSpPr>
+          <p:cNvPr id="5" name="Date Placeholder 4"/>
+          <p:cNvSpPr>
+            <a:spLocks noGrp="1"/>
+          </p:cNvSpPr>
+          <p:nvPr>
+            <p:ph type="dt" sz="half" idx="10"/>
+          </p:nvPr>
+        </p:nvSpPr>
+        <p:spPr/>
+        <p:txBody>
+          <a:bodyPr/>
+          <a:lstStyle/>
+          <a:p>
+            <a:fld id="{70BC94CE-8BD2-4D24-BE63-671312790EC5}" type="datetimeFigureOut">
+              <a:rPr lang="en-US" smtClean="0"/>
+              <a:t>12/5/2017</a:t>
+            </a:fld>
+            <a:endParaRPr lang="en-US"/>
+          </a:p>
+        </p:txBody>
+      </p:sp>
+      <p:sp>
+        <p:nvSpPr>
+          <p:cNvPr id="6" name="Footer Placeholder 5"/>
+          <p:cNvSpPr>
+            <a:spLocks noGrp="1"/>
+          </p:cNvSpPr>
+          <p:nvPr>
+            <p:ph type="ftr" sz="quarter" idx="11"/>
+          </p:nvPr>
+        </p:nvSpPr>
+        <p:spPr/>
+        <p:txBody>
+          <a:bodyPr/>
+          <a:lstStyle/>
+          <a:p>
+            <a:endParaRPr lang="en-US"/>
+          </a:p>
+        </p:txBody>
+      </p:sp>
+      <p:sp>
+        <p:nvSpPr>
+          <p:cNvPr id="7" name="Slide Number Placeholder 6"/>
+          <p:cNvSpPr>
+            <a:spLocks noGrp="1"/>
+          </p:cNvSpPr>
+          <p:nvPr>
+            <p:ph type="sldNum" sz="quarter" idx="12"/>
+          </p:nvPr>
+        </p:nvSpPr>
+        <p:spPr/>
+        <p:txBody>
+          <a:bodyPr/>
+          <a:lstStyle/>
+          <a:p>
+            <a:fld id="{18A304E0-6F7F-4D04-AAC4-B2BE39A8B43E}" type="slidenum">
+              <a:rPr lang="en-US" smtClean="0"/>
+              <a:t>‹#›</a:t>
+            </a:fld>
+            <a:endParaRPr lang="en-US"/>
+          </a:p>
+        </p:txBody>
+      </p:sp>
+    </p:spTree>
+    <p:extLst>
+      <p:ext uri="{BB962C8B-B14F-4D97-AF65-F5344CB8AC3E}">
+        <p14:creationId xmlns:p14="http://schemas.microsoft.com/office/powerpoint/2010/main" val="1367528354"/>
+      </p:ext>
+    </p:extLst>
+  </p:cSld>
+  <p:clrMapOvr>
+    <a:masterClrMapping/>
+  </p:clrMapOvr>
+</p:sldLayout>
+</file>
+
+<file path=ppt/slideLayouts/slideLayout11.xml><?xml version="1.0" encoding="utf-8"?>
+<p:sldLayout xmlns:a="http://schemas.openxmlformats.org/drawingml/2006/main" xmlns:r="http://schemas.openxmlformats.org/officeDocument/2006/relationships" xmlns:p="http://schemas.openxmlformats.org/presentationml/2006/main" preserve="1">
+  <p:cSld name="Title and Caption">
+    <p:spTree>
+      <p:nvGrpSpPr>
+        <p:cNvPr id="1" name=""/>
+        <p:cNvGrpSpPr/>
+        <p:nvPr/>
+      </p:nvGrpSpPr>
+      <p:grpSpPr>
+        <a:xfrm>
+          <a:off x="0" y="0"/>
+          <a:ext cx="0" cy="0"/>
+          <a:chOff x="0" y="0"/>
+          <a:chExt cx="0" cy="0"/>
+        </a:xfrm>
+      </p:grpSpPr>
+      <p:sp>
+        <p:nvSpPr>
+          <p:cNvPr id="2" name="Title 1"/>
+          <p:cNvSpPr>
+            <a:spLocks noGrp="1"/>
+          </p:cNvSpPr>
+          <p:nvPr>
+            <p:ph type="title"/>
+          </p:nvPr>
+        </p:nvSpPr>
+        <p:spPr>
+          <a:xfrm>
+            <a:off x="1303868" y="982132"/>
+            <a:ext cx="9592732" cy="2954868"/>
+          </a:xfrm>
+        </p:spPr>
+        <p:txBody>
+          <a:bodyPr anchor="ctr">
+            <a:normAutofit/>
+          </a:bodyPr>
+          <a:lstStyle>
+            <a:lvl1pPr algn="ctr">
+              <a:defRPr sz="3200" b="0" cap="none"/>
+            </a:lvl1pPr>
+          </a:lstStyle>
+          <a:p>
+            <a:r>
+              <a:rPr lang="en-US"/>
+              <a:t>Click to edit Master title style</a:t>
+            </a:r>
+            <a:endParaRPr lang="en-US" dirty="0"/>
+          </a:p>
+        </p:txBody>
+      </p:sp>
+      <p:sp>
+        <p:nvSpPr>
+          <p:cNvPr id="3" name="Text Placeholder 2"/>
+          <p:cNvSpPr>
+            <a:spLocks noGrp="1"/>
+          </p:cNvSpPr>
+          <p:nvPr>
+            <p:ph type="body" idx="1"/>
+          </p:nvPr>
+        </p:nvSpPr>
+        <p:spPr>
+          <a:xfrm>
+            <a:off x="1303868" y="4343399"/>
+            <a:ext cx="9592732" cy="1532467"/>
+          </a:xfrm>
+        </p:spPr>
+        <p:txBody>
+          <a:bodyPr anchor="ctr">
+            <a:normAutofit/>
+          </a:bodyPr>
+          <a:lstStyle>
+            <a:lvl1pPr marL="0" indent="0" algn="ctr">
+              <a:buNone/>
+              <a:defRPr sz="2000">
+                <a:solidFill>
+                  <a:schemeClr val="tx1"/>
+                </a:solidFill>
+              </a:defRPr>
+            </a:lvl1pPr>
+            <a:lvl2pPr marL="457200" indent="0">
+              <a:buNone/>
+              <a:defRPr sz="1800">
+                <a:solidFill>
+                  <a:schemeClr val="tx1">
+                    <a:tint val="75000"/>
+                  </a:schemeClr>
+                </a:solidFill>
+              </a:defRPr>
+            </a:lvl2pPr>
+            <a:lvl3pPr marL="914400" indent="0">
+              <a:buNone/>
+              <a:defRPr sz="1600">
+                <a:solidFill>
+                  <a:schemeClr val="tx1">
+                    <a:tint val="75000"/>
+                  </a:schemeClr>
+                </a:solidFill>
+              </a:defRPr>
+            </a:lvl3pPr>
+            <a:lvl4pPr marL="1371600" indent="0">
+              <a:buNone/>
+              <a:defRPr sz="1400">
+                <a:solidFill>
+                  <a:schemeClr val="tx1">
+                    <a:tint val="75000"/>
+                  </a:schemeClr>
+                </a:solidFill>
+              </a:defRPr>
+            </a:lvl4pPr>
+            <a:lvl5pPr marL="1828800" indent="0">
+              <a:buNone/>
+              <a:defRPr sz="1400">
+                <a:solidFill>
+                  <a:schemeClr val="tx1">
+                    <a:tint val="75000"/>
+                  </a:schemeClr>
+                </a:solidFill>
+              </a:defRPr>
+            </a:lvl5pPr>
+            <a:lvl6pPr marL="2286000" indent="0">
+              <a:buNone/>
+              <a:defRPr sz="1400">
+                <a:solidFill>
+                  <a:schemeClr val="tx1">
+                    <a:tint val="75000"/>
+                  </a:schemeClr>
+                </a:solidFill>
+              </a:defRPr>
+            </a:lvl6pPr>
+            <a:lvl7pPr marL="2743200" indent="0">
+              <a:buNone/>
+              <a:defRPr sz="1400">
+                <a:solidFill>
+                  <a:schemeClr val="tx1">
+                    <a:tint val="75000"/>
+                  </a:schemeClr>
+                </a:solidFill>
+              </a:defRPr>
+            </a:lvl7pPr>
+            <a:lvl8pPr marL="3200400" indent="0">
+              <a:buNone/>
+              <a:defRPr sz="1400">
+                <a:solidFill>
+                  <a:schemeClr val="tx1">
+                    <a:tint val="75000"/>
+                  </a:schemeClr>
+                </a:solidFill>
+              </a:defRPr>
+            </a:lvl8pPr>
+            <a:lvl9pPr marL="3657600" indent="0">
+              <a:buNone/>
+              <a:defRPr sz="1400">
+                <a:solidFill>
+                  <a:schemeClr val="tx1">
+                    <a:tint val="75000"/>
+                  </a:schemeClr>
+                </a:solidFill>
+              </a:defRPr>
+            </a:lvl9pPr>
+          </a:lstStyle>
+          <a:p>
+            <a:pPr lvl="0"/>
+            <a:r>
+              <a:rPr lang="en-US"/>
+              <a:t>Edit Master text styles</a:t>
+            </a:r>
+          </a:p>
+        </p:txBody>
+      </p:sp>
+      <p:sp>
+        <p:nvSpPr>
+          <p:cNvPr id="4" name="Date Placeholder 3"/>
+          <p:cNvSpPr>
+            <a:spLocks noGrp="1"/>
+          </p:cNvSpPr>
+          <p:nvPr>
+            <p:ph type="dt" sz="half" idx="10"/>
+          </p:nvPr>
+        </p:nvSpPr>
+        <p:spPr/>
+        <p:txBody>
+          <a:bodyPr/>
+          <a:lstStyle/>
+          <a:p>
+            <a:fld id="{70BC94CE-8BD2-4D24-BE63-671312790EC5}" type="datetimeFigureOut">
+              <a:rPr lang="en-US" smtClean="0"/>
+              <a:t>12/5/2017</a:t>
+            </a:fld>
+            <a:endParaRPr lang="en-US"/>
+          </a:p>
+        </p:txBody>
+      </p:sp>
+      <p:sp>
+        <p:nvSpPr>
+          <p:cNvPr id="5" name="Footer Placeholder 4"/>
+          <p:cNvSpPr>
+            <a:spLocks noGrp="1"/>
+          </p:cNvSpPr>
+          <p:nvPr>
+            <p:ph type="ftr" sz="quarter" idx="11"/>
+          </p:nvPr>
+        </p:nvSpPr>
+        <p:spPr/>
+        <p:txBody>
+          <a:bodyPr/>
+          <a:lstStyle/>
+          <a:p>
+            <a:endParaRPr lang="en-US"/>
+          </a:p>
+        </p:txBody>
+      </p:sp>
+      <p:sp>
+        <p:nvSpPr>
+          <p:cNvPr id="6" name="Slide Number Placeholder 5"/>
+          <p:cNvSpPr>
+            <a:spLocks noGrp="1"/>
+          </p:cNvSpPr>
+          <p:nvPr>
+            <p:ph type="sldNum" sz="quarter" idx="12"/>
+          </p:nvPr>
+        </p:nvSpPr>
+        <p:spPr/>
+        <p:txBody>
+          <a:bodyPr/>
+          <a:lstStyle/>
+          <a:p>
+            <a:fld id="{18A304E0-6F7F-4D04-AAC4-B2BE39A8B43E}" type="slidenum">
+              <a:rPr lang="en-US" smtClean="0"/>
+              <a:t>‹#›</a:t>
+            </a:fld>
+            <a:endParaRPr lang="en-US"/>
+          </a:p>
+        </p:txBody>
+      </p:sp>
+      <p:cxnSp>
+        <p:nvCxnSpPr>
+          <p:cNvPr id="15" name="Straight Connector 14"/>
+          <p:cNvCxnSpPr/>
+          <p:nvPr/>
+        </p:nvCxnSpPr>
+        <p:spPr>
+          <a:xfrm>
+            <a:off x="1396169" y="4140199"/>
+            <a:ext cx="9407298" cy="0"/>
+          </a:xfrm>
+          <a:prstGeom prst="line">
+            <a:avLst/>
+          </a:prstGeom>
+          <a:ln w="15875"/>
+        </p:spPr>
+        <p:style>
+          <a:lnRef idx="2">
+            <a:schemeClr val="accent1"/>
+          </a:lnRef>
+          <a:fillRef idx="0">
+            <a:schemeClr val="accent1"/>
+          </a:fillRef>
+          <a:effectRef idx="1">
+            <a:schemeClr val="accent1"/>
+          </a:effectRef>
+          <a:fontRef idx="minor">
+            <a:schemeClr val="tx1"/>
+          </a:fontRef>
+        </p:style>
+      </p:cxnSp>
+    </p:spTree>
+    <p:extLst>
+      <p:ext uri="{BB962C8B-B14F-4D97-AF65-F5344CB8AC3E}">
+        <p14:creationId xmlns:p14="http://schemas.microsoft.com/office/powerpoint/2010/main" val="2010644454"/>
+      </p:ext>
+    </p:extLst>
+  </p:cSld>
+  <p:clrMapOvr>
+    <a:masterClrMapping/>
+  </p:clrMapOvr>
+</p:sldLayout>
+</file>
+
+<file path=ppt/slideLayouts/slideLayout12.xml><?xml version="1.0" encoding="utf-8"?>
+<p:sldLayout xmlns:a="http://schemas.openxmlformats.org/drawingml/2006/main" xmlns:r="http://schemas.openxmlformats.org/officeDocument/2006/relationships" xmlns:p="http://schemas.openxmlformats.org/presentationml/2006/main" preserve="1">
+  <p:cSld name="Quote with Caption">
+    <p:spTree>
+      <p:nvGrpSpPr>
+        <p:cNvPr id="1" name=""/>
+        <p:cNvGrpSpPr/>
+        <p:nvPr/>
+      </p:nvGrpSpPr>
+      <p:grpSpPr>
+        <a:xfrm>
+          <a:off x="0" y="0"/>
+          <a:ext cx="0" cy="0"/>
+          <a:chOff x="0" y="0"/>
+          <a:chExt cx="0" cy="0"/>
+        </a:xfrm>
+      </p:grpSpPr>
+      <p:sp>
+        <p:nvSpPr>
+          <p:cNvPr id="2" name="Title 1"/>
+          <p:cNvSpPr>
+            <a:spLocks noGrp="1"/>
+          </p:cNvSpPr>
+          <p:nvPr>
+            <p:ph type="title"/>
+          </p:nvPr>
+        </p:nvSpPr>
+        <p:spPr>
+          <a:xfrm>
+            <a:off x="1446213" y="982132"/>
+            <a:ext cx="9296398" cy="2370668"/>
+          </a:xfrm>
+        </p:spPr>
+        <p:txBody>
+          <a:bodyPr anchor="ctr">
+            <a:normAutofit/>
+          </a:bodyPr>
+          <a:lstStyle>
+            <a:lvl1pPr algn="ctr">
+              <a:defRPr sz="3200" b="0" cap="none">
+                <a:solidFill>
+                  <a:schemeClr val="tx1"/>
+                </a:solidFill>
+              </a:defRPr>
+            </a:lvl1pPr>
+          </a:lstStyle>
+          <a:p>
+            <a:r>
+              <a:rPr lang="en-US"/>
+              <a:t>Click to edit Master title style</a:t>
+            </a:r>
+            <a:endParaRPr lang="en-US" dirty="0"/>
+          </a:p>
+        </p:txBody>
+      </p:sp>
+      <p:sp>
+        <p:nvSpPr>
+          <p:cNvPr id="10" name="Text Placeholder 9"/>
+          <p:cNvSpPr>
+            <a:spLocks noGrp="1"/>
+          </p:cNvSpPr>
+          <p:nvPr>
+            <p:ph type="body" sz="quarter" idx="13"/>
+          </p:nvPr>
+        </p:nvSpPr>
+        <p:spPr>
+          <a:xfrm>
+            <a:off x="1674812" y="3352800"/>
+            <a:ext cx="8839202" cy="584200"/>
+          </a:xfrm>
+        </p:spPr>
+        <p:txBody>
+          <a:bodyPr anchor="ctr">
+            <a:normAutofit/>
+          </a:bodyPr>
+          <a:lstStyle>
+            <a:lvl1pPr marL="0" indent="0" algn="r">
+              <a:buFontTx/>
+              <a:buNone/>
+              <a:defRPr sz="2000"/>
+            </a:lvl1pPr>
+            <a:lvl2pPr marL="457200" indent="0">
+              <a:buFontTx/>
+              <a:buNone/>
+              <a:defRPr/>
+            </a:lvl2pPr>
+            <a:lvl3pPr marL="914400" indent="0">
+              <a:buFontTx/>
+              <a:buNone/>
+              <a:defRPr/>
+            </a:lvl3pPr>
+            <a:lvl4pPr marL="1371600" indent="0">
+              <a:buFontTx/>
+              <a:buNone/>
+              <a:defRPr/>
+            </a:lvl4pPr>
+            <a:lvl5pPr marL="1828800" indent="0">
+              <a:buFontTx/>
+              <a:buNone/>
+              <a:defRPr/>
+            </a:lvl5pPr>
+          </a:lstStyle>
+          <a:p>
+            <a:pPr lvl="0"/>
+            <a:r>
+              <a:rPr lang="en-US"/>
+              <a:t>Edit Master text styles</a:t>
+            </a:r>
+          </a:p>
+        </p:txBody>
+      </p:sp>
+      <p:sp>
+        <p:nvSpPr>
+          <p:cNvPr id="3" name="Text Placeholder 2"/>
+          <p:cNvSpPr>
+            <a:spLocks noGrp="1"/>
+          </p:cNvSpPr>
+          <p:nvPr>
+            <p:ph type="body" idx="1"/>
+          </p:nvPr>
+        </p:nvSpPr>
+        <p:spPr>
+          <a:xfrm>
+            <a:off x="1295401" y="4343399"/>
+            <a:ext cx="9609666" cy="1532467"/>
+          </a:xfrm>
+        </p:spPr>
+        <p:txBody>
+          <a:bodyPr anchor="ctr">
+            <a:normAutofit/>
+          </a:bodyPr>
+          <a:lstStyle>
+            <a:lvl1pPr marL="0" indent="0" algn="ctr">
+              <a:buNone/>
+              <a:defRPr sz="2000">
+                <a:solidFill>
+                  <a:schemeClr val="tx1"/>
+                </a:solidFill>
+              </a:defRPr>
+            </a:lvl1pPr>
+            <a:lvl2pPr marL="457200" indent="0">
+              <a:buNone/>
+              <a:defRPr sz="1800">
+                <a:solidFill>
+                  <a:schemeClr val="tx1">
+                    <a:tint val="75000"/>
+                  </a:schemeClr>
+                </a:solidFill>
+              </a:defRPr>
+            </a:lvl2pPr>
+            <a:lvl3pPr marL="914400" indent="0">
+              <a:buNone/>
+              <a:defRPr sz="1600">
+                <a:solidFill>
+                  <a:schemeClr val="tx1">
+                    <a:tint val="75000"/>
+                  </a:schemeClr>
+                </a:solidFill>
+              </a:defRPr>
+            </a:lvl3pPr>
+            <a:lvl4pPr marL="1371600" indent="0">
+              <a:buNone/>
+              <a:defRPr sz="1400">
+                <a:solidFill>
+                  <a:schemeClr val="tx1">
+                    <a:tint val="75000"/>
+                  </a:schemeClr>
+                </a:solidFill>
+              </a:defRPr>
+            </a:lvl4pPr>
+            <a:lvl5pPr marL="1828800" indent="0">
+              <a:buNone/>
+              <a:defRPr sz="1400">
+                <a:solidFill>
+                  <a:schemeClr val="tx1">
+                    <a:tint val="75000"/>
+                  </a:schemeClr>
+                </a:solidFill>
+              </a:defRPr>
+            </a:lvl5pPr>
+            <a:lvl6pPr marL="2286000" indent="0">
+              <a:buNone/>
+              <a:defRPr sz="1400">
+                <a:solidFill>
+                  <a:schemeClr val="tx1">
+                    <a:tint val="75000"/>
+                  </a:schemeClr>
+                </a:solidFill>
+              </a:defRPr>
+            </a:lvl6pPr>
+            <a:lvl7pPr marL="2743200" indent="0">
+              <a:buNone/>
+              <a:defRPr sz="1400">
+                <a:solidFill>
+                  <a:schemeClr val="tx1">
+                    <a:tint val="75000"/>
+                  </a:schemeClr>
+                </a:solidFill>
+              </a:defRPr>
+            </a:lvl7pPr>
+            <a:lvl8pPr marL="3200400" indent="0">
+              <a:buNone/>
+              <a:defRPr sz="1400">
+                <a:solidFill>
+                  <a:schemeClr val="tx1">
+                    <a:tint val="75000"/>
+                  </a:schemeClr>
+                </a:solidFill>
+              </a:defRPr>
+            </a:lvl8pPr>
+            <a:lvl9pPr marL="3657600" indent="0">
+              <a:buNone/>
+              <a:defRPr sz="1400">
+                <a:solidFill>
+                  <a:schemeClr val="tx1">
+                    <a:tint val="75000"/>
+                  </a:schemeClr>
+                </a:solidFill>
+              </a:defRPr>
+            </a:lvl9pPr>
+          </a:lstStyle>
+          <a:p>
+            <a:pPr lvl="0"/>
+            <a:r>
+              <a:rPr lang="en-US"/>
+              <a:t>Edit Master text styles</a:t>
+            </a:r>
+          </a:p>
+        </p:txBody>
+      </p:sp>
+      <p:sp>
+        <p:nvSpPr>
+          <p:cNvPr id="4" name="Date Placeholder 3"/>
+          <p:cNvSpPr>
+            <a:spLocks noGrp="1"/>
+          </p:cNvSpPr>
+          <p:nvPr>
+            <p:ph type="dt" sz="half" idx="10"/>
+          </p:nvPr>
+        </p:nvSpPr>
+        <p:spPr/>
+        <p:txBody>
+          <a:bodyPr/>
+          <a:lstStyle/>
+          <a:p>
+            <a:fld id="{70BC94CE-8BD2-4D24-BE63-671312790EC5}" type="datetimeFigureOut">
+              <a:rPr lang="en-US" smtClean="0"/>
+              <a:t>12/5/2017</a:t>
+            </a:fld>
+            <a:endParaRPr lang="en-US"/>
+          </a:p>
+        </p:txBody>
+      </p:sp>
+      <p:sp>
+        <p:nvSpPr>
+          <p:cNvPr id="5" name="Footer Placeholder 4"/>
+          <p:cNvSpPr>
+            <a:spLocks noGrp="1"/>
+          </p:cNvSpPr>
+          <p:nvPr>
+            <p:ph type="ftr" sz="quarter" idx="11"/>
+          </p:nvPr>
+        </p:nvSpPr>
+        <p:spPr/>
+        <p:txBody>
+          <a:bodyPr/>
+          <a:lstStyle/>
+          <a:p>
+            <a:endParaRPr lang="en-US"/>
+          </a:p>
+        </p:txBody>
+      </p:sp>
+      <p:sp>
+        <p:nvSpPr>
+          <p:cNvPr id="6" name="Slide Number Placeholder 5"/>
+          <p:cNvSpPr>
+            <a:spLocks noGrp="1"/>
+          </p:cNvSpPr>
+          <p:nvPr>
+            <p:ph type="sldNum" sz="quarter" idx="12"/>
+          </p:nvPr>
+        </p:nvSpPr>
+        <p:spPr/>
+        <p:txBody>
+          <a:bodyPr/>
+          <a:lstStyle/>
+          <a:p>
+            <a:fld id="{18A304E0-6F7F-4D04-AAC4-B2BE39A8B43E}" type="slidenum">
+              <a:rPr lang="en-US" smtClean="0"/>
+              <a:t>‹#›</a:t>
+            </a:fld>
+            <a:endParaRPr lang="en-US"/>
+          </a:p>
+        </p:txBody>
+      </p:sp>
+      <p:sp>
+        <p:nvSpPr>
+          <p:cNvPr id="14" name="TextBox 13"/>
+          <p:cNvSpPr txBox="1"/>
+          <p:nvPr/>
+        </p:nvSpPr>
+        <p:spPr>
+          <a:xfrm>
+            <a:off x="862013" y="879961"/>
+            <a:ext cx="609600" cy="584776"/>
+          </a:xfrm>
+          <a:prstGeom prst="rect">
+            <a:avLst/>
+          </a:prstGeom>
+        </p:spPr>
+        <p:txBody>
+          <a:bodyPr vert="horz" lIns="91440" tIns="45720" rIns="91440" bIns="45720" rtlCol="0" anchor="ctr">
+            <a:noAutofit/>
+          </a:bodyPr>
+          <a:lstStyle/>
+          <a:p>
+            <a:pPr lvl="0"/>
+            <a:r>
+              <a:rPr lang="en-US" sz="8000" dirty="0">
+                <a:solidFill>
+                  <a:schemeClr val="tx1"/>
+                </a:solidFill>
+                <a:effectLst/>
+              </a:rPr>
+              <a:t>“</a:t>
+            </a:r>
+          </a:p>
+        </p:txBody>
+      </p:sp>
+      <p:sp>
+        <p:nvSpPr>
+          <p:cNvPr id="15" name="TextBox 14"/>
+          <p:cNvSpPr txBox="1"/>
+          <p:nvPr/>
+        </p:nvSpPr>
+        <p:spPr>
+          <a:xfrm>
+            <a:off x="10600267" y="2827870"/>
+            <a:ext cx="609600" cy="584776"/>
+          </a:xfrm>
+          <a:prstGeom prst="rect">
+            <a:avLst/>
+          </a:prstGeom>
+        </p:spPr>
+        <p:txBody>
+          <a:bodyPr vert="horz" lIns="91440" tIns="45720" rIns="91440" bIns="45720" rtlCol="0" anchor="ctr">
+            <a:noAutofit/>
+          </a:bodyPr>
+          <a:lstStyle/>
+          <a:p>
+            <a:pPr lvl="0" algn="r"/>
+            <a:r>
+              <a:rPr lang="en-US" sz="8000" dirty="0">
+                <a:solidFill>
+                  <a:schemeClr val="tx1"/>
+                </a:solidFill>
+                <a:effectLst/>
+              </a:rPr>
+              <a:t>”</a:t>
+            </a:r>
+          </a:p>
+        </p:txBody>
+      </p:sp>
+      <p:cxnSp>
+        <p:nvCxnSpPr>
+          <p:cNvPr id="19" name="Straight Connector 18"/>
+          <p:cNvCxnSpPr/>
+          <p:nvPr/>
+        </p:nvCxnSpPr>
+        <p:spPr>
+          <a:xfrm>
+            <a:off x="1396169" y="4140199"/>
+            <a:ext cx="9407298" cy="0"/>
+          </a:xfrm>
+          <a:prstGeom prst="line">
+            <a:avLst/>
+          </a:prstGeom>
+          <a:ln w="15875"/>
+        </p:spPr>
+        <p:style>
+          <a:lnRef idx="2">
+            <a:schemeClr val="accent1"/>
+          </a:lnRef>
+          <a:fillRef idx="0">
+            <a:schemeClr val="accent1"/>
+          </a:fillRef>
+          <a:effectRef idx="1">
+            <a:schemeClr val="accent1"/>
+          </a:effectRef>
+          <a:fontRef idx="minor">
+            <a:schemeClr val="tx1"/>
+          </a:fontRef>
+        </p:style>
+      </p:cxnSp>
+    </p:spTree>
+    <p:extLst>
+      <p:ext uri="{BB962C8B-B14F-4D97-AF65-F5344CB8AC3E}">
+        <p14:creationId xmlns:p14="http://schemas.microsoft.com/office/powerpoint/2010/main" val="1765497408"/>
+      </p:ext>
+    </p:extLst>
+  </p:cSld>
+  <p:clrMapOvr>
+    <a:masterClrMapping/>
+  </p:clrMapOvr>
+</p:sldLayout>
+</file>
+
+<file path=ppt/slideLayouts/slideLayout13.xml><?xml version="1.0" encoding="utf-8"?>
+<p:sldLayout xmlns:a="http://schemas.openxmlformats.org/drawingml/2006/main" xmlns:r="http://schemas.openxmlformats.org/officeDocument/2006/relationships" xmlns:p="http://schemas.openxmlformats.org/presentationml/2006/main" preserve="1">
+  <p:cSld name="Name Card">
+    <p:spTree>
+      <p:nvGrpSpPr>
+        <p:cNvPr id="1" name=""/>
+        <p:cNvGrpSpPr/>
+        <p:nvPr/>
+      </p:nvGrpSpPr>
+      <p:grpSpPr>
+        <a:xfrm>
+          <a:off x="0" y="0"/>
+          <a:ext cx="0" cy="0"/>
+          <a:chOff x="0" y="0"/>
+          <a:chExt cx="0" cy="0"/>
+        </a:xfrm>
+      </p:grpSpPr>
+      <p:sp>
+        <p:nvSpPr>
+          <p:cNvPr id="2" name="Title 1"/>
+          <p:cNvSpPr>
+            <a:spLocks noGrp="1"/>
+          </p:cNvSpPr>
+          <p:nvPr>
+            <p:ph type="title"/>
+          </p:nvPr>
+        </p:nvSpPr>
+        <p:spPr>
+          <a:xfrm>
+            <a:off x="1295402" y="3308581"/>
+            <a:ext cx="9609668" cy="1468800"/>
+          </a:xfrm>
+        </p:spPr>
+        <p:txBody>
+          <a:bodyPr anchor="b">
+            <a:normAutofit/>
+          </a:bodyPr>
+          <a:lstStyle>
+            <a:lvl1pPr algn="l">
+              <a:defRPr sz="3200" b="0" cap="none"/>
+            </a:lvl1pPr>
+          </a:lstStyle>
+          <a:p>
+            <a:r>
+              <a:rPr lang="en-US"/>
+              <a:t>Click to edit Master title style</a:t>
+            </a:r>
+            <a:endParaRPr lang="en-US" dirty="0"/>
+          </a:p>
+        </p:txBody>
+      </p:sp>
+      <p:sp>
+        <p:nvSpPr>
+          <p:cNvPr id="3" name="Text Placeholder 2"/>
+          <p:cNvSpPr>
+            <a:spLocks noGrp="1"/>
+          </p:cNvSpPr>
+          <p:nvPr>
+            <p:ph type="body" idx="1"/>
+          </p:nvPr>
+        </p:nvSpPr>
+        <p:spPr>
+          <a:xfrm>
+            <a:off x="1295401" y="4777381"/>
+            <a:ext cx="9609668" cy="860400"/>
+          </a:xfrm>
+        </p:spPr>
+        <p:txBody>
+          <a:bodyPr anchor="t">
+            <a:normAutofit/>
+          </a:bodyPr>
+          <a:lstStyle>
+            <a:lvl1pPr marL="0" indent="0" algn="l">
+              <a:buNone/>
+              <a:defRPr sz="2000">
+                <a:solidFill>
+                  <a:schemeClr val="tx1"/>
+                </a:solidFill>
+              </a:defRPr>
+            </a:lvl1pPr>
+            <a:lvl2pPr marL="457200" indent="0">
+              <a:buNone/>
+              <a:defRPr sz="1800">
+                <a:solidFill>
+                  <a:schemeClr val="tx1">
+                    <a:tint val="75000"/>
+                  </a:schemeClr>
+                </a:solidFill>
+              </a:defRPr>
+            </a:lvl2pPr>
+            <a:lvl3pPr marL="914400" indent="0">
+              <a:buNone/>
+              <a:defRPr sz="1600">
+                <a:solidFill>
+                  <a:schemeClr val="tx1">
+                    <a:tint val="75000"/>
+                  </a:schemeClr>
+                </a:solidFill>
+              </a:defRPr>
+            </a:lvl3pPr>
+            <a:lvl4pPr marL="1371600" indent="0">
+              <a:buNone/>
+              <a:defRPr sz="1400">
+                <a:solidFill>
+                  <a:schemeClr val="tx1">
+                    <a:tint val="75000"/>
+                  </a:schemeClr>
+                </a:solidFill>
+              </a:defRPr>
+            </a:lvl4pPr>
+            <a:lvl5pPr marL="1828800" indent="0">
+              <a:buNone/>
+              <a:defRPr sz="1400">
+                <a:solidFill>
+                  <a:schemeClr val="tx1">
+                    <a:tint val="75000"/>
+                  </a:schemeClr>
+                </a:solidFill>
+              </a:defRPr>
+            </a:lvl5pPr>
+            <a:lvl6pPr marL="2286000" indent="0">
+              <a:buNone/>
+              <a:defRPr sz="1400">
+                <a:solidFill>
+                  <a:schemeClr val="tx1">
+                    <a:tint val="75000"/>
+                  </a:schemeClr>
+                </a:solidFill>
+              </a:defRPr>
+            </a:lvl6pPr>
+            <a:lvl7pPr marL="2743200" indent="0">
+              <a:buNone/>
+              <a:defRPr sz="1400">
+                <a:solidFill>
+                  <a:schemeClr val="tx1">
+                    <a:tint val="75000"/>
+                  </a:schemeClr>
+                </a:solidFill>
+              </a:defRPr>
+            </a:lvl7pPr>
+            <a:lvl8pPr marL="3200400" indent="0">
+              <a:buNone/>
+              <a:defRPr sz="1400">
+                <a:solidFill>
+                  <a:schemeClr val="tx1">
+                    <a:tint val="75000"/>
+                  </a:schemeClr>
+                </a:solidFill>
+              </a:defRPr>
+            </a:lvl8pPr>
+            <a:lvl9pPr marL="3657600" indent="0">
+              <a:buNone/>
+              <a:defRPr sz="1400">
+                <a:solidFill>
+                  <a:schemeClr val="tx1">
+                    <a:tint val="75000"/>
+                  </a:schemeClr>
+                </a:solidFill>
+              </a:defRPr>
+            </a:lvl9pPr>
+          </a:lstStyle>
+          <a:p>
+            <a:pPr lvl="0"/>
+            <a:r>
+              <a:rPr lang="en-US"/>
+              <a:t>Edit Master text styles</a:t>
+            </a:r>
+          </a:p>
+        </p:txBody>
+      </p:sp>
+      <p:sp>
+        <p:nvSpPr>
+          <p:cNvPr id="4" name="Date Placeholder 3"/>
+          <p:cNvSpPr>
+            <a:spLocks noGrp="1"/>
+          </p:cNvSpPr>
+          <p:nvPr>
+            <p:ph type="dt" sz="half" idx="10"/>
+          </p:nvPr>
+        </p:nvSpPr>
+        <p:spPr/>
+        <p:txBody>
+          <a:bodyPr/>
+          <a:lstStyle/>
+          <a:p>
+            <a:fld id="{70BC94CE-8BD2-4D24-BE63-671312790EC5}" type="datetimeFigureOut">
+              <a:rPr lang="en-US" smtClean="0"/>
+              <a:t>12/5/2017</a:t>
+            </a:fld>
+            <a:endParaRPr lang="en-US"/>
+          </a:p>
+        </p:txBody>
+      </p:sp>
+      <p:sp>
+        <p:nvSpPr>
+          <p:cNvPr id="5" name="Footer Placeholder 4"/>
+          <p:cNvSpPr>
+            <a:spLocks noGrp="1"/>
+          </p:cNvSpPr>
+          <p:nvPr>
+            <p:ph type="ftr" sz="quarter" idx="11"/>
+          </p:nvPr>
+        </p:nvSpPr>
+        <p:spPr/>
+        <p:txBody>
+          <a:bodyPr/>
+          <a:lstStyle/>
+          <a:p>
+            <a:endParaRPr lang="en-US"/>
+          </a:p>
+        </p:txBody>
+      </p:sp>
+      <p:sp>
+        <p:nvSpPr>
+          <p:cNvPr id="6" name="Slide Number Placeholder 5"/>
+          <p:cNvSpPr>
+            <a:spLocks noGrp="1"/>
+          </p:cNvSpPr>
+          <p:nvPr>
+            <p:ph type="sldNum" sz="quarter" idx="12"/>
+          </p:nvPr>
+        </p:nvSpPr>
+        <p:spPr/>
+        <p:txBody>
+          <a:bodyPr/>
+          <a:lstStyle/>
+          <a:p>
+            <a:fld id="{18A304E0-6F7F-4D04-AAC4-B2BE39A8B43E}" type="slidenum">
+              <a:rPr lang="en-US" smtClean="0"/>
+              <a:t>‹#›</a:t>
+            </a:fld>
+            <a:endParaRPr lang="en-US"/>
+          </a:p>
+        </p:txBody>
+      </p:sp>
+    </p:spTree>
+    <p:extLst>
+      <p:ext uri="{BB962C8B-B14F-4D97-AF65-F5344CB8AC3E}">
+        <p14:creationId xmlns:p14="http://schemas.microsoft.com/office/powerpoint/2010/main" val="1380121926"/>
+      </p:ext>
+    </p:extLst>
+  </p:cSld>
+  <p:clrMapOvr>
+    <a:masterClrMapping/>
+  </p:clrMapOvr>
+</p:sldLayout>
+</file>
+
+<file path=ppt/slideLayouts/slideLayout14.xml><?xml version="1.0" encoding="utf-8"?>
+<p:sldLayout xmlns:a="http://schemas.openxmlformats.org/drawingml/2006/main" xmlns:r="http://schemas.openxmlformats.org/officeDocument/2006/relationships" xmlns:p="http://schemas.openxmlformats.org/presentationml/2006/main" preserve="1">
+  <p:cSld name="Quote Name Card">
+    <p:spTree>
+      <p:nvGrpSpPr>
+        <p:cNvPr id="1" name=""/>
+        <p:cNvGrpSpPr/>
+        <p:nvPr/>
+      </p:nvGrpSpPr>
+      <p:grpSpPr>
+        <a:xfrm>
+          <a:off x="0" y="0"/>
+          <a:ext cx="0" cy="0"/>
+          <a:chOff x="0" y="0"/>
+          <a:chExt cx="0" cy="0"/>
+        </a:xfrm>
+      </p:grpSpPr>
+      <p:sp>
+        <p:nvSpPr>
+          <p:cNvPr id="2" name="Title 1"/>
+          <p:cNvSpPr>
+            <a:spLocks noGrp="1"/>
+          </p:cNvSpPr>
+          <p:nvPr>
+            <p:ph type="title"/>
+          </p:nvPr>
+        </p:nvSpPr>
+        <p:spPr>
+          <a:xfrm>
+            <a:off x="1446213" y="982132"/>
+            <a:ext cx="9296398" cy="2243668"/>
+          </a:xfrm>
+        </p:spPr>
+        <p:txBody>
+          <a:bodyPr anchor="ctr">
+            <a:normAutofit/>
+          </a:bodyPr>
+          <a:lstStyle>
+            <a:lvl1pPr algn="ctr">
+              <a:defRPr sz="3200" b="0" cap="none">
+                <a:solidFill>
+                  <a:schemeClr val="tx1"/>
+                </a:solidFill>
+              </a:defRPr>
+            </a:lvl1pPr>
+          </a:lstStyle>
+          <a:p>
+            <a:r>
+              <a:rPr lang="en-US"/>
+              <a:t>Click to edit Master title style</a:t>
+            </a:r>
+            <a:endParaRPr lang="en-US" dirty="0"/>
+          </a:p>
+        </p:txBody>
+      </p:sp>
+      <p:sp>
+        <p:nvSpPr>
+          <p:cNvPr id="23" name="Text Placeholder 2"/>
+          <p:cNvSpPr>
+            <a:spLocks noGrp="1"/>
+          </p:cNvSpPr>
+          <p:nvPr>
+            <p:ph type="body" idx="13"/>
+          </p:nvPr>
+        </p:nvSpPr>
+        <p:spPr>
+          <a:xfrm>
+            <a:off x="1295401" y="3639312"/>
+            <a:ext cx="9609668" cy="886968"/>
+          </a:xfrm>
+        </p:spPr>
+        <p:txBody>
+          <a:bodyPr anchor="b">
+            <a:normAutofit/>
+          </a:bodyPr>
+          <a:lstStyle>
+            <a:lvl1pPr marL="0" indent="0" algn="l">
+              <a:spcBef>
+                <a:spcPts val="0"/>
+              </a:spcBef>
+              <a:buNone/>
+              <a:defRPr sz="2400">
+                <a:solidFill>
+                  <a:schemeClr val="tx1"/>
+                </a:solidFill>
+              </a:defRPr>
+            </a:lvl1pPr>
+            <a:lvl2pPr marL="457200" indent="0">
+              <a:buNone/>
+              <a:defRPr sz="1800">
+                <a:solidFill>
+                  <a:schemeClr val="tx1">
+                    <a:tint val="75000"/>
+                  </a:schemeClr>
+                </a:solidFill>
+              </a:defRPr>
+            </a:lvl2pPr>
+            <a:lvl3pPr marL="914400" indent="0">
+              <a:buNone/>
+              <a:defRPr sz="1600">
+                <a:solidFill>
+                  <a:schemeClr val="tx1">
+                    <a:tint val="75000"/>
+                  </a:schemeClr>
+                </a:solidFill>
+              </a:defRPr>
+            </a:lvl3pPr>
+            <a:lvl4pPr marL="1371600" indent="0">
+              <a:buNone/>
+              <a:defRPr sz="1400">
+                <a:solidFill>
+                  <a:schemeClr val="tx1">
+                    <a:tint val="75000"/>
+                  </a:schemeClr>
+                </a:solidFill>
+              </a:defRPr>
+            </a:lvl4pPr>
+            <a:lvl5pPr marL="1828800" indent="0">
+              <a:buNone/>
+              <a:defRPr sz="1400">
+                <a:solidFill>
+                  <a:schemeClr val="tx1">
+                    <a:tint val="75000"/>
+                  </a:schemeClr>
+                </a:solidFill>
+              </a:defRPr>
+            </a:lvl5pPr>
+            <a:lvl6pPr marL="2286000" indent="0">
+              <a:buNone/>
+              <a:defRPr sz="1400">
+                <a:solidFill>
+                  <a:schemeClr val="tx1">
+                    <a:tint val="75000"/>
+                  </a:schemeClr>
+                </a:solidFill>
+              </a:defRPr>
+            </a:lvl6pPr>
+            <a:lvl7pPr marL="2743200" indent="0">
+              <a:buNone/>
+              <a:defRPr sz="1400">
+                <a:solidFill>
+                  <a:schemeClr val="tx1">
+                    <a:tint val="75000"/>
+                  </a:schemeClr>
+                </a:solidFill>
+              </a:defRPr>
+            </a:lvl7pPr>
+            <a:lvl8pPr marL="3200400" indent="0">
+              <a:buNone/>
+              <a:defRPr sz="1400">
+                <a:solidFill>
+                  <a:schemeClr val="tx1">
+                    <a:tint val="75000"/>
+                  </a:schemeClr>
+                </a:solidFill>
+              </a:defRPr>
+            </a:lvl8pPr>
+            <a:lvl9pPr marL="3657600" indent="0">
+              <a:buNone/>
+              <a:defRPr sz="1400">
+                <a:solidFill>
+                  <a:schemeClr val="tx1">
+                    <a:tint val="75000"/>
+                  </a:schemeClr>
+                </a:solidFill>
+              </a:defRPr>
+            </a:lvl9pPr>
+          </a:lstStyle>
+          <a:p>
+            <a:pPr lvl="0"/>
+            <a:r>
+              <a:rPr lang="en-US"/>
+              <a:t>Edit Master text styles</a:t>
+            </a:r>
+          </a:p>
+        </p:txBody>
+      </p:sp>
+      <p:sp>
+        <p:nvSpPr>
+          <p:cNvPr id="3" name="Text Placeholder 2"/>
+          <p:cNvSpPr>
+            <a:spLocks noGrp="1"/>
+          </p:cNvSpPr>
+          <p:nvPr>
+            <p:ph type="body" idx="1"/>
+          </p:nvPr>
+        </p:nvSpPr>
+        <p:spPr>
+          <a:xfrm>
+            <a:off x="1295401" y="4529667"/>
+            <a:ext cx="9609668" cy="1346200"/>
+          </a:xfrm>
+        </p:spPr>
+        <p:txBody>
+          <a:bodyPr anchor="t">
+            <a:normAutofit/>
+          </a:bodyPr>
+          <a:lstStyle>
+            <a:lvl1pPr marL="0" indent="0" algn="l">
+              <a:buNone/>
+              <a:defRPr sz="1800">
+                <a:solidFill>
+                  <a:schemeClr val="tx1"/>
+                </a:solidFill>
+              </a:defRPr>
+            </a:lvl1pPr>
+            <a:lvl2pPr marL="457200" indent="0">
+              <a:buNone/>
+              <a:defRPr sz="1800">
+                <a:solidFill>
+                  <a:schemeClr val="tx1">
+                    <a:tint val="75000"/>
+                  </a:schemeClr>
+                </a:solidFill>
+              </a:defRPr>
+            </a:lvl2pPr>
+            <a:lvl3pPr marL="914400" indent="0">
+              <a:buNone/>
+              <a:defRPr sz="1600">
+                <a:solidFill>
+                  <a:schemeClr val="tx1">
+                    <a:tint val="75000"/>
+                  </a:schemeClr>
+                </a:solidFill>
+              </a:defRPr>
+            </a:lvl3pPr>
+            <a:lvl4pPr marL="1371600" indent="0">
+              <a:buNone/>
+              <a:defRPr sz="1400">
+                <a:solidFill>
+                  <a:schemeClr val="tx1">
+                    <a:tint val="75000"/>
+                  </a:schemeClr>
+                </a:solidFill>
+              </a:defRPr>
+            </a:lvl4pPr>
+            <a:lvl5pPr marL="1828800" indent="0">
+              <a:buNone/>
+              <a:defRPr sz="1400">
+                <a:solidFill>
+                  <a:schemeClr val="tx1">
+                    <a:tint val="75000"/>
+                  </a:schemeClr>
+                </a:solidFill>
+              </a:defRPr>
+            </a:lvl5pPr>
+            <a:lvl6pPr marL="2286000" indent="0">
+              <a:buNone/>
+              <a:defRPr sz="1400">
+                <a:solidFill>
+                  <a:schemeClr val="tx1">
+                    <a:tint val="75000"/>
+                  </a:schemeClr>
+                </a:solidFill>
+              </a:defRPr>
+            </a:lvl6pPr>
+            <a:lvl7pPr marL="2743200" indent="0">
+              <a:buNone/>
+              <a:defRPr sz="1400">
+                <a:solidFill>
+                  <a:schemeClr val="tx1">
+                    <a:tint val="75000"/>
+                  </a:schemeClr>
+                </a:solidFill>
+              </a:defRPr>
+            </a:lvl7pPr>
+            <a:lvl8pPr marL="3200400" indent="0">
+              <a:buNone/>
+              <a:defRPr sz="1400">
+                <a:solidFill>
+                  <a:schemeClr val="tx1">
+                    <a:tint val="75000"/>
+                  </a:schemeClr>
+                </a:solidFill>
+              </a:defRPr>
+            </a:lvl8pPr>
+            <a:lvl9pPr marL="3657600" indent="0">
+              <a:buNone/>
+              <a:defRPr sz="1400">
+                <a:solidFill>
+                  <a:schemeClr val="tx1">
+                    <a:tint val="75000"/>
+                  </a:schemeClr>
+                </a:solidFill>
+              </a:defRPr>
+            </a:lvl9pPr>
+          </a:lstStyle>
+          <a:p>
+            <a:pPr lvl="0"/>
+            <a:r>
+              <a:rPr lang="en-US"/>
+              <a:t>Edit Master text styles</a:t>
+            </a:r>
+          </a:p>
+        </p:txBody>
+      </p:sp>
+      <p:sp>
+        <p:nvSpPr>
+          <p:cNvPr id="4" name="Date Placeholder 3"/>
+          <p:cNvSpPr>
+            <a:spLocks noGrp="1"/>
+          </p:cNvSpPr>
+          <p:nvPr>
+            <p:ph type="dt" sz="half" idx="10"/>
+          </p:nvPr>
+        </p:nvSpPr>
+        <p:spPr/>
+        <p:txBody>
+          <a:bodyPr/>
+          <a:lstStyle/>
+          <a:p>
+            <a:fld id="{70BC94CE-8BD2-4D24-BE63-671312790EC5}" type="datetimeFigureOut">
+              <a:rPr lang="en-US" smtClean="0"/>
+              <a:t>12/5/2017</a:t>
+            </a:fld>
+            <a:endParaRPr lang="en-US"/>
+          </a:p>
+        </p:txBody>
+      </p:sp>
+      <p:sp>
+        <p:nvSpPr>
+          <p:cNvPr id="5" name="Footer Placeholder 4"/>
+          <p:cNvSpPr>
+            <a:spLocks noGrp="1"/>
+          </p:cNvSpPr>
+          <p:nvPr>
+            <p:ph type="ftr" sz="quarter" idx="11"/>
+          </p:nvPr>
+        </p:nvSpPr>
+        <p:spPr/>
+        <p:txBody>
+          <a:bodyPr/>
+          <a:lstStyle/>
+          <a:p>
+            <a:endParaRPr lang="en-US"/>
+          </a:p>
+        </p:txBody>
+      </p:sp>
+      <p:sp>
+        <p:nvSpPr>
+          <p:cNvPr id="6" name="Slide Number Placeholder 5"/>
+          <p:cNvSpPr>
+            <a:spLocks noGrp="1"/>
+          </p:cNvSpPr>
+          <p:nvPr>
+            <p:ph type="sldNum" sz="quarter" idx="12"/>
+          </p:nvPr>
+        </p:nvSpPr>
+        <p:spPr/>
+        <p:txBody>
+          <a:bodyPr/>
+          <a:lstStyle/>
+          <a:p>
+            <a:fld id="{18A304E0-6F7F-4D04-AAC4-B2BE39A8B43E}" type="slidenum">
+              <a:rPr lang="en-US" smtClean="0"/>
+              <a:t>‹#›</a:t>
+            </a:fld>
+            <a:endParaRPr lang="en-US"/>
+          </a:p>
+        </p:txBody>
+      </p:sp>
+      <p:sp>
+        <p:nvSpPr>
+          <p:cNvPr id="12" name="TextBox 11"/>
+          <p:cNvSpPr txBox="1"/>
+          <p:nvPr/>
+        </p:nvSpPr>
+        <p:spPr>
+          <a:xfrm>
+            <a:off x="862013" y="879961"/>
+            <a:ext cx="609600" cy="584776"/>
+          </a:xfrm>
+          <a:prstGeom prst="rect">
+            <a:avLst/>
+          </a:prstGeom>
+        </p:spPr>
+        <p:txBody>
+          <a:bodyPr vert="horz" lIns="91440" tIns="45720" rIns="91440" bIns="45720" rtlCol="0" anchor="ctr">
+            <a:noAutofit/>
+          </a:bodyPr>
+          <a:lstStyle/>
+          <a:p>
+            <a:pPr lvl="0"/>
+            <a:r>
+              <a:rPr lang="en-US" sz="8000" dirty="0">
+                <a:solidFill>
+                  <a:schemeClr val="tx1"/>
+                </a:solidFill>
+                <a:effectLst/>
+              </a:rPr>
+              <a:t>“</a:t>
+            </a:r>
+          </a:p>
+        </p:txBody>
+      </p:sp>
+      <p:sp>
+        <p:nvSpPr>
+          <p:cNvPr id="13" name="TextBox 12"/>
+          <p:cNvSpPr txBox="1"/>
+          <p:nvPr/>
+        </p:nvSpPr>
+        <p:spPr>
+          <a:xfrm>
+            <a:off x="10600267" y="2599261"/>
+            <a:ext cx="609600" cy="584776"/>
+          </a:xfrm>
+          <a:prstGeom prst="rect">
+            <a:avLst/>
+          </a:prstGeom>
+        </p:spPr>
+        <p:txBody>
+          <a:bodyPr vert="horz" lIns="91440" tIns="45720" rIns="91440" bIns="45720" rtlCol="0" anchor="ctr">
+            <a:noAutofit/>
+          </a:bodyPr>
+          <a:lstStyle/>
+          <a:p>
+            <a:pPr lvl="0" algn="r"/>
+            <a:r>
+              <a:rPr lang="en-US" sz="8000" dirty="0">
+                <a:solidFill>
+                  <a:schemeClr val="tx1"/>
+                </a:solidFill>
+                <a:effectLst/>
+              </a:rPr>
+              <a:t>”</a:t>
+            </a:r>
+          </a:p>
+        </p:txBody>
+      </p:sp>
+      <p:cxnSp>
+        <p:nvCxnSpPr>
+          <p:cNvPr id="26" name="Straight Connector 25"/>
+          <p:cNvCxnSpPr/>
+          <p:nvPr/>
+        </p:nvCxnSpPr>
+        <p:spPr>
+          <a:xfrm>
+            <a:off x="1396169" y="3429000"/>
+            <a:ext cx="9407298" cy="0"/>
+          </a:xfrm>
+          <a:prstGeom prst="line">
+            <a:avLst/>
+          </a:prstGeom>
+          <a:ln w="15875"/>
+        </p:spPr>
+        <p:style>
+          <a:lnRef idx="2">
+            <a:schemeClr val="accent1"/>
+          </a:lnRef>
+          <a:fillRef idx="0">
+            <a:schemeClr val="accent1"/>
+          </a:fillRef>
+          <a:effectRef idx="1">
+            <a:schemeClr val="accent1"/>
+          </a:effectRef>
+          <a:fontRef idx="minor">
+            <a:schemeClr val="tx1"/>
+          </a:fontRef>
+        </p:style>
+      </p:cxnSp>
+    </p:spTree>
+    <p:extLst>
+      <p:ext uri="{BB962C8B-B14F-4D97-AF65-F5344CB8AC3E}">
+        <p14:creationId xmlns:p14="http://schemas.microsoft.com/office/powerpoint/2010/main" val="3554726691"/>
+      </p:ext>
+    </p:extLst>
+  </p:cSld>
+  <p:clrMapOvr>
+    <a:masterClrMapping/>
+  </p:clrMapOvr>
+</p:sldLayout>
+</file>
+
+<file path=ppt/slideLayouts/slideLayout15.xml><?xml version="1.0" encoding="utf-8"?>
+<p:sldLayout xmlns:a="http://schemas.openxmlformats.org/drawingml/2006/main" xmlns:r="http://schemas.openxmlformats.org/officeDocument/2006/relationships" xmlns:p="http://schemas.openxmlformats.org/presentationml/2006/main" preserve="1">
+  <p:cSld name="True or False">
+    <p:spTree>
+      <p:nvGrpSpPr>
+        <p:cNvPr id="1" name=""/>
+        <p:cNvGrpSpPr/>
+        <p:nvPr/>
+      </p:nvGrpSpPr>
+      <p:grpSpPr>
+        <a:xfrm>
+          <a:off x="0" y="0"/>
+          <a:ext cx="0" cy="0"/>
+          <a:chOff x="0" y="0"/>
+          <a:chExt cx="0" cy="0"/>
+        </a:xfrm>
+      </p:grpSpPr>
+      <p:sp>
+        <p:nvSpPr>
+          <p:cNvPr id="2" name="Title 1"/>
+          <p:cNvSpPr>
+            <a:spLocks noGrp="1"/>
+          </p:cNvSpPr>
+          <p:nvPr>
+            <p:ph type="title"/>
+          </p:nvPr>
+        </p:nvSpPr>
+        <p:spPr>
+          <a:xfrm>
+            <a:off x="1295401" y="982132"/>
+            <a:ext cx="9609666" cy="2243668"/>
+          </a:xfrm>
+        </p:spPr>
+        <p:txBody>
+          <a:bodyPr vert="horz" lIns="91440" tIns="45720" rIns="91440" bIns="45720" rtlCol="0" anchor="ctr">
+            <a:normAutofit/>
+          </a:bodyPr>
+          <a:lstStyle>
+            <a:lvl1pPr>
+              <a:defRPr lang="en-US" b="0" dirty="0"/>
+            </a:lvl1pPr>
+          </a:lstStyle>
+          <a:p>
+            <a:pPr marL="0" lvl="0"/>
+            <a:r>
+              <a:rPr lang="en-US"/>
+              <a:t>Click to edit Master title style</a:t>
+            </a:r>
+            <a:endParaRPr lang="en-US" dirty="0"/>
+          </a:p>
+        </p:txBody>
+      </p:sp>
+      <p:sp>
+        <p:nvSpPr>
+          <p:cNvPr id="20" name="Text Placeholder 2"/>
+          <p:cNvSpPr>
+            <a:spLocks noGrp="1"/>
+          </p:cNvSpPr>
+          <p:nvPr>
+            <p:ph type="body" idx="13"/>
+          </p:nvPr>
+        </p:nvSpPr>
+        <p:spPr>
+          <a:xfrm>
+            <a:off x="1295401" y="3630168"/>
+            <a:ext cx="9609668" cy="841248"/>
+          </a:xfrm>
+        </p:spPr>
+        <p:txBody>
+          <a:bodyPr anchor="b">
+            <a:normAutofit/>
+          </a:bodyPr>
+          <a:lstStyle>
+            <a:lvl1pPr marL="0" indent="0" algn="l">
+              <a:spcBef>
+                <a:spcPts val="0"/>
+              </a:spcBef>
+              <a:buNone/>
+              <a:defRPr sz="2800">
+                <a:solidFill>
+                  <a:schemeClr val="tx1"/>
+                </a:solidFill>
+              </a:defRPr>
+            </a:lvl1pPr>
+            <a:lvl2pPr marL="457200" indent="0">
+              <a:buNone/>
+              <a:defRPr sz="1800">
+                <a:solidFill>
+                  <a:schemeClr val="tx1">
+                    <a:tint val="75000"/>
+                  </a:schemeClr>
+                </a:solidFill>
+              </a:defRPr>
+            </a:lvl2pPr>
+            <a:lvl3pPr marL="914400" indent="0">
+              <a:buNone/>
+              <a:defRPr sz="1600">
+                <a:solidFill>
+                  <a:schemeClr val="tx1">
+                    <a:tint val="75000"/>
+                  </a:schemeClr>
+                </a:solidFill>
+              </a:defRPr>
+            </a:lvl3pPr>
+            <a:lvl4pPr marL="1371600" indent="0">
+              <a:buNone/>
+              <a:defRPr sz="1400">
+                <a:solidFill>
+                  <a:schemeClr val="tx1">
+                    <a:tint val="75000"/>
+                  </a:schemeClr>
+                </a:solidFill>
+              </a:defRPr>
+            </a:lvl4pPr>
+            <a:lvl5pPr marL="1828800" indent="0">
+              <a:buNone/>
+              <a:defRPr sz="1400">
+                <a:solidFill>
+                  <a:schemeClr val="tx1">
+                    <a:tint val="75000"/>
+                  </a:schemeClr>
+                </a:solidFill>
+              </a:defRPr>
+            </a:lvl5pPr>
+            <a:lvl6pPr marL="2286000" indent="0">
+              <a:buNone/>
+              <a:defRPr sz="1400">
+                <a:solidFill>
+                  <a:schemeClr val="tx1">
+                    <a:tint val="75000"/>
+                  </a:schemeClr>
+                </a:solidFill>
+              </a:defRPr>
+            </a:lvl6pPr>
+            <a:lvl7pPr marL="2743200" indent="0">
+              <a:buNone/>
+              <a:defRPr sz="1400">
+                <a:solidFill>
+                  <a:schemeClr val="tx1">
+                    <a:tint val="75000"/>
+                  </a:schemeClr>
+                </a:solidFill>
+              </a:defRPr>
+            </a:lvl7pPr>
+            <a:lvl8pPr marL="3200400" indent="0">
+              <a:buNone/>
+              <a:defRPr sz="1400">
+                <a:solidFill>
+                  <a:schemeClr val="tx1">
+                    <a:tint val="75000"/>
+                  </a:schemeClr>
+                </a:solidFill>
+              </a:defRPr>
+            </a:lvl8pPr>
+            <a:lvl9pPr marL="3657600" indent="0">
+              <a:buNone/>
+              <a:defRPr sz="1400">
+                <a:solidFill>
+                  <a:schemeClr val="tx1">
+                    <a:tint val="75000"/>
+                  </a:schemeClr>
+                </a:solidFill>
+              </a:defRPr>
+            </a:lvl9pPr>
+          </a:lstStyle>
+          <a:p>
+            <a:pPr lvl="0"/>
+            <a:r>
+              <a:rPr lang="en-US"/>
+              <a:t>Edit Master text styles</a:t>
+            </a:r>
+          </a:p>
+        </p:txBody>
+      </p:sp>
+      <p:sp>
+        <p:nvSpPr>
+          <p:cNvPr id="3" name="Text Placeholder 2"/>
+          <p:cNvSpPr>
+            <a:spLocks noGrp="1"/>
+          </p:cNvSpPr>
+          <p:nvPr>
+            <p:ph type="body" idx="1"/>
+          </p:nvPr>
+        </p:nvSpPr>
+        <p:spPr>
+          <a:xfrm>
+            <a:off x="1295400" y="4470399"/>
+            <a:ext cx="9609670" cy="1405467"/>
+          </a:xfrm>
+        </p:spPr>
+        <p:txBody>
+          <a:bodyPr anchor="t">
+            <a:normAutofit/>
+          </a:bodyPr>
+          <a:lstStyle>
+            <a:lvl1pPr marL="0" indent="0" algn="l">
+              <a:buNone/>
+              <a:defRPr sz="1800">
+                <a:solidFill>
+                  <a:schemeClr val="tx1"/>
+                </a:solidFill>
+              </a:defRPr>
+            </a:lvl1pPr>
+            <a:lvl2pPr marL="457200" indent="0">
+              <a:buNone/>
+              <a:defRPr sz="1800">
+                <a:solidFill>
+                  <a:schemeClr val="tx1">
+                    <a:tint val="75000"/>
+                  </a:schemeClr>
+                </a:solidFill>
+              </a:defRPr>
+            </a:lvl2pPr>
+            <a:lvl3pPr marL="914400" indent="0">
+              <a:buNone/>
+              <a:defRPr sz="1600">
+                <a:solidFill>
+                  <a:schemeClr val="tx1">
+                    <a:tint val="75000"/>
+                  </a:schemeClr>
+                </a:solidFill>
+              </a:defRPr>
+            </a:lvl3pPr>
+            <a:lvl4pPr marL="1371600" indent="0">
+              <a:buNone/>
+              <a:defRPr sz="1400">
+                <a:solidFill>
+                  <a:schemeClr val="tx1">
+                    <a:tint val="75000"/>
+                  </a:schemeClr>
+                </a:solidFill>
+              </a:defRPr>
+            </a:lvl4pPr>
+            <a:lvl5pPr marL="1828800" indent="0">
+              <a:buNone/>
+              <a:defRPr sz="1400">
+                <a:solidFill>
+                  <a:schemeClr val="tx1">
+                    <a:tint val="75000"/>
+                  </a:schemeClr>
+                </a:solidFill>
+              </a:defRPr>
+            </a:lvl5pPr>
+            <a:lvl6pPr marL="2286000" indent="0">
+              <a:buNone/>
+              <a:defRPr sz="1400">
+                <a:solidFill>
+                  <a:schemeClr val="tx1">
+                    <a:tint val="75000"/>
+                  </a:schemeClr>
+                </a:solidFill>
+              </a:defRPr>
+            </a:lvl6pPr>
+            <a:lvl7pPr marL="2743200" indent="0">
+              <a:buNone/>
+              <a:defRPr sz="1400">
+                <a:solidFill>
+                  <a:schemeClr val="tx1">
+                    <a:tint val="75000"/>
+                  </a:schemeClr>
+                </a:solidFill>
+              </a:defRPr>
+            </a:lvl7pPr>
+            <a:lvl8pPr marL="3200400" indent="0">
+              <a:buNone/>
+              <a:defRPr sz="1400">
+                <a:solidFill>
+                  <a:schemeClr val="tx1">
+                    <a:tint val="75000"/>
+                  </a:schemeClr>
+                </a:solidFill>
+              </a:defRPr>
+            </a:lvl8pPr>
+            <a:lvl9pPr marL="3657600" indent="0">
+              <a:buNone/>
+              <a:defRPr sz="1400">
+                <a:solidFill>
+                  <a:schemeClr val="tx1">
+                    <a:tint val="75000"/>
+                  </a:schemeClr>
+                </a:solidFill>
+              </a:defRPr>
+            </a:lvl9pPr>
+          </a:lstStyle>
+          <a:p>
+            <a:pPr lvl="0"/>
+            <a:r>
+              <a:rPr lang="en-US"/>
+              <a:t>Edit Master text styles</a:t>
+            </a:r>
+          </a:p>
+        </p:txBody>
+      </p:sp>
+      <p:sp>
+        <p:nvSpPr>
+          <p:cNvPr id="4" name="Date Placeholder 3"/>
+          <p:cNvSpPr>
+            <a:spLocks noGrp="1"/>
+          </p:cNvSpPr>
+          <p:nvPr>
+            <p:ph type="dt" sz="half" idx="10"/>
+          </p:nvPr>
+        </p:nvSpPr>
+        <p:spPr/>
+        <p:txBody>
+          <a:bodyPr/>
+          <a:lstStyle/>
+          <a:p>
+            <a:fld id="{70BC94CE-8BD2-4D24-BE63-671312790EC5}" type="datetimeFigureOut">
+              <a:rPr lang="en-US" smtClean="0"/>
+              <a:t>12/5/2017</a:t>
+            </a:fld>
+            <a:endParaRPr lang="en-US"/>
+          </a:p>
+        </p:txBody>
+      </p:sp>
+      <p:sp>
+        <p:nvSpPr>
+          <p:cNvPr id="5" name="Footer Placeholder 4"/>
+          <p:cNvSpPr>
+            <a:spLocks noGrp="1"/>
+          </p:cNvSpPr>
+          <p:nvPr>
+            <p:ph type="ftr" sz="quarter" idx="11"/>
+          </p:nvPr>
+        </p:nvSpPr>
+        <p:spPr/>
+        <p:txBody>
+          <a:bodyPr/>
+          <a:lstStyle/>
+          <a:p>
+            <a:endParaRPr lang="en-US"/>
+          </a:p>
+        </p:txBody>
+      </p:sp>
+      <p:sp>
+        <p:nvSpPr>
+          <p:cNvPr id="6" name="Slide Number Placeholder 5"/>
+          <p:cNvSpPr>
+            <a:spLocks noGrp="1"/>
+          </p:cNvSpPr>
+          <p:nvPr>
+            <p:ph type="sldNum" sz="quarter" idx="12"/>
+          </p:nvPr>
+        </p:nvSpPr>
+        <p:spPr/>
+        <p:txBody>
+          <a:bodyPr/>
+          <a:lstStyle/>
+          <a:p>
+            <a:fld id="{18A304E0-6F7F-4D04-AAC4-B2BE39A8B43E}" type="slidenum">
+              <a:rPr lang="en-US" smtClean="0"/>
+              <a:t>‹#›</a:t>
+            </a:fld>
+            <a:endParaRPr lang="en-US"/>
+          </a:p>
+        </p:txBody>
+      </p:sp>
+      <p:cxnSp>
+        <p:nvCxnSpPr>
+          <p:cNvPr id="15" name="Straight Connector 14"/>
+          <p:cNvCxnSpPr/>
+          <p:nvPr/>
+        </p:nvCxnSpPr>
+        <p:spPr>
+          <a:xfrm>
+            <a:off x="1396169" y="3429000"/>
+            <a:ext cx="9407298" cy="0"/>
+          </a:xfrm>
+          <a:prstGeom prst="line">
+            <a:avLst/>
+          </a:prstGeom>
+          <a:ln w="15875"/>
+        </p:spPr>
+        <p:style>
+          <a:lnRef idx="2">
+            <a:schemeClr val="accent1"/>
+          </a:lnRef>
+          <a:fillRef idx="0">
+            <a:schemeClr val="accent1"/>
+          </a:fillRef>
+          <a:effectRef idx="1">
+            <a:schemeClr val="accent1"/>
+          </a:effectRef>
+          <a:fontRef idx="minor">
+            <a:schemeClr val="tx1"/>
+          </a:fontRef>
+        </p:style>
+      </p:cxnSp>
+    </p:spTree>
+    <p:extLst>
+      <p:ext uri="{BB962C8B-B14F-4D97-AF65-F5344CB8AC3E}">
+        <p14:creationId xmlns:p14="http://schemas.microsoft.com/office/powerpoint/2010/main" val="927247494"/>
+      </p:ext>
+    </p:extLst>
+  </p:cSld>
+  <p:clrMapOvr>
+    <a:masterClrMapping/>
+  </p:clrMapOvr>
+</p:sldLayout>
+</file>
+
+<file path=ppt/slideLayouts/slideLayout16.xml><?xml version="1.0" encoding="utf-8"?>
 <p:sldLayout xmlns:a="http://schemas.openxmlformats.org/drawingml/2006/main" xmlns:r="http://schemas.openxmlformats.org/officeDocument/2006/relationships" xmlns:p="http://schemas.openxmlformats.org/presentationml/2006/main" type="vertTx" preserve="1">
   <p:cSld name="Title and Vertical Text">
     <p:spTree>
@@ -351,13 +2667,7 @@
       </p:grpSpPr>
       <p:sp>
         <p:nvSpPr>
-          <p:cNvPr id="2" name="Title 1">
-            <a:extLst>
-              <a:ext uri="{FF2B5EF4-FFF2-40B4-BE49-F238E27FC236}">
-                <a16:creationId xmlns:a16="http://schemas.microsoft.com/office/drawing/2014/main" id="{0CC16BD3-E775-4A7F-A414-AA0CAC41492F}"/>
-              </a:ext>
-            </a:extLst>
-          </p:cNvPr>
+          <p:cNvPr id="2" name="Title 1"/>
           <p:cNvSpPr>
             <a:spLocks noGrp="1"/>
           </p:cNvSpPr>
@@ -368,24 +2678,23 @@
         <p:spPr/>
         <p:txBody>
           <a:bodyPr/>
-          <a:lstStyle/>
+          <a:lstStyle>
+            <a:lvl1pPr algn="ctr">
+              <a:defRPr/>
+            </a:lvl1pPr>
+          </a:lstStyle>
           <a:p>
             <a:r>
               <a:rPr lang="en-US"/>
               <a:t>Click to edit Master title style</a:t>
             </a:r>
-          </a:p>
-        </p:txBody>
-      </p:sp>
-      <p:sp>
-        <p:nvSpPr>
-          <p:cNvPr id="3" name="Vertical Text Placeholder 2">
-            <a:extLst>
-              <a:ext uri="{FF2B5EF4-FFF2-40B4-BE49-F238E27FC236}">
-                <a16:creationId xmlns:a16="http://schemas.microsoft.com/office/drawing/2014/main" id="{472B588B-9D4F-422D-86B0-F7E470B1626F}"/>
-              </a:ext>
-            </a:extLst>
-          </p:cNvPr>
+            <a:endParaRPr lang="en-US" dirty="0"/>
+          </a:p>
+        </p:txBody>
+      </p:sp>
+      <p:sp>
+        <p:nvSpPr>
+          <p:cNvPr id="3" name="Vertical Text Placeholder 2"/>
           <p:cNvSpPr>
             <a:spLocks noGrp="1"/>
           </p:cNvSpPr>
@@ -395,7 +2704,7 @@
         </p:nvSpPr>
         <p:spPr/>
         <p:txBody>
-          <a:bodyPr vert="eaVert"/>
+          <a:bodyPr vert="eaVert" anchor="t"/>
           <a:lstStyle/>
           <a:p>
             <a:pPr lvl="0"/>
@@ -431,18 +2740,13 @@
               <a:rPr lang="en-US"/>
               <a:t>Fifth level</a:t>
             </a:r>
-          </a:p>
-        </p:txBody>
-      </p:sp>
-      <p:sp>
-        <p:nvSpPr>
-          <p:cNvPr id="4" name="Date Placeholder 3">
-            <a:extLst>
-              <a:ext uri="{FF2B5EF4-FFF2-40B4-BE49-F238E27FC236}">
-                <a16:creationId xmlns:a16="http://schemas.microsoft.com/office/drawing/2014/main" id="{F9E7390C-3FD8-44F2-AAF9-C42DE0DAE709}"/>
-              </a:ext>
-            </a:extLst>
-          </p:cNvPr>
+            <a:endParaRPr lang="en-US" dirty="0"/>
+          </a:p>
+        </p:txBody>
+      </p:sp>
+      <p:sp>
+        <p:nvSpPr>
+          <p:cNvPr id="4" name="Date Placeholder 3"/>
           <p:cNvSpPr>
             <a:spLocks noGrp="1"/>
           </p:cNvSpPr>
@@ -457,7 +2761,7 @@
           <a:p>
             <a:fld id="{70BC94CE-8BD2-4D24-BE63-671312790EC5}" type="datetimeFigureOut">
               <a:rPr lang="en-US" smtClean="0"/>
-              <a:t>12/4/2017</a:t>
+              <a:t>12/5/2017</a:t>
             </a:fld>
             <a:endParaRPr lang="en-US"/>
           </a:p>
@@ -465,13 +2769,7 @@
       </p:sp>
       <p:sp>
         <p:nvSpPr>
-          <p:cNvPr id="5" name="Footer Placeholder 4">
-            <a:extLst>
-              <a:ext uri="{FF2B5EF4-FFF2-40B4-BE49-F238E27FC236}">
-                <a16:creationId xmlns:a16="http://schemas.microsoft.com/office/drawing/2014/main" id="{5736D303-F910-4A2F-810C-5B414CB85785}"/>
-              </a:ext>
-            </a:extLst>
-          </p:cNvPr>
+          <p:cNvPr id="5" name="Footer Placeholder 4"/>
           <p:cNvSpPr>
             <a:spLocks noGrp="1"/>
           </p:cNvSpPr>
@@ -490,13 +2788,7 @@
       </p:sp>
       <p:sp>
         <p:nvSpPr>
-          <p:cNvPr id="6" name="Slide Number Placeholder 5">
-            <a:extLst>
-              <a:ext uri="{FF2B5EF4-FFF2-40B4-BE49-F238E27FC236}">
-                <a16:creationId xmlns:a16="http://schemas.microsoft.com/office/drawing/2014/main" id="{7EEA1044-AC40-4A0E-A0CA-3AC694737A14}"/>
-              </a:ext>
-            </a:extLst>
-          </p:cNvPr>
+          <p:cNvPr id="6" name="Slide Number Placeholder 5"/>
           <p:cNvSpPr>
             <a:spLocks noGrp="1"/>
           </p:cNvSpPr>
@@ -517,10 +2809,41 @@
           </a:p>
         </p:txBody>
       </p:sp>
+      <p:cxnSp>
+        <p:nvCxnSpPr>
+          <p:cNvPr id="14" name="Straight Connector 13"/>
+          <p:cNvCxnSpPr/>
+          <p:nvPr/>
+        </p:nvCxnSpPr>
+        <p:spPr>
+          <a:xfrm>
+            <a:off x="1396169" y="2421466"/>
+            <a:ext cx="9407298" cy="0"/>
+          </a:xfrm>
+          <a:prstGeom prst="line">
+            <a:avLst/>
+          </a:prstGeom>
+          <a:ln w="15875"/>
+        </p:spPr>
+        <p:style>
+          <a:lnRef idx="2">
+            <a:schemeClr val="accent1"/>
+          </a:lnRef>
+          <a:fillRef idx="0">
+            <a:schemeClr val="accent1"/>
+          </a:fillRef>
+          <a:effectRef idx="1">
+            <a:schemeClr val="accent1"/>
+          </a:effectRef>
+          <a:fontRef idx="minor">
+            <a:schemeClr val="tx1"/>
+          </a:fontRef>
+        </p:style>
+      </p:cxnSp>
     </p:spTree>
     <p:extLst>
       <p:ext uri="{BB962C8B-B14F-4D97-AF65-F5344CB8AC3E}">
-        <p14:creationId xmlns:p14="http://schemas.microsoft.com/office/powerpoint/2010/main" val="827623080"/>
+        <p14:creationId xmlns:p14="http://schemas.microsoft.com/office/powerpoint/2010/main" val="3165911783"/>
       </p:ext>
     </p:extLst>
   </p:cSld>
@@ -530,7 +2853,7 @@
 </p:sldLayout>
 </file>
 
-<file path=ppt/slideLayouts/slideLayout11.xml><?xml version="1.0" encoding="utf-8"?>
+<file path=ppt/slideLayouts/slideLayout17.xml><?xml version="1.0" encoding="utf-8"?>
 <p:sldLayout xmlns:a="http://schemas.openxmlformats.org/drawingml/2006/main" xmlns:r="http://schemas.openxmlformats.org/officeDocument/2006/relationships" xmlns:p="http://schemas.openxmlformats.org/presentationml/2006/main" type="vertTitleAndTx" preserve="1">
   <p:cSld name="Vertical Title and Text">
     <p:spTree>
@@ -549,13 +2872,7 @@
       </p:grpSpPr>
       <p:sp>
         <p:nvSpPr>
-          <p:cNvPr id="2" name="Vertical Title 1">
-            <a:extLst>
-              <a:ext uri="{FF2B5EF4-FFF2-40B4-BE49-F238E27FC236}">
-                <a16:creationId xmlns:a16="http://schemas.microsoft.com/office/drawing/2014/main" id="{F8DFDD87-A72A-4987-AAEC-ABB422A1DAE1}"/>
-              </a:ext>
-            </a:extLst>
-          </p:cNvPr>
+          <p:cNvPr id="2" name="Vertical Title 1"/>
           <p:cNvSpPr>
             <a:spLocks noGrp="1"/>
           </p:cNvSpPr>
@@ -565,8 +2882,8 @@
         </p:nvSpPr>
         <p:spPr>
           <a:xfrm>
-            <a:off x="8724900" y="365125"/>
-            <a:ext cx="2628900" cy="5811838"/>
+            <a:off x="8999356" y="982131"/>
+            <a:ext cx="1890895" cy="4893735"/>
           </a:xfrm>
         </p:spPr>
         <p:txBody>
@@ -577,18 +2894,13 @@
               <a:rPr lang="en-US"/>
               <a:t>Click to edit Master title style</a:t>
             </a:r>
-          </a:p>
-        </p:txBody>
-      </p:sp>
-      <p:sp>
-        <p:nvSpPr>
-          <p:cNvPr id="3" name="Vertical Text Placeholder 2">
-            <a:extLst>
-              <a:ext uri="{FF2B5EF4-FFF2-40B4-BE49-F238E27FC236}">
-                <a16:creationId xmlns:a16="http://schemas.microsoft.com/office/drawing/2014/main" id="{05FA2096-A012-4FB8-A770-715F00C2023C}"/>
-              </a:ext>
-            </a:extLst>
-          </p:cNvPr>
+            <a:endParaRPr lang="en-US" dirty="0"/>
+          </a:p>
+        </p:txBody>
+      </p:sp>
+      <p:sp>
+        <p:nvSpPr>
+          <p:cNvPr id="3" name="Vertical Text Placeholder 2"/>
           <p:cNvSpPr>
             <a:spLocks noGrp="1"/>
           </p:cNvSpPr>
@@ -598,12 +2910,12 @@
         </p:nvSpPr>
         <p:spPr>
           <a:xfrm>
-            <a:off x="838200" y="365125"/>
-            <a:ext cx="7734300" cy="5811838"/>
+            <a:off x="1295398" y="982132"/>
+            <a:ext cx="7433025" cy="4893734"/>
           </a:xfrm>
         </p:spPr>
         <p:txBody>
-          <a:bodyPr vert="eaVert"/>
+          <a:bodyPr vert="eaVert" anchor="t"/>
           <a:lstStyle/>
           <a:p>
             <a:pPr lvl="0"/>
@@ -639,18 +2951,13 @@
               <a:rPr lang="en-US"/>
               <a:t>Fifth level</a:t>
             </a:r>
-          </a:p>
-        </p:txBody>
-      </p:sp>
-      <p:sp>
-        <p:nvSpPr>
-          <p:cNvPr id="4" name="Date Placeholder 3">
-            <a:extLst>
-              <a:ext uri="{FF2B5EF4-FFF2-40B4-BE49-F238E27FC236}">
-                <a16:creationId xmlns:a16="http://schemas.microsoft.com/office/drawing/2014/main" id="{E47ABFAE-C29C-41BE-8EEB-EFC3B0CBB9F7}"/>
-              </a:ext>
-            </a:extLst>
-          </p:cNvPr>
+            <a:endParaRPr lang="en-US" dirty="0"/>
+          </a:p>
+        </p:txBody>
+      </p:sp>
+      <p:sp>
+        <p:nvSpPr>
+          <p:cNvPr id="4" name="Date Placeholder 3"/>
           <p:cNvSpPr>
             <a:spLocks noGrp="1"/>
           </p:cNvSpPr>
@@ -665,7 +2972,7 @@
           <a:p>
             <a:fld id="{70BC94CE-8BD2-4D24-BE63-671312790EC5}" type="datetimeFigureOut">
               <a:rPr lang="en-US" smtClean="0"/>
-              <a:t>12/4/2017</a:t>
+              <a:t>12/5/2017</a:t>
             </a:fld>
             <a:endParaRPr lang="en-US"/>
           </a:p>
@@ -673,13 +2980,7 @@
       </p:sp>
       <p:sp>
         <p:nvSpPr>
-          <p:cNvPr id="5" name="Footer Placeholder 4">
-            <a:extLst>
-              <a:ext uri="{FF2B5EF4-FFF2-40B4-BE49-F238E27FC236}">
-                <a16:creationId xmlns:a16="http://schemas.microsoft.com/office/drawing/2014/main" id="{447919EC-F153-4B2D-BD8F-2541338ED27A}"/>
-              </a:ext>
-            </a:extLst>
-          </p:cNvPr>
+          <p:cNvPr id="5" name="Footer Placeholder 4"/>
           <p:cNvSpPr>
             <a:spLocks noGrp="1"/>
           </p:cNvSpPr>
@@ -698,13 +2999,7 @@
       </p:sp>
       <p:sp>
         <p:nvSpPr>
-          <p:cNvPr id="6" name="Slide Number Placeholder 5">
-            <a:extLst>
-              <a:ext uri="{FF2B5EF4-FFF2-40B4-BE49-F238E27FC236}">
-                <a16:creationId xmlns:a16="http://schemas.microsoft.com/office/drawing/2014/main" id="{03679DE2-E40B-448D-9814-7B65C732B871}"/>
-              </a:ext>
-            </a:extLst>
-          </p:cNvPr>
+          <p:cNvPr id="6" name="Slide Number Placeholder 5"/>
           <p:cNvSpPr>
             <a:spLocks noGrp="1"/>
           </p:cNvSpPr>
@@ -725,10 +3020,41 @@
           </a:p>
         </p:txBody>
       </p:sp>
+      <p:cxnSp>
+        <p:nvCxnSpPr>
+          <p:cNvPr id="14" name="Straight Connector 13"/>
+          <p:cNvCxnSpPr/>
+          <p:nvPr/>
+        </p:nvCxnSpPr>
+        <p:spPr>
+          <a:xfrm>
+            <a:off x="8863890" y="990600"/>
+            <a:ext cx="0" cy="4876800"/>
+          </a:xfrm>
+          <a:prstGeom prst="line">
+            <a:avLst/>
+          </a:prstGeom>
+          <a:ln w="15875"/>
+        </p:spPr>
+        <p:style>
+          <a:lnRef idx="2">
+            <a:schemeClr val="accent1"/>
+          </a:lnRef>
+          <a:fillRef idx="0">
+            <a:schemeClr val="accent1"/>
+          </a:fillRef>
+          <a:effectRef idx="1">
+            <a:schemeClr val="accent1"/>
+          </a:effectRef>
+          <a:fontRef idx="minor">
+            <a:schemeClr val="tx1"/>
+          </a:fontRef>
+        </p:style>
+      </p:cxnSp>
     </p:spTree>
     <p:extLst>
       <p:ext uri="{BB962C8B-B14F-4D97-AF65-F5344CB8AC3E}">
-        <p14:creationId xmlns:p14="http://schemas.microsoft.com/office/powerpoint/2010/main" val="2655596191"/>
+        <p14:creationId xmlns:p14="http://schemas.microsoft.com/office/powerpoint/2010/main" val="2268577253"/>
       </p:ext>
     </p:extLst>
   </p:cSld>
@@ -755,15 +3081,40 @@
           <a:chExt cx="0" cy="0"/>
         </a:xfrm>
       </p:grpSpPr>
-      <p:sp>
-        <p:nvSpPr>
-          <p:cNvPr id="2" name="Title 1">
-            <a:extLst>
-              <a:ext uri="{FF2B5EF4-FFF2-40B4-BE49-F238E27FC236}">
-                <a16:creationId xmlns:a16="http://schemas.microsoft.com/office/drawing/2014/main" id="{41C1A6EE-1FAD-42A5-BFCB-D89407C400AE}"/>
-              </a:ext>
-            </a:extLst>
-          </p:cNvPr>
+      <p:cxnSp>
+        <p:nvCxnSpPr>
+          <p:cNvPr id="7" name="Straight Connector 6"/>
+          <p:cNvCxnSpPr/>
+          <p:nvPr/>
+        </p:nvCxnSpPr>
+        <p:spPr>
+          <a:xfrm>
+            <a:off x="1396169" y="2421466"/>
+            <a:ext cx="9407298" cy="0"/>
+          </a:xfrm>
+          <a:prstGeom prst="line">
+            <a:avLst/>
+          </a:prstGeom>
+          <a:ln w="15875"/>
+        </p:spPr>
+        <p:style>
+          <a:lnRef idx="2">
+            <a:schemeClr val="accent1"/>
+          </a:lnRef>
+          <a:fillRef idx="0">
+            <a:schemeClr val="accent1"/>
+          </a:fillRef>
+          <a:effectRef idx="1">
+            <a:schemeClr val="accent1"/>
+          </a:effectRef>
+          <a:fontRef idx="minor">
+            <a:schemeClr val="tx1"/>
+          </a:fontRef>
+        </p:style>
+      </p:cxnSp>
+      <p:sp>
+        <p:nvSpPr>
+          <p:cNvPr id="2" name="Title 1"/>
           <p:cNvSpPr>
             <a:spLocks noGrp="1"/>
           </p:cNvSpPr>
@@ -780,18 +3131,13 @@
               <a:rPr lang="en-US"/>
               <a:t>Click to edit Master title style</a:t>
             </a:r>
-          </a:p>
-        </p:txBody>
-      </p:sp>
-      <p:sp>
-        <p:nvSpPr>
-          <p:cNvPr id="3" name="Content Placeholder 2">
-            <a:extLst>
-              <a:ext uri="{FF2B5EF4-FFF2-40B4-BE49-F238E27FC236}">
-                <a16:creationId xmlns:a16="http://schemas.microsoft.com/office/drawing/2014/main" id="{3AA19673-A3EC-4107-8BBF-81F38EE6CF9D}"/>
-              </a:ext>
-            </a:extLst>
-          </p:cNvPr>
+            <a:endParaRPr lang="en-US" dirty="0"/>
+          </a:p>
+        </p:txBody>
+      </p:sp>
+      <p:sp>
+        <p:nvSpPr>
+          <p:cNvPr id="3" name="Content Placeholder 2"/>
           <p:cNvSpPr>
             <a:spLocks noGrp="1"/>
           </p:cNvSpPr>
@@ -837,18 +3183,13 @@
               <a:rPr lang="en-US"/>
               <a:t>Fifth level</a:t>
             </a:r>
-          </a:p>
-        </p:txBody>
-      </p:sp>
-      <p:sp>
-        <p:nvSpPr>
-          <p:cNvPr id="4" name="Date Placeholder 3">
-            <a:extLst>
-              <a:ext uri="{FF2B5EF4-FFF2-40B4-BE49-F238E27FC236}">
-                <a16:creationId xmlns:a16="http://schemas.microsoft.com/office/drawing/2014/main" id="{1FA8D379-169A-456F-A455-E682677BEC34}"/>
-              </a:ext>
-            </a:extLst>
-          </p:cNvPr>
+            <a:endParaRPr lang="en-US" dirty="0"/>
+          </a:p>
+        </p:txBody>
+      </p:sp>
+      <p:sp>
+        <p:nvSpPr>
+          <p:cNvPr id="4" name="Date Placeholder 3"/>
           <p:cNvSpPr>
             <a:spLocks noGrp="1"/>
           </p:cNvSpPr>
@@ -863,7 +3204,7 @@
           <a:p>
             <a:fld id="{70BC94CE-8BD2-4D24-BE63-671312790EC5}" type="datetimeFigureOut">
               <a:rPr lang="en-US" smtClean="0"/>
-              <a:t>12/4/2017</a:t>
+              <a:t>12/5/2017</a:t>
             </a:fld>
             <a:endParaRPr lang="en-US"/>
           </a:p>
@@ -871,13 +3212,7 @@
       </p:sp>
       <p:sp>
         <p:nvSpPr>
-          <p:cNvPr id="5" name="Footer Placeholder 4">
-            <a:extLst>
-              <a:ext uri="{FF2B5EF4-FFF2-40B4-BE49-F238E27FC236}">
-                <a16:creationId xmlns:a16="http://schemas.microsoft.com/office/drawing/2014/main" id="{4E26FE2B-85A8-4059-A064-A7857336421E}"/>
-              </a:ext>
-            </a:extLst>
-          </p:cNvPr>
+          <p:cNvPr id="5" name="Footer Placeholder 4"/>
           <p:cNvSpPr>
             <a:spLocks noGrp="1"/>
           </p:cNvSpPr>
@@ -896,13 +3231,7 @@
       </p:sp>
       <p:sp>
         <p:nvSpPr>
-          <p:cNvPr id="6" name="Slide Number Placeholder 5">
-            <a:extLst>
-              <a:ext uri="{FF2B5EF4-FFF2-40B4-BE49-F238E27FC236}">
-                <a16:creationId xmlns:a16="http://schemas.microsoft.com/office/drawing/2014/main" id="{E34F21C0-508F-4DC5-AFE8-ED0F308D8F62}"/>
-              </a:ext>
-            </a:extLst>
-          </p:cNvPr>
+          <p:cNvPr id="6" name="Slide Number Placeholder 5"/>
           <p:cNvSpPr>
             <a:spLocks noGrp="1"/>
           </p:cNvSpPr>
@@ -926,7 +3255,7 @@
     </p:spTree>
     <p:extLst>
       <p:ext uri="{BB962C8B-B14F-4D97-AF65-F5344CB8AC3E}">
-        <p14:creationId xmlns:p14="http://schemas.microsoft.com/office/powerpoint/2010/main" val="2773159136"/>
+        <p14:creationId xmlns:p14="http://schemas.microsoft.com/office/powerpoint/2010/main" val="914171951"/>
       </p:ext>
     </p:extLst>
   </p:cSld>
@@ -955,13 +3284,7 @@
       </p:grpSpPr>
       <p:sp>
         <p:nvSpPr>
-          <p:cNvPr id="2" name="Title 1">
-            <a:extLst>
-              <a:ext uri="{FF2B5EF4-FFF2-40B4-BE49-F238E27FC236}">
-                <a16:creationId xmlns:a16="http://schemas.microsoft.com/office/drawing/2014/main" id="{F047EBED-F47C-4701-A351-735ED38A6A37}"/>
-              </a:ext>
-            </a:extLst>
-          </p:cNvPr>
+          <p:cNvPr id="2" name="Title 1"/>
           <p:cNvSpPr>
             <a:spLocks noGrp="1"/>
           </p:cNvSpPr>
@@ -971,15 +3294,17 @@
         </p:nvSpPr>
         <p:spPr>
           <a:xfrm>
-            <a:off x="831850" y="1709738"/>
-            <a:ext cx="10515600" cy="2852737"/>
+            <a:off x="2015069" y="1752606"/>
+            <a:ext cx="8158688" cy="1822514"/>
           </a:xfrm>
         </p:spPr>
         <p:txBody>
-          <a:bodyPr anchor="b"/>
+          <a:bodyPr anchor="b">
+            <a:normAutofit/>
+          </a:bodyPr>
           <a:lstStyle>
-            <a:lvl1pPr>
-              <a:defRPr sz="6000"/>
+            <a:lvl1pPr algn="ctr">
+              <a:defRPr sz="4400" b="0" cap="none"/>
             </a:lvl1pPr>
           </a:lstStyle>
           <a:p>
@@ -987,18 +3312,13 @@
               <a:rPr lang="en-US"/>
               <a:t>Click to edit Master title style</a:t>
             </a:r>
-          </a:p>
-        </p:txBody>
-      </p:sp>
-      <p:sp>
-        <p:nvSpPr>
-          <p:cNvPr id="3" name="Text Placeholder 2">
-            <a:extLst>
-              <a:ext uri="{FF2B5EF4-FFF2-40B4-BE49-F238E27FC236}">
-                <a16:creationId xmlns:a16="http://schemas.microsoft.com/office/drawing/2014/main" id="{1F088546-537C-4681-93B5-C592142B1BA9}"/>
-              </a:ext>
-            </a:extLst>
-          </p:cNvPr>
+            <a:endParaRPr lang="en-US" dirty="0"/>
+          </a:p>
+        </p:txBody>
+      </p:sp>
+      <p:sp>
+        <p:nvSpPr>
+          <p:cNvPr id="3" name="Text Placeholder 2"/>
           <p:cNvSpPr>
             <a:spLocks noGrp="1"/>
           </p:cNvSpPr>
@@ -1008,26 +3328,26 @@
         </p:nvSpPr>
         <p:spPr>
           <a:xfrm>
-            <a:off x="831850" y="4589463"/>
-            <a:ext cx="10515600" cy="1500187"/>
+            <a:off x="2015067" y="3846051"/>
+            <a:ext cx="8158690" cy="954547"/>
           </a:xfrm>
         </p:spPr>
         <p:txBody>
-          <a:bodyPr/>
+          <a:bodyPr anchor="t">
+            <a:normAutofit/>
+          </a:bodyPr>
           <a:lstStyle>
-            <a:lvl1pPr marL="0" indent="0">
+            <a:lvl1pPr marL="0" indent="0" algn="ctr">
               <a:buNone/>
               <a:defRPr sz="2400">
                 <a:solidFill>
-                  <a:schemeClr val="tx1">
-                    <a:tint val="75000"/>
-                  </a:schemeClr>
+                  <a:schemeClr val="tx1"/>
                 </a:solidFill>
               </a:defRPr>
             </a:lvl1pPr>
             <a:lvl2pPr marL="457200" indent="0">
               <a:buNone/>
-              <a:defRPr sz="2000">
+              <a:defRPr sz="1800">
                 <a:solidFill>
                   <a:schemeClr val="tx1">
                     <a:tint val="75000"/>
@@ -1037,7 +3357,7 @@
             </a:lvl2pPr>
             <a:lvl3pPr marL="914400" indent="0">
               <a:buNone/>
-              <a:defRPr sz="1800">
+              <a:defRPr sz="1600">
                 <a:solidFill>
                   <a:schemeClr val="tx1">
                     <a:tint val="75000"/>
@@ -1047,7 +3367,7 @@
             </a:lvl3pPr>
             <a:lvl4pPr marL="1371600" indent="0">
               <a:buNone/>
-              <a:defRPr sz="1600">
+              <a:defRPr sz="1400">
                 <a:solidFill>
                   <a:schemeClr val="tx1">
                     <a:tint val="75000"/>
@@ -1057,7 +3377,7 @@
             </a:lvl4pPr>
             <a:lvl5pPr marL="1828800" indent="0">
               <a:buNone/>
-              <a:defRPr sz="1600">
+              <a:defRPr sz="1400">
                 <a:solidFill>
                   <a:schemeClr val="tx1">
                     <a:tint val="75000"/>
@@ -1067,7 +3387,7 @@
             </a:lvl5pPr>
             <a:lvl6pPr marL="2286000" indent="0">
               <a:buNone/>
-              <a:defRPr sz="1600">
+              <a:defRPr sz="1400">
                 <a:solidFill>
                   <a:schemeClr val="tx1">
                     <a:tint val="75000"/>
@@ -1077,7 +3397,7 @@
             </a:lvl6pPr>
             <a:lvl7pPr marL="2743200" indent="0">
               <a:buNone/>
-              <a:defRPr sz="1600">
+              <a:defRPr sz="1400">
                 <a:solidFill>
                   <a:schemeClr val="tx1">
                     <a:tint val="75000"/>
@@ -1087,7 +3407,7 @@
             </a:lvl7pPr>
             <a:lvl8pPr marL="3200400" indent="0">
               <a:buNone/>
-              <a:defRPr sz="1600">
+              <a:defRPr sz="1400">
                 <a:solidFill>
                   <a:schemeClr val="tx1">
                     <a:tint val="75000"/>
@@ -1097,7 +3417,7 @@
             </a:lvl8pPr>
             <a:lvl9pPr marL="3657600" indent="0">
               <a:buNone/>
-              <a:defRPr sz="1600">
+              <a:defRPr sz="1400">
                 <a:solidFill>
                   <a:schemeClr val="tx1">
                     <a:tint val="75000"/>
@@ -1117,13 +3437,7 @@
       </p:sp>
       <p:sp>
         <p:nvSpPr>
-          <p:cNvPr id="4" name="Date Placeholder 3">
-            <a:extLst>
-              <a:ext uri="{FF2B5EF4-FFF2-40B4-BE49-F238E27FC236}">
-                <a16:creationId xmlns:a16="http://schemas.microsoft.com/office/drawing/2014/main" id="{FF055CD5-B464-49F1-90CA-B49A037947B0}"/>
-              </a:ext>
-            </a:extLst>
-          </p:cNvPr>
+          <p:cNvPr id="4" name="Date Placeholder 3"/>
           <p:cNvSpPr>
             <a:spLocks noGrp="1"/>
           </p:cNvSpPr>
@@ -1138,7 +3452,7 @@
           <a:p>
             <a:fld id="{70BC94CE-8BD2-4D24-BE63-671312790EC5}" type="datetimeFigureOut">
               <a:rPr lang="en-US" smtClean="0"/>
-              <a:t>12/4/2017</a:t>
+              <a:t>12/5/2017</a:t>
             </a:fld>
             <a:endParaRPr lang="en-US"/>
           </a:p>
@@ -1146,13 +3460,7 @@
       </p:sp>
       <p:sp>
         <p:nvSpPr>
-          <p:cNvPr id="5" name="Footer Placeholder 4">
-            <a:extLst>
-              <a:ext uri="{FF2B5EF4-FFF2-40B4-BE49-F238E27FC236}">
-                <a16:creationId xmlns:a16="http://schemas.microsoft.com/office/drawing/2014/main" id="{E5289247-B98E-46BC-A69D-538E791E3C23}"/>
-              </a:ext>
-            </a:extLst>
-          </p:cNvPr>
+          <p:cNvPr id="5" name="Footer Placeholder 4"/>
           <p:cNvSpPr>
             <a:spLocks noGrp="1"/>
           </p:cNvSpPr>
@@ -1171,13 +3479,7 @@
       </p:sp>
       <p:sp>
         <p:nvSpPr>
-          <p:cNvPr id="6" name="Slide Number Placeholder 5">
-            <a:extLst>
-              <a:ext uri="{FF2B5EF4-FFF2-40B4-BE49-F238E27FC236}">
-                <a16:creationId xmlns:a16="http://schemas.microsoft.com/office/drawing/2014/main" id="{FB65D3FE-29F6-4EBB-8E05-96A8AEB4A550}"/>
-              </a:ext>
-            </a:extLst>
-          </p:cNvPr>
+          <p:cNvPr id="6" name="Slide Number Placeholder 5"/>
           <p:cNvSpPr>
             <a:spLocks noGrp="1"/>
           </p:cNvSpPr>
@@ -1198,10 +3500,41 @@
           </a:p>
         </p:txBody>
       </p:sp>
+      <p:cxnSp>
+        <p:nvCxnSpPr>
+          <p:cNvPr id="16" name="Straight Connector 15"/>
+          <p:cNvCxnSpPr/>
+          <p:nvPr/>
+        </p:nvCxnSpPr>
+        <p:spPr>
+          <a:xfrm>
+            <a:off x="2012723" y="3710585"/>
+            <a:ext cx="8163380" cy="0"/>
+          </a:xfrm>
+          <a:prstGeom prst="line">
+            <a:avLst/>
+          </a:prstGeom>
+          <a:ln w="15875"/>
+        </p:spPr>
+        <p:style>
+          <a:lnRef idx="2">
+            <a:schemeClr val="accent1"/>
+          </a:lnRef>
+          <a:fillRef idx="0">
+            <a:schemeClr val="accent1"/>
+          </a:fillRef>
+          <a:effectRef idx="1">
+            <a:schemeClr val="accent1"/>
+          </a:effectRef>
+          <a:fontRef idx="minor">
+            <a:schemeClr val="tx1"/>
+          </a:fontRef>
+        </p:style>
+      </p:cxnSp>
     </p:spTree>
     <p:extLst>
       <p:ext uri="{BB962C8B-B14F-4D97-AF65-F5344CB8AC3E}">
-        <p14:creationId xmlns:p14="http://schemas.microsoft.com/office/powerpoint/2010/main" val="2546052694"/>
+        <p14:creationId xmlns:p14="http://schemas.microsoft.com/office/powerpoint/2010/main" val="604503587"/>
       </p:ext>
     </p:extLst>
   </p:cSld>
@@ -1228,58 +3561,80 @@
           <a:chExt cx="0" cy="0"/>
         </a:xfrm>
       </p:grpSpPr>
-      <p:sp>
-        <p:nvSpPr>
-          <p:cNvPr id="2" name="Title 1">
-            <a:extLst>
-              <a:ext uri="{FF2B5EF4-FFF2-40B4-BE49-F238E27FC236}">
-                <a16:creationId xmlns:a16="http://schemas.microsoft.com/office/drawing/2014/main" id="{87ED047F-D6A5-444B-8B59-47B9BA6012B2}"/>
-              </a:ext>
-            </a:extLst>
-          </p:cNvPr>
-          <p:cNvSpPr>
-            <a:spLocks noGrp="1"/>
-          </p:cNvSpPr>
-          <p:nvPr>
-            <p:ph type="title"/>
-          </p:nvPr>
-        </p:nvSpPr>
-        <p:spPr/>
-        <p:txBody>
-          <a:bodyPr/>
-          <a:lstStyle/>
-          <a:p>
-            <a:r>
-              <a:rPr lang="en-US"/>
-              <a:t>Click to edit Master title style</a:t>
-            </a:r>
-          </a:p>
-        </p:txBody>
-      </p:sp>
-      <p:sp>
-        <p:nvSpPr>
-          <p:cNvPr id="3" name="Content Placeholder 2">
-            <a:extLst>
-              <a:ext uri="{FF2B5EF4-FFF2-40B4-BE49-F238E27FC236}">
-                <a16:creationId xmlns:a16="http://schemas.microsoft.com/office/drawing/2014/main" id="{8025ABAF-E811-40A0-862D-C2FCCC803AC7}"/>
-              </a:ext>
-            </a:extLst>
-          </p:cNvPr>
-          <p:cNvSpPr>
-            <a:spLocks noGrp="1"/>
-          </p:cNvSpPr>
-          <p:nvPr>
-            <p:ph sz="half" idx="1"/>
-          </p:nvPr>
-        </p:nvSpPr>
+      <p:cxnSp>
+        <p:nvCxnSpPr>
+          <p:cNvPr id="8" name="Straight Connector 7"/>
+          <p:cNvCxnSpPr/>
+          <p:nvPr/>
+        </p:nvCxnSpPr>
         <p:spPr>
           <a:xfrm>
-            <a:off x="838200" y="1825625"/>
-            <a:ext cx="5181600" cy="4351338"/>
+            <a:off x="1396169" y="2421466"/>
+            <a:ext cx="9407298" cy="0"/>
+          </a:xfrm>
+          <a:prstGeom prst="line">
+            <a:avLst/>
+          </a:prstGeom>
+          <a:ln w="15875"/>
+        </p:spPr>
+        <p:style>
+          <a:lnRef idx="2">
+            <a:schemeClr val="accent1"/>
+          </a:lnRef>
+          <a:fillRef idx="0">
+            <a:schemeClr val="accent1"/>
+          </a:fillRef>
+          <a:effectRef idx="1">
+            <a:schemeClr val="accent1"/>
+          </a:effectRef>
+          <a:fontRef idx="minor">
+            <a:schemeClr val="tx1"/>
+          </a:fontRef>
+        </p:style>
+      </p:cxnSp>
+      <p:sp>
+        <p:nvSpPr>
+          <p:cNvPr id="2" name="Title 1"/>
+          <p:cNvSpPr>
+            <a:spLocks noGrp="1"/>
+          </p:cNvSpPr>
+          <p:nvPr>
+            <p:ph type="title"/>
+          </p:nvPr>
+        </p:nvSpPr>
+        <p:spPr/>
+        <p:txBody>
+          <a:bodyPr/>
+          <a:lstStyle/>
+          <a:p>
+            <a:r>
+              <a:rPr lang="en-US"/>
+              <a:t>Click to edit Master title style</a:t>
+            </a:r>
+            <a:endParaRPr lang="en-US" dirty="0"/>
+          </a:p>
+        </p:txBody>
+      </p:sp>
+      <p:sp>
+        <p:nvSpPr>
+          <p:cNvPr id="3" name="Content Placeholder 2"/>
+          <p:cNvSpPr>
+            <a:spLocks noGrp="1"/>
+          </p:cNvSpPr>
+          <p:nvPr>
+            <p:ph sz="half" idx="1"/>
+          </p:nvPr>
+        </p:nvSpPr>
+        <p:spPr>
+          <a:xfrm>
+            <a:off x="1298448" y="2560320"/>
+            <a:ext cx="4718304" cy="3310128"/>
           </a:xfrm>
         </p:spPr>
         <p:txBody>
-          <a:bodyPr/>
+          <a:bodyPr>
+            <a:normAutofit/>
+          </a:bodyPr>
           <a:lstStyle/>
           <a:p>
             <a:pPr lvl="0"/>
@@ -1315,18 +3670,13 @@
               <a:rPr lang="en-US"/>
               <a:t>Fifth level</a:t>
             </a:r>
-          </a:p>
-        </p:txBody>
-      </p:sp>
-      <p:sp>
-        <p:nvSpPr>
-          <p:cNvPr id="4" name="Content Placeholder 3">
-            <a:extLst>
-              <a:ext uri="{FF2B5EF4-FFF2-40B4-BE49-F238E27FC236}">
-                <a16:creationId xmlns:a16="http://schemas.microsoft.com/office/drawing/2014/main" id="{BFD4E8A0-3FB2-41AF-8910-77E51C42FF92}"/>
-              </a:ext>
-            </a:extLst>
-          </p:cNvPr>
+            <a:endParaRPr lang="en-US" dirty="0"/>
+          </a:p>
+        </p:txBody>
+      </p:sp>
+      <p:sp>
+        <p:nvSpPr>
+          <p:cNvPr id="4" name="Content Placeholder 3"/>
           <p:cNvSpPr>
             <a:spLocks noGrp="1"/>
           </p:cNvSpPr>
@@ -1336,12 +3686,14 @@
         </p:nvSpPr>
         <p:spPr>
           <a:xfrm>
-            <a:off x="6172200" y="1825625"/>
-            <a:ext cx="5181600" cy="4351338"/>
+            <a:off x="6181344" y="2560320"/>
+            <a:ext cx="4718304" cy="3310128"/>
           </a:xfrm>
         </p:spPr>
         <p:txBody>
-          <a:bodyPr/>
+          <a:bodyPr>
+            <a:normAutofit/>
+          </a:bodyPr>
           <a:lstStyle/>
           <a:p>
             <a:pPr lvl="0"/>
@@ -1377,18 +3729,13 @@
               <a:rPr lang="en-US"/>
               <a:t>Fifth level</a:t>
             </a:r>
-          </a:p>
-        </p:txBody>
-      </p:sp>
-      <p:sp>
-        <p:nvSpPr>
-          <p:cNvPr id="5" name="Date Placeholder 4">
-            <a:extLst>
-              <a:ext uri="{FF2B5EF4-FFF2-40B4-BE49-F238E27FC236}">
-                <a16:creationId xmlns:a16="http://schemas.microsoft.com/office/drawing/2014/main" id="{609D28BB-55E7-431F-8F89-1CABABF83519}"/>
-              </a:ext>
-            </a:extLst>
-          </p:cNvPr>
+            <a:endParaRPr lang="en-US" dirty="0"/>
+          </a:p>
+        </p:txBody>
+      </p:sp>
+      <p:sp>
+        <p:nvSpPr>
+          <p:cNvPr id="5" name="Date Placeholder 4"/>
           <p:cNvSpPr>
             <a:spLocks noGrp="1"/>
           </p:cNvSpPr>
@@ -1403,7 +3750,7 @@
           <a:p>
             <a:fld id="{70BC94CE-8BD2-4D24-BE63-671312790EC5}" type="datetimeFigureOut">
               <a:rPr lang="en-US" smtClean="0"/>
-              <a:t>12/4/2017</a:t>
+              <a:t>12/5/2017</a:t>
             </a:fld>
             <a:endParaRPr lang="en-US"/>
           </a:p>
@@ -1411,13 +3758,7 @@
       </p:sp>
       <p:sp>
         <p:nvSpPr>
-          <p:cNvPr id="6" name="Footer Placeholder 5">
-            <a:extLst>
-              <a:ext uri="{FF2B5EF4-FFF2-40B4-BE49-F238E27FC236}">
-                <a16:creationId xmlns:a16="http://schemas.microsoft.com/office/drawing/2014/main" id="{F0E45A74-3069-47FF-B7C2-3FA52C10FF31}"/>
-              </a:ext>
-            </a:extLst>
-          </p:cNvPr>
+          <p:cNvPr id="6" name="Footer Placeholder 5"/>
           <p:cNvSpPr>
             <a:spLocks noGrp="1"/>
           </p:cNvSpPr>
@@ -1436,13 +3777,7 @@
       </p:sp>
       <p:sp>
         <p:nvSpPr>
-          <p:cNvPr id="7" name="Slide Number Placeholder 6">
-            <a:extLst>
-              <a:ext uri="{FF2B5EF4-FFF2-40B4-BE49-F238E27FC236}">
-                <a16:creationId xmlns:a16="http://schemas.microsoft.com/office/drawing/2014/main" id="{92B8B41C-5F95-41FE-8EAB-420987E22C9C}"/>
-              </a:ext>
-            </a:extLst>
-          </p:cNvPr>
+          <p:cNvPr id="7" name="Slide Number Placeholder 6"/>
           <p:cNvSpPr>
             <a:spLocks noGrp="1"/>
           </p:cNvSpPr>
@@ -1466,7 +3801,7 @@
     </p:spTree>
     <p:extLst>
       <p:ext uri="{BB962C8B-B14F-4D97-AF65-F5344CB8AC3E}">
-        <p14:creationId xmlns:p14="http://schemas.microsoft.com/office/powerpoint/2010/main" val="4215322176"/>
+        <p14:creationId xmlns:p14="http://schemas.microsoft.com/office/powerpoint/2010/main" val="3938616178"/>
       </p:ext>
     </p:extLst>
   </p:cSld>
@@ -1495,65 +3830,65 @@
       </p:grpSpPr>
       <p:sp>
         <p:nvSpPr>
-          <p:cNvPr id="2" name="Title 1">
-            <a:extLst>
-              <a:ext uri="{FF2B5EF4-FFF2-40B4-BE49-F238E27FC236}">
-                <a16:creationId xmlns:a16="http://schemas.microsoft.com/office/drawing/2014/main" id="{B1BD43FB-A66A-45A8-A312-BD956DD7D3DD}"/>
-              </a:ext>
-            </a:extLst>
-          </p:cNvPr>
+          <p:cNvPr id="2" name="Title 1"/>
           <p:cNvSpPr>
             <a:spLocks noGrp="1"/>
           </p:cNvSpPr>
           <p:nvPr>
             <p:ph type="title"/>
+          </p:nvPr>
+        </p:nvSpPr>
+        <p:spPr/>
+        <p:txBody>
+          <a:bodyPr/>
+          <a:lstStyle>
+            <a:lvl1pPr>
+              <a:defRPr/>
+            </a:lvl1pPr>
+          </a:lstStyle>
+          <a:p>
+            <a:r>
+              <a:rPr lang="en-US"/>
+              <a:t>Click to edit Master title style</a:t>
+            </a:r>
+            <a:endParaRPr lang="en-US" dirty="0"/>
+          </a:p>
+        </p:txBody>
+      </p:sp>
+      <p:sp>
+        <p:nvSpPr>
+          <p:cNvPr id="3" name="Text Placeholder 2"/>
+          <p:cNvSpPr>
+            <a:spLocks noGrp="1"/>
+          </p:cNvSpPr>
+          <p:nvPr>
+            <p:ph type="body" idx="1"/>
           </p:nvPr>
         </p:nvSpPr>
         <p:spPr>
           <a:xfrm>
-            <a:off x="839788" y="365125"/>
-            <a:ext cx="10515600" cy="1325563"/>
+            <a:off x="1295400" y="2658533"/>
+            <a:ext cx="4718304" cy="576262"/>
           </a:xfrm>
         </p:spPr>
         <p:txBody>
-          <a:bodyPr/>
-          <a:lstStyle/>
-          <a:p>
-            <a:r>
-              <a:rPr lang="en-US"/>
-              <a:t>Click to edit Master title style</a:t>
-            </a:r>
-          </a:p>
-        </p:txBody>
-      </p:sp>
-      <p:sp>
-        <p:nvSpPr>
-          <p:cNvPr id="3" name="Text Placeholder 2">
-            <a:extLst>
-              <a:ext uri="{FF2B5EF4-FFF2-40B4-BE49-F238E27FC236}">
-                <a16:creationId xmlns:a16="http://schemas.microsoft.com/office/drawing/2014/main" id="{AFDD6729-E491-4E17-A0CC-F4B3863A0F91}"/>
-              </a:ext>
-            </a:extLst>
-          </p:cNvPr>
-          <p:cNvSpPr>
-            <a:spLocks noGrp="1"/>
-          </p:cNvSpPr>
-          <p:nvPr>
-            <p:ph type="body" idx="1"/>
-          </p:nvPr>
-        </p:nvSpPr>
-        <p:spPr>
-          <a:xfrm>
-            <a:off x="839788" y="1681163"/>
-            <a:ext cx="5157787" cy="823912"/>
-          </a:xfrm>
-        </p:spPr>
-        <p:txBody>
-          <a:bodyPr anchor="b"/>
+          <a:bodyPr anchor="b">
+            <a:noAutofit/>
+          </a:bodyPr>
           <a:lstStyle>
             <a:lvl1pPr marL="0" indent="0">
-              <a:buNone/>
-              <a:defRPr sz="2400" b="1"/>
+              <a:spcBef>
+                <a:spcPts val="672"/>
+              </a:spcBef>
+              <a:spcAft>
+                <a:spcPts val="600"/>
+              </a:spcAft>
+              <a:buNone/>
+              <a:defRPr sz="2800" b="0">
+                <a:solidFill>
+                  <a:schemeClr val="accent1"/>
+                </a:solidFill>
+              </a:defRPr>
             </a:lvl1pPr>
             <a:lvl2pPr marL="457200" indent="0">
               <a:buNone/>
@@ -1599,13 +3934,7 @@
       </p:sp>
       <p:sp>
         <p:nvSpPr>
-          <p:cNvPr id="4" name="Content Placeholder 3">
-            <a:extLst>
-              <a:ext uri="{FF2B5EF4-FFF2-40B4-BE49-F238E27FC236}">
-                <a16:creationId xmlns:a16="http://schemas.microsoft.com/office/drawing/2014/main" id="{CB20EAA2-ABAC-4E3C-B8F7-4B6CB691365A}"/>
-              </a:ext>
-            </a:extLst>
-          </p:cNvPr>
+          <p:cNvPr id="4" name="Content Placeholder 3"/>
           <p:cNvSpPr>
             <a:spLocks noGrp="1"/>
           </p:cNvSpPr>
@@ -1615,12 +3944,14 @@
         </p:nvSpPr>
         <p:spPr>
           <a:xfrm>
-            <a:off x="839788" y="2505075"/>
-            <a:ext cx="5157787" cy="3684588"/>
+            <a:off x="1295400" y="3243262"/>
+            <a:ext cx="4718304" cy="2632605"/>
           </a:xfrm>
         </p:spPr>
         <p:txBody>
-          <a:bodyPr/>
+          <a:bodyPr anchor="t">
+            <a:normAutofit/>
+          </a:bodyPr>
           <a:lstStyle/>
           <a:p>
             <a:pPr lvl="0"/>
@@ -1656,18 +3987,13 @@
               <a:rPr lang="en-US"/>
               <a:t>Fifth level</a:t>
             </a:r>
-          </a:p>
-        </p:txBody>
-      </p:sp>
-      <p:sp>
-        <p:nvSpPr>
-          <p:cNvPr id="5" name="Text Placeholder 4">
-            <a:extLst>
-              <a:ext uri="{FF2B5EF4-FFF2-40B4-BE49-F238E27FC236}">
-                <a16:creationId xmlns:a16="http://schemas.microsoft.com/office/drawing/2014/main" id="{7831679D-67DD-46C0-ABCC-6452B70FAB5E}"/>
-              </a:ext>
-            </a:extLst>
-          </p:cNvPr>
+            <a:endParaRPr lang="en-US" dirty="0"/>
+          </a:p>
+        </p:txBody>
+      </p:sp>
+      <p:sp>
+        <p:nvSpPr>
+          <p:cNvPr id="5" name="Text Placeholder 4"/>
           <p:cNvSpPr>
             <a:spLocks noGrp="1"/>
           </p:cNvSpPr>
@@ -1677,16 +4003,28 @@
         </p:nvSpPr>
         <p:spPr>
           <a:xfrm>
-            <a:off x="6172200" y="1681163"/>
-            <a:ext cx="5183188" cy="823912"/>
+            <a:off x="6180670" y="2658533"/>
+            <a:ext cx="4718304" cy="576262"/>
           </a:xfrm>
         </p:spPr>
         <p:txBody>
-          <a:bodyPr anchor="b"/>
+          <a:bodyPr anchor="b">
+            <a:noAutofit/>
+          </a:bodyPr>
           <a:lstStyle>
             <a:lvl1pPr marL="0" indent="0">
-              <a:buNone/>
-              <a:defRPr sz="2400" b="1"/>
+              <a:spcBef>
+                <a:spcPts val="672"/>
+              </a:spcBef>
+              <a:spcAft>
+                <a:spcPts val="600"/>
+              </a:spcAft>
+              <a:buNone/>
+              <a:defRPr sz="2800" b="0">
+                <a:solidFill>
+                  <a:schemeClr val="accent1"/>
+                </a:solidFill>
+              </a:defRPr>
             </a:lvl1pPr>
             <a:lvl2pPr marL="457200" indent="0">
               <a:buNone/>
@@ -1732,13 +4070,7 @@
       </p:sp>
       <p:sp>
         <p:nvSpPr>
-          <p:cNvPr id="6" name="Content Placeholder 5">
-            <a:extLst>
-              <a:ext uri="{FF2B5EF4-FFF2-40B4-BE49-F238E27FC236}">
-                <a16:creationId xmlns:a16="http://schemas.microsoft.com/office/drawing/2014/main" id="{655E9B05-037C-4384-8A07-7309F3AC182B}"/>
-              </a:ext>
-            </a:extLst>
-          </p:cNvPr>
+          <p:cNvPr id="6" name="Content Placeholder 5"/>
           <p:cNvSpPr>
             <a:spLocks noGrp="1"/>
           </p:cNvSpPr>
@@ -1748,12 +4080,14 @@
         </p:nvSpPr>
         <p:spPr>
           <a:xfrm>
-            <a:off x="6172200" y="2505075"/>
-            <a:ext cx="5183188" cy="3684588"/>
+            <a:off x="6180670" y="3243262"/>
+            <a:ext cx="4718304" cy="2632605"/>
           </a:xfrm>
         </p:spPr>
         <p:txBody>
-          <a:bodyPr/>
+          <a:bodyPr anchor="t">
+            <a:normAutofit/>
+          </a:bodyPr>
           <a:lstStyle/>
           <a:p>
             <a:pPr lvl="0"/>
@@ -1789,18 +4123,13 @@
               <a:rPr lang="en-US"/>
               <a:t>Fifth level</a:t>
             </a:r>
-          </a:p>
-        </p:txBody>
-      </p:sp>
-      <p:sp>
-        <p:nvSpPr>
-          <p:cNvPr id="7" name="Date Placeholder 6">
-            <a:extLst>
-              <a:ext uri="{FF2B5EF4-FFF2-40B4-BE49-F238E27FC236}">
-                <a16:creationId xmlns:a16="http://schemas.microsoft.com/office/drawing/2014/main" id="{8508E139-5CB2-4C9C-A7B1-BEDC33D08388}"/>
-              </a:ext>
-            </a:extLst>
-          </p:cNvPr>
+            <a:endParaRPr lang="en-US" dirty="0"/>
+          </a:p>
+        </p:txBody>
+      </p:sp>
+      <p:sp>
+        <p:nvSpPr>
+          <p:cNvPr id="7" name="Date Placeholder 6"/>
           <p:cNvSpPr>
             <a:spLocks noGrp="1"/>
           </p:cNvSpPr>
@@ -1815,7 +4144,7 @@
           <a:p>
             <a:fld id="{70BC94CE-8BD2-4D24-BE63-671312790EC5}" type="datetimeFigureOut">
               <a:rPr lang="en-US" smtClean="0"/>
-              <a:t>12/4/2017</a:t>
+              <a:t>12/5/2017</a:t>
             </a:fld>
             <a:endParaRPr lang="en-US"/>
           </a:p>
@@ -1823,13 +4152,7 @@
       </p:sp>
       <p:sp>
         <p:nvSpPr>
-          <p:cNvPr id="8" name="Footer Placeholder 7">
-            <a:extLst>
-              <a:ext uri="{FF2B5EF4-FFF2-40B4-BE49-F238E27FC236}">
-                <a16:creationId xmlns:a16="http://schemas.microsoft.com/office/drawing/2014/main" id="{53D62965-21D2-43EB-A49C-450523F4FDA5}"/>
-              </a:ext>
-            </a:extLst>
-          </p:cNvPr>
+          <p:cNvPr id="8" name="Footer Placeholder 7"/>
           <p:cNvSpPr>
             <a:spLocks noGrp="1"/>
           </p:cNvSpPr>
@@ -1848,13 +4171,7 @@
       </p:sp>
       <p:sp>
         <p:nvSpPr>
-          <p:cNvPr id="9" name="Slide Number Placeholder 8">
-            <a:extLst>
-              <a:ext uri="{FF2B5EF4-FFF2-40B4-BE49-F238E27FC236}">
-                <a16:creationId xmlns:a16="http://schemas.microsoft.com/office/drawing/2014/main" id="{E0AFDE9E-8851-4F72-AC39-72F3EF820810}"/>
-              </a:ext>
-            </a:extLst>
-          </p:cNvPr>
+          <p:cNvPr id="9" name="Slide Number Placeholder 8"/>
           <p:cNvSpPr>
             <a:spLocks noGrp="1"/>
           </p:cNvSpPr>
@@ -1875,10 +4192,41 @@
           </a:p>
         </p:txBody>
       </p:sp>
+      <p:cxnSp>
+        <p:nvCxnSpPr>
+          <p:cNvPr id="18" name="Straight Connector 17"/>
+          <p:cNvCxnSpPr/>
+          <p:nvPr/>
+        </p:nvCxnSpPr>
+        <p:spPr>
+          <a:xfrm>
+            <a:off x="1396169" y="2421466"/>
+            <a:ext cx="9407298" cy="0"/>
+          </a:xfrm>
+          <a:prstGeom prst="line">
+            <a:avLst/>
+          </a:prstGeom>
+          <a:ln w="15875"/>
+        </p:spPr>
+        <p:style>
+          <a:lnRef idx="2">
+            <a:schemeClr val="accent1"/>
+          </a:lnRef>
+          <a:fillRef idx="0">
+            <a:schemeClr val="accent1"/>
+          </a:fillRef>
+          <a:effectRef idx="1">
+            <a:schemeClr val="accent1"/>
+          </a:effectRef>
+          <a:fontRef idx="minor">
+            <a:schemeClr val="tx1"/>
+          </a:fontRef>
+        </p:style>
+      </p:cxnSp>
     </p:spTree>
     <p:extLst>
       <p:ext uri="{BB962C8B-B14F-4D97-AF65-F5344CB8AC3E}">
-        <p14:creationId xmlns:p14="http://schemas.microsoft.com/office/powerpoint/2010/main" val="3235676519"/>
+        <p14:creationId xmlns:p14="http://schemas.microsoft.com/office/powerpoint/2010/main" val="875235725"/>
       </p:ext>
     </p:extLst>
   </p:cSld>
@@ -1907,13 +4255,7 @@
       </p:grpSpPr>
       <p:sp>
         <p:nvSpPr>
-          <p:cNvPr id="2" name="Title 1">
-            <a:extLst>
-              <a:ext uri="{FF2B5EF4-FFF2-40B4-BE49-F238E27FC236}">
-                <a16:creationId xmlns:a16="http://schemas.microsoft.com/office/drawing/2014/main" id="{E578B25D-0170-4C86-BA8C-5ECCC1EC37A1}"/>
-              </a:ext>
-            </a:extLst>
-          </p:cNvPr>
+          <p:cNvPr id="2" name="Title 1"/>
           <p:cNvSpPr>
             <a:spLocks noGrp="1"/>
           </p:cNvSpPr>
@@ -1930,18 +4272,13 @@
               <a:rPr lang="en-US"/>
               <a:t>Click to edit Master title style</a:t>
             </a:r>
-          </a:p>
-        </p:txBody>
-      </p:sp>
-      <p:sp>
-        <p:nvSpPr>
-          <p:cNvPr id="3" name="Date Placeholder 2">
-            <a:extLst>
-              <a:ext uri="{FF2B5EF4-FFF2-40B4-BE49-F238E27FC236}">
-                <a16:creationId xmlns:a16="http://schemas.microsoft.com/office/drawing/2014/main" id="{C7B80B0E-FD80-4BA3-BAB9-F937F91B4935}"/>
-              </a:ext>
-            </a:extLst>
-          </p:cNvPr>
+            <a:endParaRPr lang="en-US" dirty="0"/>
+          </a:p>
+        </p:txBody>
+      </p:sp>
+      <p:sp>
+        <p:nvSpPr>
+          <p:cNvPr id="3" name="Date Placeholder 2"/>
           <p:cNvSpPr>
             <a:spLocks noGrp="1"/>
           </p:cNvSpPr>
@@ -1956,7 +4293,7 @@
           <a:p>
             <a:fld id="{70BC94CE-8BD2-4D24-BE63-671312790EC5}" type="datetimeFigureOut">
               <a:rPr lang="en-US" smtClean="0"/>
-              <a:t>12/4/2017</a:t>
+              <a:t>12/5/2017</a:t>
             </a:fld>
             <a:endParaRPr lang="en-US"/>
           </a:p>
@@ -1964,13 +4301,7 @@
       </p:sp>
       <p:sp>
         <p:nvSpPr>
-          <p:cNvPr id="4" name="Footer Placeholder 3">
-            <a:extLst>
-              <a:ext uri="{FF2B5EF4-FFF2-40B4-BE49-F238E27FC236}">
-                <a16:creationId xmlns:a16="http://schemas.microsoft.com/office/drawing/2014/main" id="{A340D20C-9D2B-4163-AEE1-D3E9BC157F11}"/>
-              </a:ext>
-            </a:extLst>
-          </p:cNvPr>
+          <p:cNvPr id="4" name="Footer Placeholder 3"/>
           <p:cNvSpPr>
             <a:spLocks noGrp="1"/>
           </p:cNvSpPr>
@@ -1989,13 +4320,7 @@
       </p:sp>
       <p:sp>
         <p:nvSpPr>
-          <p:cNvPr id="5" name="Slide Number Placeholder 4">
-            <a:extLst>
-              <a:ext uri="{FF2B5EF4-FFF2-40B4-BE49-F238E27FC236}">
-                <a16:creationId xmlns:a16="http://schemas.microsoft.com/office/drawing/2014/main" id="{447DFCA4-949F-4E34-B4DA-945FE339B075}"/>
-              </a:ext>
-            </a:extLst>
-          </p:cNvPr>
+          <p:cNvPr id="5" name="Slide Number Placeholder 4"/>
           <p:cNvSpPr>
             <a:spLocks noGrp="1"/>
           </p:cNvSpPr>
@@ -2016,10 +4341,41 @@
           </a:p>
         </p:txBody>
       </p:sp>
+      <p:cxnSp>
+        <p:nvCxnSpPr>
+          <p:cNvPr id="14" name="Straight Connector 13"/>
+          <p:cNvCxnSpPr/>
+          <p:nvPr/>
+        </p:nvCxnSpPr>
+        <p:spPr>
+          <a:xfrm>
+            <a:off x="1396169" y="2421466"/>
+            <a:ext cx="9407298" cy="0"/>
+          </a:xfrm>
+          <a:prstGeom prst="line">
+            <a:avLst/>
+          </a:prstGeom>
+          <a:ln w="15875"/>
+        </p:spPr>
+        <p:style>
+          <a:lnRef idx="2">
+            <a:schemeClr val="accent1"/>
+          </a:lnRef>
+          <a:fillRef idx="0">
+            <a:schemeClr val="accent1"/>
+          </a:fillRef>
+          <a:effectRef idx="1">
+            <a:schemeClr val="accent1"/>
+          </a:effectRef>
+          <a:fontRef idx="minor">
+            <a:schemeClr val="tx1"/>
+          </a:fontRef>
+        </p:style>
+      </p:cxnSp>
     </p:spTree>
     <p:extLst>
       <p:ext uri="{BB962C8B-B14F-4D97-AF65-F5344CB8AC3E}">
-        <p14:creationId xmlns:p14="http://schemas.microsoft.com/office/powerpoint/2010/main" val="783439496"/>
+        <p14:creationId xmlns:p14="http://schemas.microsoft.com/office/powerpoint/2010/main" val="819537580"/>
       </p:ext>
     </p:extLst>
   </p:cSld>
@@ -2048,13 +4404,7 @@
       </p:grpSpPr>
       <p:sp>
         <p:nvSpPr>
-          <p:cNvPr id="2" name="Date Placeholder 1">
-            <a:extLst>
-              <a:ext uri="{FF2B5EF4-FFF2-40B4-BE49-F238E27FC236}">
-                <a16:creationId xmlns:a16="http://schemas.microsoft.com/office/drawing/2014/main" id="{9C614B81-9E41-4449-8341-538654ABBD19}"/>
-              </a:ext>
-            </a:extLst>
-          </p:cNvPr>
+          <p:cNvPr id="2" name="Date Placeholder 1"/>
           <p:cNvSpPr>
             <a:spLocks noGrp="1"/>
           </p:cNvSpPr>
@@ -2069,7 +4419,7 @@
           <a:p>
             <a:fld id="{70BC94CE-8BD2-4D24-BE63-671312790EC5}" type="datetimeFigureOut">
               <a:rPr lang="en-US" smtClean="0"/>
-              <a:t>12/4/2017</a:t>
+              <a:t>12/5/2017</a:t>
             </a:fld>
             <a:endParaRPr lang="en-US"/>
           </a:p>
@@ -2077,13 +4427,7 @@
       </p:sp>
       <p:sp>
         <p:nvSpPr>
-          <p:cNvPr id="3" name="Footer Placeholder 2">
-            <a:extLst>
-              <a:ext uri="{FF2B5EF4-FFF2-40B4-BE49-F238E27FC236}">
-                <a16:creationId xmlns:a16="http://schemas.microsoft.com/office/drawing/2014/main" id="{80CB94F9-5A5E-4CED-8E3C-FFFAED9DAEED}"/>
-              </a:ext>
-            </a:extLst>
-          </p:cNvPr>
+          <p:cNvPr id="3" name="Footer Placeholder 2"/>
           <p:cNvSpPr>
             <a:spLocks noGrp="1"/>
           </p:cNvSpPr>
@@ -2102,13 +4446,7 @@
       </p:sp>
       <p:sp>
         <p:nvSpPr>
-          <p:cNvPr id="4" name="Slide Number Placeholder 3">
-            <a:extLst>
-              <a:ext uri="{FF2B5EF4-FFF2-40B4-BE49-F238E27FC236}">
-                <a16:creationId xmlns:a16="http://schemas.microsoft.com/office/drawing/2014/main" id="{2EA53223-D4F8-4EF7-B80B-3DFE9393600B}"/>
-              </a:ext>
-            </a:extLst>
-          </p:cNvPr>
+          <p:cNvPr id="4" name="Slide Number Placeholder 3"/>
           <p:cNvSpPr>
             <a:spLocks noGrp="1"/>
           </p:cNvSpPr>
@@ -2132,7 +4470,7 @@
     </p:spTree>
     <p:extLst>
       <p:ext uri="{BB962C8B-B14F-4D97-AF65-F5344CB8AC3E}">
-        <p14:creationId xmlns:p14="http://schemas.microsoft.com/office/powerpoint/2010/main" val="3572507034"/>
+        <p14:creationId xmlns:p14="http://schemas.microsoft.com/office/powerpoint/2010/main" val="2769691274"/>
       </p:ext>
     </p:extLst>
   </p:cSld>
@@ -2161,13 +4499,7 @@
       </p:grpSpPr>
       <p:sp>
         <p:nvSpPr>
-          <p:cNvPr id="2" name="Title 1">
-            <a:extLst>
-              <a:ext uri="{FF2B5EF4-FFF2-40B4-BE49-F238E27FC236}">
-                <a16:creationId xmlns:a16="http://schemas.microsoft.com/office/drawing/2014/main" id="{E121E5D0-DA30-400A-935A-07B8A48A17A1}"/>
-              </a:ext>
-            </a:extLst>
-          </p:cNvPr>
+          <p:cNvPr id="2" name="Title 1"/>
           <p:cNvSpPr>
             <a:spLocks noGrp="1"/>
           </p:cNvSpPr>
@@ -2177,15 +4509,17 @@
         </p:nvSpPr>
         <p:spPr>
           <a:xfrm>
-            <a:off x="839788" y="457200"/>
-            <a:ext cx="3932237" cy="1600200"/>
+            <a:off x="1293811" y="1388534"/>
+            <a:ext cx="3718455" cy="1371600"/>
           </a:xfrm>
         </p:spPr>
         <p:txBody>
-          <a:bodyPr anchor="b"/>
+          <a:bodyPr anchor="b">
+            <a:normAutofit/>
+          </a:bodyPr>
           <a:lstStyle>
-            <a:lvl1pPr>
-              <a:defRPr sz="3200"/>
+            <a:lvl1pPr algn="ctr">
+              <a:defRPr sz="2400" b="0"/>
             </a:lvl1pPr>
           </a:lstStyle>
           <a:p>
@@ -2193,18 +4527,13 @@
               <a:rPr lang="en-US"/>
               <a:t>Click to edit Master title style</a:t>
             </a:r>
-          </a:p>
-        </p:txBody>
-      </p:sp>
-      <p:sp>
-        <p:nvSpPr>
-          <p:cNvPr id="3" name="Content Placeholder 2">
-            <a:extLst>
-              <a:ext uri="{FF2B5EF4-FFF2-40B4-BE49-F238E27FC236}">
-                <a16:creationId xmlns:a16="http://schemas.microsoft.com/office/drawing/2014/main" id="{8383F26A-5868-44F5-B5C7-F4665591E2B8}"/>
-              </a:ext>
-            </a:extLst>
-          </p:cNvPr>
+            <a:endParaRPr lang="en-US" dirty="0"/>
+          </a:p>
+        </p:txBody>
+      </p:sp>
+      <p:sp>
+        <p:nvSpPr>
+          <p:cNvPr id="3" name="Content Placeholder 2"/>
           <p:cNvSpPr>
             <a:spLocks noGrp="1"/>
           </p:cNvSpPr>
@@ -2214,41 +4543,15 @@
         </p:nvSpPr>
         <p:spPr>
           <a:xfrm>
-            <a:off x="5183188" y="987425"/>
-            <a:ext cx="6172200" cy="4873625"/>
+            <a:off x="5418668" y="982131"/>
+            <a:ext cx="5469466" cy="4893735"/>
           </a:xfrm>
         </p:spPr>
         <p:txBody>
-          <a:bodyPr/>
-          <a:lstStyle>
-            <a:lvl1pPr>
-              <a:defRPr sz="3200"/>
-            </a:lvl1pPr>
-            <a:lvl2pPr>
-              <a:defRPr sz="2800"/>
-            </a:lvl2pPr>
-            <a:lvl3pPr>
-              <a:defRPr sz="2400"/>
-            </a:lvl3pPr>
-            <a:lvl4pPr>
-              <a:defRPr sz="2000"/>
-            </a:lvl4pPr>
-            <a:lvl5pPr>
-              <a:defRPr sz="2000"/>
-            </a:lvl5pPr>
-            <a:lvl6pPr>
-              <a:defRPr sz="2000"/>
-            </a:lvl6pPr>
-            <a:lvl7pPr>
-              <a:defRPr sz="2000"/>
-            </a:lvl7pPr>
-            <a:lvl8pPr>
-              <a:defRPr sz="2000"/>
-            </a:lvl8pPr>
-            <a:lvl9pPr>
-              <a:defRPr sz="2000"/>
-            </a:lvl9pPr>
-          </a:lstStyle>
+          <a:bodyPr anchor="ctr">
+            <a:normAutofit/>
+          </a:bodyPr>
+          <a:lstStyle/>
           <a:p>
             <a:pPr lvl="0"/>
             <a:r>
@@ -2283,18 +4586,13 @@
               <a:rPr lang="en-US"/>
               <a:t>Fifth level</a:t>
             </a:r>
-          </a:p>
-        </p:txBody>
-      </p:sp>
-      <p:sp>
-        <p:nvSpPr>
-          <p:cNvPr id="4" name="Text Placeholder 3">
-            <a:extLst>
-              <a:ext uri="{FF2B5EF4-FFF2-40B4-BE49-F238E27FC236}">
-                <a16:creationId xmlns:a16="http://schemas.microsoft.com/office/drawing/2014/main" id="{B7AE99F2-847E-4089-8AF5-AD1D9ABF878D}"/>
-              </a:ext>
-            </a:extLst>
-          </p:cNvPr>
+            <a:endParaRPr lang="en-US" dirty="0"/>
+          </a:p>
+        </p:txBody>
+      </p:sp>
+      <p:sp>
+        <p:nvSpPr>
+          <p:cNvPr id="4" name="Text Placeholder 3"/>
           <p:cNvSpPr>
             <a:spLocks noGrp="1"/>
           </p:cNvSpPr>
@@ -2304,48 +4602,50 @@
         </p:nvSpPr>
         <p:spPr>
           <a:xfrm>
-            <a:off x="839788" y="2057400"/>
-            <a:ext cx="3932237" cy="3811588"/>
+            <a:off x="1293811" y="3031065"/>
+            <a:ext cx="3718455" cy="2438404"/>
           </a:xfrm>
         </p:spPr>
         <p:txBody>
-          <a:bodyPr/>
+          <a:bodyPr anchor="t">
+            <a:normAutofit/>
+          </a:bodyPr>
           <a:lstStyle>
-            <a:lvl1pPr marL="0" indent="0">
+            <a:lvl1pPr marL="0" indent="0" algn="ctr">
               <a:buNone/>
               <a:defRPr sz="1600"/>
             </a:lvl1pPr>
             <a:lvl2pPr marL="457200" indent="0">
               <a:buNone/>
-              <a:defRPr sz="1400"/>
+              <a:defRPr sz="1200"/>
             </a:lvl2pPr>
             <a:lvl3pPr marL="914400" indent="0">
               <a:buNone/>
-              <a:defRPr sz="1200"/>
+              <a:defRPr sz="1000"/>
             </a:lvl3pPr>
             <a:lvl4pPr marL="1371600" indent="0">
               <a:buNone/>
-              <a:defRPr sz="1000"/>
+              <a:defRPr sz="900"/>
             </a:lvl4pPr>
             <a:lvl5pPr marL="1828800" indent="0">
               <a:buNone/>
-              <a:defRPr sz="1000"/>
+              <a:defRPr sz="900"/>
             </a:lvl5pPr>
             <a:lvl6pPr marL="2286000" indent="0">
               <a:buNone/>
-              <a:defRPr sz="1000"/>
+              <a:defRPr sz="900"/>
             </a:lvl6pPr>
             <a:lvl7pPr marL="2743200" indent="0">
               <a:buNone/>
-              <a:defRPr sz="1000"/>
+              <a:defRPr sz="900"/>
             </a:lvl7pPr>
             <a:lvl8pPr marL="3200400" indent="0">
               <a:buNone/>
-              <a:defRPr sz="1000"/>
+              <a:defRPr sz="900"/>
             </a:lvl8pPr>
             <a:lvl9pPr marL="3657600" indent="0">
               <a:buNone/>
-              <a:defRPr sz="1000"/>
+              <a:defRPr sz="900"/>
             </a:lvl9pPr>
           </a:lstStyle>
           <a:p>
@@ -2359,13 +4659,7 @@
       </p:sp>
       <p:sp>
         <p:nvSpPr>
-          <p:cNvPr id="5" name="Date Placeholder 4">
-            <a:extLst>
-              <a:ext uri="{FF2B5EF4-FFF2-40B4-BE49-F238E27FC236}">
-                <a16:creationId xmlns:a16="http://schemas.microsoft.com/office/drawing/2014/main" id="{938CD060-0F50-4610-ADE2-32893C1C43BE}"/>
-              </a:ext>
-            </a:extLst>
-          </p:cNvPr>
+          <p:cNvPr id="5" name="Date Placeholder 4"/>
           <p:cNvSpPr>
             <a:spLocks noGrp="1"/>
           </p:cNvSpPr>
@@ -2380,7 +4674,7 @@
           <a:p>
             <a:fld id="{70BC94CE-8BD2-4D24-BE63-671312790EC5}" type="datetimeFigureOut">
               <a:rPr lang="en-US" smtClean="0"/>
-              <a:t>12/4/2017</a:t>
+              <a:t>12/5/2017</a:t>
             </a:fld>
             <a:endParaRPr lang="en-US"/>
           </a:p>
@@ -2388,13 +4682,7 @@
       </p:sp>
       <p:sp>
         <p:nvSpPr>
-          <p:cNvPr id="6" name="Footer Placeholder 5">
-            <a:extLst>
-              <a:ext uri="{FF2B5EF4-FFF2-40B4-BE49-F238E27FC236}">
-                <a16:creationId xmlns:a16="http://schemas.microsoft.com/office/drawing/2014/main" id="{E848CF3B-BBEE-472A-B578-5A366DAC80B2}"/>
-              </a:ext>
-            </a:extLst>
-          </p:cNvPr>
+          <p:cNvPr id="6" name="Footer Placeholder 5"/>
           <p:cNvSpPr>
             <a:spLocks noGrp="1"/>
           </p:cNvSpPr>
@@ -2413,13 +4701,7 @@
       </p:sp>
       <p:sp>
         <p:nvSpPr>
-          <p:cNvPr id="7" name="Slide Number Placeholder 6">
-            <a:extLst>
-              <a:ext uri="{FF2B5EF4-FFF2-40B4-BE49-F238E27FC236}">
-                <a16:creationId xmlns:a16="http://schemas.microsoft.com/office/drawing/2014/main" id="{A9088DC5-ED51-4E9C-B3B7-BA9DC2C165D8}"/>
-              </a:ext>
-            </a:extLst>
-          </p:cNvPr>
+          <p:cNvPr id="7" name="Slide Number Placeholder 6"/>
           <p:cNvSpPr>
             <a:spLocks noGrp="1"/>
           </p:cNvSpPr>
@@ -2440,10 +4722,41 @@
           </a:p>
         </p:txBody>
       </p:sp>
+      <p:cxnSp>
+        <p:nvCxnSpPr>
+          <p:cNvPr id="16" name="Straight Connector 15"/>
+          <p:cNvCxnSpPr/>
+          <p:nvPr/>
+        </p:nvCxnSpPr>
+        <p:spPr>
+          <a:xfrm>
+            <a:off x="1396169" y="2912533"/>
+            <a:ext cx="3514498" cy="0"/>
+          </a:xfrm>
+          <a:prstGeom prst="line">
+            <a:avLst/>
+          </a:prstGeom>
+          <a:ln w="15875"/>
+        </p:spPr>
+        <p:style>
+          <a:lnRef idx="2">
+            <a:schemeClr val="accent1"/>
+          </a:lnRef>
+          <a:fillRef idx="0">
+            <a:schemeClr val="accent1"/>
+          </a:fillRef>
+          <a:effectRef idx="1">
+            <a:schemeClr val="accent1"/>
+          </a:effectRef>
+          <a:fontRef idx="minor">
+            <a:schemeClr val="tx1"/>
+          </a:fontRef>
+        </p:style>
+      </p:cxnSp>
     </p:spTree>
     <p:extLst>
       <p:ext uri="{BB962C8B-B14F-4D97-AF65-F5344CB8AC3E}">
-        <p14:creationId xmlns:p14="http://schemas.microsoft.com/office/powerpoint/2010/main" val="2464038102"/>
+        <p14:creationId xmlns:p14="http://schemas.microsoft.com/office/powerpoint/2010/main" val="2881882471"/>
       </p:ext>
     </p:extLst>
   </p:cSld>
@@ -2472,13 +4785,7 @@
       </p:grpSpPr>
       <p:sp>
         <p:nvSpPr>
-          <p:cNvPr id="2" name="Title 1">
-            <a:extLst>
-              <a:ext uri="{FF2B5EF4-FFF2-40B4-BE49-F238E27FC236}">
-                <a16:creationId xmlns:a16="http://schemas.microsoft.com/office/drawing/2014/main" id="{2A752A8F-A948-480A-BA94-0A315F4A3C32}"/>
-              </a:ext>
-            </a:extLst>
-          </p:cNvPr>
+          <p:cNvPr id="2" name="Title 1"/>
           <p:cNvSpPr>
             <a:spLocks noGrp="1"/>
           </p:cNvSpPr>
@@ -2488,15 +4795,17 @@
         </p:nvSpPr>
         <p:spPr>
           <a:xfrm>
-            <a:off x="839788" y="457200"/>
-            <a:ext cx="3932237" cy="1600200"/>
+            <a:off x="1295399" y="1883832"/>
+            <a:ext cx="6241816" cy="1371600"/>
           </a:xfrm>
         </p:spPr>
         <p:txBody>
-          <a:bodyPr anchor="b"/>
+          <a:bodyPr anchor="b">
+            <a:normAutofit/>
+          </a:bodyPr>
           <a:lstStyle>
-            <a:lvl1pPr>
-              <a:defRPr sz="3200"/>
+            <a:lvl1pPr algn="ctr">
+              <a:defRPr sz="2800" b="0"/>
             </a:lvl1pPr>
           </a:lstStyle>
           <a:p>
@@ -2504,20 +4813,15 @@
               <a:rPr lang="en-US"/>
               <a:t>Click to edit Master title style</a:t>
             </a:r>
-          </a:p>
-        </p:txBody>
-      </p:sp>
-      <p:sp>
-        <p:nvSpPr>
-          <p:cNvPr id="3" name="Picture Placeholder 2">
-            <a:extLst>
-              <a:ext uri="{FF2B5EF4-FFF2-40B4-BE49-F238E27FC236}">
-                <a16:creationId xmlns:a16="http://schemas.microsoft.com/office/drawing/2014/main" id="{D4AB3D68-78D1-4AEA-89C4-D5828EF0802D}"/>
-              </a:ext>
-            </a:extLst>
-          </p:cNvPr>
-          <p:cNvSpPr>
-            <a:spLocks noGrp="1"/>
+            <a:endParaRPr lang="en-US" dirty="0"/>
+          </a:p>
+        </p:txBody>
+      </p:sp>
+      <p:sp>
+        <p:nvSpPr>
+          <p:cNvPr id="17" name="Picture Placeholder 2"/>
+          <p:cNvSpPr>
+            <a:spLocks noGrp="1" noChangeAspect="1"/>
           </p:cNvSpPr>
           <p:nvPr>
             <p:ph type="pic" idx="1"/>
@@ -2525,118 +4829,141 @@
         </p:nvSpPr>
         <p:spPr>
           <a:xfrm>
-            <a:off x="5183188" y="987425"/>
-            <a:ext cx="6172200" cy="4873625"/>
+            <a:off x="8094831" y="1041400"/>
+            <a:ext cx="3063347" cy="4775200"/>
           </a:xfrm>
+          <a:prstGeom prst="roundRect">
+            <a:avLst>
+              <a:gd name="adj" fmla="val 0"/>
+            </a:avLst>
+          </a:prstGeom>
+          <a:ln w="57150" cmpd="thickThin">
+            <a:solidFill>
+              <a:schemeClr val="tx1">
+                <a:lumMod val="50000"/>
+                <a:lumOff val="50000"/>
+              </a:schemeClr>
+            </a:solidFill>
+            <a:miter lim="800000"/>
+          </a:ln>
+          <a:effectLst>
+            <a:innerShdw blurRad="57150" dist="38100" dir="14460000">
+              <a:srgbClr val="000000">
+                <a:alpha val="70000"/>
+              </a:srgbClr>
+            </a:innerShdw>
+          </a:effectLst>
         </p:spPr>
         <p:txBody>
-          <a:bodyPr/>
+          <a:bodyPr anchor="t">
+            <a:normAutofit/>
+          </a:bodyPr>
           <a:lstStyle>
-            <a:lvl1pPr marL="0" indent="0">
-              <a:buNone/>
-              <a:defRPr sz="3200"/>
-            </a:lvl1pPr>
-            <a:lvl2pPr marL="457200" indent="0">
-              <a:buNone/>
-              <a:defRPr sz="2800"/>
-            </a:lvl2pPr>
-            <a:lvl3pPr marL="914400" indent="0">
-              <a:buNone/>
-              <a:defRPr sz="2400"/>
-            </a:lvl3pPr>
-            <a:lvl4pPr marL="1371600" indent="0">
-              <a:buNone/>
-              <a:defRPr sz="2000"/>
-            </a:lvl4pPr>
-            <a:lvl5pPr marL="1828800" indent="0">
-              <a:buNone/>
-              <a:defRPr sz="2000"/>
-            </a:lvl5pPr>
-            <a:lvl6pPr marL="2286000" indent="0">
-              <a:buNone/>
-              <a:defRPr sz="2000"/>
-            </a:lvl6pPr>
-            <a:lvl7pPr marL="2743200" indent="0">
-              <a:buNone/>
-              <a:defRPr sz="2000"/>
-            </a:lvl7pPr>
-            <a:lvl8pPr marL="3200400" indent="0">
-              <a:buNone/>
-              <a:defRPr sz="2000"/>
-            </a:lvl8pPr>
-            <a:lvl9pPr marL="3657600" indent="0">
-              <a:buNone/>
-              <a:defRPr sz="2000"/>
-            </a:lvl9pPr>
-          </a:lstStyle>
-          <a:p>
-            <a:endParaRPr lang="en-US"/>
-          </a:p>
-        </p:txBody>
-      </p:sp>
-      <p:sp>
-        <p:nvSpPr>
-          <p:cNvPr id="4" name="Text Placeholder 3">
-            <a:extLst>
-              <a:ext uri="{FF2B5EF4-FFF2-40B4-BE49-F238E27FC236}">
-                <a16:creationId xmlns:a16="http://schemas.microsoft.com/office/drawing/2014/main" id="{9E799F1F-F798-45A8-9C30-D344E16C80CB}"/>
-              </a:ext>
-            </a:extLst>
-          </p:cNvPr>
-          <p:cNvSpPr>
-            <a:spLocks noGrp="1"/>
-          </p:cNvSpPr>
-          <p:nvPr>
-            <p:ph type="body" sz="half" idx="2"/>
-          </p:nvPr>
-        </p:nvSpPr>
-        <p:spPr>
-          <a:xfrm>
-            <a:off x="839788" y="2057400"/>
-            <a:ext cx="3932237" cy="3811588"/>
-          </a:xfrm>
-        </p:spPr>
-        <p:txBody>
-          <a:bodyPr/>
-          <a:lstStyle>
-            <a:lvl1pPr marL="0" indent="0">
+            <a:lvl1pPr marL="0" indent="0" algn="ctr">
               <a:buNone/>
               <a:defRPr sz="1600"/>
             </a:lvl1pPr>
             <a:lvl2pPr marL="457200" indent="0">
               <a:buNone/>
-              <a:defRPr sz="1400"/>
+              <a:defRPr sz="1600"/>
             </a:lvl2pPr>
             <a:lvl3pPr marL="914400" indent="0">
               <a:buNone/>
-              <a:defRPr sz="1200"/>
+              <a:defRPr sz="1600"/>
             </a:lvl3pPr>
             <a:lvl4pPr marL="1371600" indent="0">
               <a:buNone/>
-              <a:defRPr sz="1000"/>
+              <a:defRPr sz="1600"/>
             </a:lvl4pPr>
             <a:lvl5pPr marL="1828800" indent="0">
               <a:buNone/>
-              <a:defRPr sz="1000"/>
+              <a:defRPr sz="1600"/>
             </a:lvl5pPr>
             <a:lvl6pPr marL="2286000" indent="0">
               <a:buNone/>
-              <a:defRPr sz="1000"/>
+              <a:defRPr sz="1600"/>
             </a:lvl6pPr>
             <a:lvl7pPr marL="2743200" indent="0">
               <a:buNone/>
-              <a:defRPr sz="1000"/>
+              <a:defRPr sz="1600"/>
             </a:lvl7pPr>
             <a:lvl8pPr marL="3200400" indent="0">
               <a:buNone/>
-              <a:defRPr sz="1000"/>
+              <a:defRPr sz="1600"/>
             </a:lvl8pPr>
             <a:lvl9pPr marL="3657600" indent="0">
               <a:buNone/>
-              <a:defRPr sz="1000"/>
+              <a:defRPr sz="1600"/>
             </a:lvl9pPr>
           </a:lstStyle>
           <a:p>
+            <a:r>
+              <a:rPr lang="en-US"/>
+              <a:t>Click icon to add picture</a:t>
+            </a:r>
+            <a:endParaRPr lang="en-US" dirty="0"/>
+          </a:p>
+        </p:txBody>
+      </p:sp>
+      <p:sp>
+        <p:nvSpPr>
+          <p:cNvPr id="4" name="Text Placeholder 3"/>
+          <p:cNvSpPr>
+            <a:spLocks noGrp="1"/>
+          </p:cNvSpPr>
+          <p:nvPr>
+            <p:ph type="body" sz="half" idx="2"/>
+          </p:nvPr>
+        </p:nvSpPr>
+        <p:spPr>
+          <a:xfrm>
+            <a:off x="1295399" y="3255432"/>
+            <a:ext cx="6241816" cy="1828800"/>
+          </a:xfrm>
+        </p:spPr>
+        <p:txBody>
+          <a:bodyPr anchor="t">
+            <a:normAutofit/>
+          </a:bodyPr>
+          <a:lstStyle>
+            <a:lvl1pPr marL="0" indent="0" algn="ctr">
+              <a:buNone/>
+              <a:defRPr sz="1800"/>
+            </a:lvl1pPr>
+            <a:lvl2pPr marL="457200" indent="0">
+              <a:buNone/>
+              <a:defRPr sz="1200"/>
+            </a:lvl2pPr>
+            <a:lvl3pPr marL="914400" indent="0">
+              <a:buNone/>
+              <a:defRPr sz="1000"/>
+            </a:lvl3pPr>
+            <a:lvl4pPr marL="1371600" indent="0">
+              <a:buNone/>
+              <a:defRPr sz="900"/>
+            </a:lvl4pPr>
+            <a:lvl5pPr marL="1828800" indent="0">
+              <a:buNone/>
+              <a:defRPr sz="900"/>
+            </a:lvl5pPr>
+            <a:lvl6pPr marL="2286000" indent="0">
+              <a:buNone/>
+              <a:defRPr sz="900"/>
+            </a:lvl6pPr>
+            <a:lvl7pPr marL="2743200" indent="0">
+              <a:buNone/>
+              <a:defRPr sz="900"/>
+            </a:lvl7pPr>
+            <a:lvl8pPr marL="3200400" indent="0">
+              <a:buNone/>
+              <a:defRPr sz="900"/>
+            </a:lvl8pPr>
+            <a:lvl9pPr marL="3657600" indent="0">
+              <a:buNone/>
+              <a:defRPr sz="900"/>
+            </a:lvl9pPr>
+          </a:lstStyle>
+          <a:p>
             <a:pPr lvl="0"/>
             <a:r>
               <a:rPr lang="en-US"/>
@@ -2647,13 +4974,7 @@
       </p:sp>
       <p:sp>
         <p:nvSpPr>
-          <p:cNvPr id="5" name="Date Placeholder 4">
-            <a:extLst>
-              <a:ext uri="{FF2B5EF4-FFF2-40B4-BE49-F238E27FC236}">
-                <a16:creationId xmlns:a16="http://schemas.microsoft.com/office/drawing/2014/main" id="{15A302DC-55B7-4624-8782-8FC9F1EFE7B1}"/>
-              </a:ext>
-            </a:extLst>
-          </p:cNvPr>
+          <p:cNvPr id="5" name="Date Placeholder 4"/>
           <p:cNvSpPr>
             <a:spLocks noGrp="1"/>
           </p:cNvSpPr>
@@ -2668,7 +4989,7 @@
           <a:p>
             <a:fld id="{70BC94CE-8BD2-4D24-BE63-671312790EC5}" type="datetimeFigureOut">
               <a:rPr lang="en-US" smtClean="0"/>
-              <a:t>12/4/2017</a:t>
+              <a:t>12/5/2017</a:t>
             </a:fld>
             <a:endParaRPr lang="en-US"/>
           </a:p>
@@ -2676,13 +4997,7 @@
       </p:sp>
       <p:sp>
         <p:nvSpPr>
-          <p:cNvPr id="6" name="Footer Placeholder 5">
-            <a:extLst>
-              <a:ext uri="{FF2B5EF4-FFF2-40B4-BE49-F238E27FC236}">
-                <a16:creationId xmlns:a16="http://schemas.microsoft.com/office/drawing/2014/main" id="{6F3926E6-E9CC-4DF0-BAAB-CDF4C33C26A1}"/>
-              </a:ext>
-            </a:extLst>
-          </p:cNvPr>
+          <p:cNvPr id="6" name="Footer Placeholder 5"/>
           <p:cNvSpPr>
             <a:spLocks noGrp="1"/>
           </p:cNvSpPr>
@@ -2701,13 +5016,7 @@
       </p:sp>
       <p:sp>
         <p:nvSpPr>
-          <p:cNvPr id="7" name="Slide Number Placeholder 6">
-            <a:extLst>
-              <a:ext uri="{FF2B5EF4-FFF2-40B4-BE49-F238E27FC236}">
-                <a16:creationId xmlns:a16="http://schemas.microsoft.com/office/drawing/2014/main" id="{4A0B962B-11E3-401B-ADD9-D2C3569E70BD}"/>
-              </a:ext>
-            </a:extLst>
-          </p:cNvPr>
+          <p:cNvPr id="7" name="Slide Number Placeholder 6"/>
           <p:cNvSpPr>
             <a:spLocks noGrp="1"/>
           </p:cNvSpPr>
@@ -2731,7 +5040,7 @@
     </p:spTree>
     <p:extLst>
       <p:ext uri="{BB962C8B-B14F-4D97-AF65-F5344CB8AC3E}">
-        <p14:creationId xmlns:p14="http://schemas.microsoft.com/office/powerpoint/2010/main" val="2157046205"/>
+        <p14:creationId xmlns:p14="http://schemas.microsoft.com/office/powerpoint/2010/main" val="3732502712"/>
       </p:ext>
     </p:extLst>
   </p:cSld>
@@ -2745,7 +5054,7 @@
 <p:sldMaster xmlns:a="http://schemas.openxmlformats.org/drawingml/2006/main" xmlns:r="http://schemas.openxmlformats.org/officeDocument/2006/relationships" xmlns:p="http://schemas.openxmlformats.org/presentationml/2006/main">
   <p:cSld>
     <p:bg>
-      <p:bgRef idx="1001">
+      <p:bgRef idx="1003">
         <a:schemeClr val="bg1"/>
       </p:bgRef>
     </p:bg>
@@ -2763,15 +5072,146 @@
           <a:chExt cx="0" cy="0"/>
         </a:xfrm>
       </p:grpSpPr>
-      <p:sp>
-        <p:nvSpPr>
-          <p:cNvPr id="2" name="Title Placeholder 1">
-            <a:extLst>
-              <a:ext uri="{FF2B5EF4-FFF2-40B4-BE49-F238E27FC236}">
-                <a16:creationId xmlns:a16="http://schemas.microsoft.com/office/drawing/2014/main" id="{522528D5-4304-4414-B266-B70632137D62}"/>
-              </a:ext>
-            </a:extLst>
-          </p:cNvPr>
+      <p:grpSp>
+        <p:nvGrpSpPr>
+          <p:cNvPr id="7" name="Group 6"/>
+          <p:cNvGrpSpPr/>
+          <p:nvPr/>
+        </p:nvGrpSpPr>
+        <p:grpSpPr>
+          <a:xfrm>
+            <a:off x="-15736" y="0"/>
+            <a:ext cx="12229962" cy="6856214"/>
+            <a:chOff x="-15736" y="0"/>
+            <a:chExt cx="12229962" cy="6856214"/>
+          </a:xfrm>
+        </p:grpSpPr>
+        <p:pic>
+          <p:nvPicPr>
+            <p:cNvPr id="8" name="Picture 7" descr="HD-PanelContent.png"/>
+            <p:cNvPicPr>
+              <a:picLocks noChangeAspect="1"/>
+            </p:cNvPicPr>
+            <p:nvPr/>
+          </p:nvPicPr>
+          <p:blipFill>
+            <a:blip r:embed="rId19">
+              <a:extLst>
+                <a:ext uri="{28A0092B-C50C-407E-A947-70E740481C1C}">
+                  <a14:useLocalDpi xmlns:a14="http://schemas.microsoft.com/office/drawing/2010/main" val="0"/>
+                </a:ext>
+              </a:extLst>
+            </a:blip>
+            <a:stretch>
+              <a:fillRect/>
+            </a:stretch>
+          </p:blipFill>
+          <p:spPr>
+            <a:xfrm>
+              <a:off x="0" y="0"/>
+              <a:ext cx="12188825" cy="6856214"/>
+            </a:xfrm>
+            <a:prstGeom prst="rect">
+              <a:avLst/>
+            </a:prstGeom>
+          </p:spPr>
+        </p:pic>
+        <p:sp>
+          <p:nvSpPr>
+            <p:cNvPr id="9" name="Rectangle 8"/>
+            <p:cNvSpPr/>
+            <p:nvPr/>
+          </p:nvSpPr>
+          <p:spPr>
+            <a:xfrm>
+              <a:off x="608012" y="609600"/>
+              <a:ext cx="10972800" cy="5638800"/>
+            </a:xfrm>
+            <a:prstGeom prst="rect">
+              <a:avLst/>
+            </a:prstGeom>
+            <a:noFill/>
+            <a:ln w="15875" cap="flat">
+              <a:miter lim="800000"/>
+            </a:ln>
+          </p:spPr>
+          <p:style>
+            <a:lnRef idx="1">
+              <a:schemeClr val="accent1"/>
+            </a:lnRef>
+            <a:fillRef idx="3">
+              <a:schemeClr val="accent1"/>
+            </a:fillRef>
+            <a:effectRef idx="2">
+              <a:schemeClr val="accent1"/>
+            </a:effectRef>
+            <a:fontRef idx="minor">
+              <a:schemeClr val="lt1"/>
+            </a:fontRef>
+          </p:style>
+        </p:sp>
+        <p:pic>
+          <p:nvPicPr>
+            <p:cNvPr id="10" name="Picture 9" descr="HDRibbonContent-UniformTrim.png"/>
+            <p:cNvPicPr>
+              <a:picLocks noChangeAspect="1"/>
+            </p:cNvPicPr>
+            <p:nvPr/>
+          </p:nvPicPr>
+          <p:blipFill rotWithShape="1">
+            <a:blip r:embed="rId20">
+              <a:extLst>
+                <a:ext uri="{28A0092B-C50C-407E-A947-70E740481C1C}">
+                  <a14:useLocalDpi xmlns:a14="http://schemas.microsoft.com/office/drawing/2010/main" val="0"/>
+                </a:ext>
+              </a:extLst>
+            </a:blip>
+            <a:srcRect/>
+            <a:stretch/>
+          </p:blipFill>
+          <p:spPr>
+            <a:xfrm>
+              <a:off x="-15736" y="3153832"/>
+              <a:ext cx="777240" cy="606425"/>
+            </a:xfrm>
+            <a:prstGeom prst="rect">
+              <a:avLst/>
+            </a:prstGeom>
+          </p:spPr>
+        </p:pic>
+        <p:pic>
+          <p:nvPicPr>
+            <p:cNvPr id="11" name="Picture 10" descr="HDRibbonContent-UniformTrim.png"/>
+            <p:cNvPicPr>
+              <a:picLocks noChangeAspect="1"/>
+            </p:cNvPicPr>
+            <p:nvPr/>
+          </p:nvPicPr>
+          <p:blipFill rotWithShape="1">
+            <a:blip r:embed="rId20">
+              <a:extLst>
+                <a:ext uri="{28A0092B-C50C-407E-A947-70E740481C1C}">
+                  <a14:useLocalDpi xmlns:a14="http://schemas.microsoft.com/office/drawing/2010/main" val="0"/>
+                </a:ext>
+              </a:extLst>
+            </a:blip>
+            <a:srcRect/>
+            <a:stretch/>
+          </p:blipFill>
+          <p:spPr>
+            <a:xfrm>
+              <a:off x="11436986" y="3153832"/>
+              <a:ext cx="777240" cy="606425"/>
+            </a:xfrm>
+            <a:prstGeom prst="rect">
+              <a:avLst/>
+            </a:prstGeom>
+          </p:spPr>
+        </p:pic>
+      </p:grpSp>
+      <p:sp>
+        <p:nvSpPr>
+          <p:cNvPr id="2" name="Title Placeholder 1"/>
           <p:cNvSpPr>
             <a:spLocks noGrp="1"/>
           </p:cNvSpPr>
@@ -2781,113 +5221,145 @@
         </p:nvSpPr>
         <p:spPr>
           <a:xfrm>
-            <a:off x="838200" y="365125"/>
-            <a:ext cx="10515600" cy="1325563"/>
+            <a:off x="1295402" y="982132"/>
+            <a:ext cx="9601196" cy="1303867"/>
+          </a:xfrm>
+          <a:prstGeom prst="rect">
+            <a:avLst/>
+          </a:prstGeom>
+          <a:effectLst/>
+        </p:spPr>
+        <p:txBody>
+          <a:bodyPr vert="horz" lIns="91440" tIns="45720" rIns="91440" bIns="45720" rtlCol="0" anchor="ctr">
+            <a:normAutofit/>
+          </a:bodyPr>
+          <a:lstStyle/>
+          <a:p>
+            <a:r>
+              <a:rPr lang="en-US"/>
+              <a:t>Click to edit Master title style</a:t>
+            </a:r>
+            <a:endParaRPr lang="en-US" dirty="0"/>
+          </a:p>
+        </p:txBody>
+      </p:sp>
+      <p:sp>
+        <p:nvSpPr>
+          <p:cNvPr id="3" name="Text Placeholder 2"/>
+          <p:cNvSpPr>
+            <a:spLocks noGrp="1"/>
+          </p:cNvSpPr>
+          <p:nvPr>
+            <p:ph type="body" idx="1"/>
+          </p:nvPr>
+        </p:nvSpPr>
+        <p:spPr>
+          <a:xfrm>
+            <a:off x="1295401" y="2556932"/>
+            <a:ext cx="9601196" cy="3318936"/>
           </a:xfrm>
           <a:prstGeom prst="rect">
             <a:avLst/>
           </a:prstGeom>
         </p:spPr>
         <p:txBody>
-          <a:bodyPr vert="horz" lIns="91440" tIns="45720" rIns="91440" bIns="45720" rtlCol="0" anchor="ctr">
+          <a:bodyPr vert="horz" lIns="91440" tIns="45720" rIns="91440" bIns="45720" rtlCol="0" anchor="t">
             <a:normAutofit/>
           </a:bodyPr>
           <a:lstStyle/>
           <a:p>
-            <a:r>
-              <a:rPr lang="en-US"/>
-              <a:t>Click to edit Master title style</a:t>
-            </a:r>
-          </a:p>
-        </p:txBody>
-      </p:sp>
-      <p:sp>
-        <p:nvSpPr>
-          <p:cNvPr id="3" name="Text Placeholder 2">
-            <a:extLst>
-              <a:ext uri="{FF2B5EF4-FFF2-40B4-BE49-F238E27FC236}">
-                <a16:creationId xmlns:a16="http://schemas.microsoft.com/office/drawing/2014/main" id="{A121DD61-87A4-45F0-8C37-DBA2F603484D}"/>
-              </a:ext>
-            </a:extLst>
-          </p:cNvPr>
-          <p:cNvSpPr>
-            <a:spLocks noGrp="1"/>
-          </p:cNvSpPr>
-          <p:nvPr>
-            <p:ph type="body" idx="1"/>
+            <a:pPr lvl="0"/>
+            <a:r>
+              <a:rPr lang="en-US"/>
+              <a:t>Edit Master text styles</a:t>
+            </a:r>
+          </a:p>
+          <a:p>
+            <a:pPr lvl="1"/>
+            <a:r>
+              <a:rPr lang="en-US"/>
+              <a:t>Second level</a:t>
+            </a:r>
+          </a:p>
+          <a:p>
+            <a:pPr lvl="2"/>
+            <a:r>
+              <a:rPr lang="en-US"/>
+              <a:t>Third level</a:t>
+            </a:r>
+          </a:p>
+          <a:p>
+            <a:pPr lvl="3"/>
+            <a:r>
+              <a:rPr lang="en-US"/>
+              <a:t>Fourth level</a:t>
+            </a:r>
+          </a:p>
+          <a:p>
+            <a:pPr lvl="4"/>
+            <a:r>
+              <a:rPr lang="en-US"/>
+              <a:t>Fifth level</a:t>
+            </a:r>
+            <a:endParaRPr lang="en-US" dirty="0"/>
+          </a:p>
+        </p:txBody>
+      </p:sp>
+      <p:sp>
+        <p:nvSpPr>
+          <p:cNvPr id="4" name="Date Placeholder 3"/>
+          <p:cNvSpPr>
+            <a:spLocks noGrp="1"/>
+          </p:cNvSpPr>
+          <p:nvPr>
+            <p:ph type="dt" sz="half" idx="2"/>
           </p:nvPr>
         </p:nvSpPr>
         <p:spPr>
           <a:xfrm>
-            <a:off x="838200" y="1825625"/>
-            <a:ext cx="10515600" cy="4351338"/>
+            <a:off x="8677501" y="5969000"/>
+            <a:ext cx="1600200" cy="279400"/>
           </a:xfrm>
           <a:prstGeom prst="rect">
             <a:avLst/>
           </a:prstGeom>
         </p:spPr>
         <p:txBody>
-          <a:bodyPr vert="horz" lIns="91440" tIns="45720" rIns="91440" bIns="45720" rtlCol="0">
-            <a:normAutofit/>
-          </a:bodyPr>
-          <a:lstStyle/>
-          <a:p>
-            <a:pPr lvl="0"/>
-            <a:r>
-              <a:rPr lang="en-US"/>
-              <a:t>Edit Master text styles</a:t>
-            </a:r>
-          </a:p>
-          <a:p>
-            <a:pPr lvl="1"/>
-            <a:r>
-              <a:rPr lang="en-US"/>
-              <a:t>Second level</a:t>
-            </a:r>
-          </a:p>
-          <a:p>
-            <a:pPr lvl="2"/>
-            <a:r>
-              <a:rPr lang="en-US"/>
-              <a:t>Third level</a:t>
-            </a:r>
-          </a:p>
-          <a:p>
-            <a:pPr lvl="3"/>
-            <a:r>
-              <a:rPr lang="en-US"/>
-              <a:t>Fourth level</a:t>
-            </a:r>
-          </a:p>
-          <a:p>
-            <a:pPr lvl="4"/>
-            <a:r>
-              <a:rPr lang="en-US"/>
-              <a:t>Fifth level</a:t>
-            </a:r>
-          </a:p>
-        </p:txBody>
-      </p:sp>
-      <p:sp>
-        <p:nvSpPr>
-          <p:cNvPr id="4" name="Date Placeholder 3">
-            <a:extLst>
-              <a:ext uri="{FF2B5EF4-FFF2-40B4-BE49-F238E27FC236}">
-                <a16:creationId xmlns:a16="http://schemas.microsoft.com/office/drawing/2014/main" id="{F02CED9E-15D4-44C0-A40E-55CE313950DA}"/>
-              </a:ext>
-            </a:extLst>
-          </p:cNvPr>
-          <p:cNvSpPr>
-            <a:spLocks noGrp="1"/>
-          </p:cNvSpPr>
-          <p:nvPr>
-            <p:ph type="dt" sz="half" idx="2"/>
+          <a:bodyPr vert="horz" lIns="91440" tIns="45720" rIns="91440" bIns="45720" rtlCol="0" anchor="ctr"/>
+          <a:lstStyle>
+            <a:lvl1pPr algn="r">
+              <a:defRPr sz="1000" b="0" i="0">
+                <a:solidFill>
+                  <a:schemeClr val="tx1"/>
+                </a:solidFill>
+                <a:effectLst/>
+                <a:latin typeface="+mn-lt"/>
+              </a:defRPr>
+            </a:lvl1pPr>
+          </a:lstStyle>
+          <a:p>
+            <a:fld id="{70BC94CE-8BD2-4D24-BE63-671312790EC5}" type="datetimeFigureOut">
+              <a:rPr lang="en-US" smtClean="0"/>
+              <a:t>12/5/2017</a:t>
+            </a:fld>
+            <a:endParaRPr lang="en-US"/>
+          </a:p>
+        </p:txBody>
+      </p:sp>
+      <p:sp>
+        <p:nvSpPr>
+          <p:cNvPr id="5" name="Footer Placeholder 4"/>
+          <p:cNvSpPr>
+            <a:spLocks noGrp="1"/>
+          </p:cNvSpPr>
+          <p:nvPr>
+            <p:ph type="ftr" sz="quarter" idx="3"/>
           </p:nvPr>
         </p:nvSpPr>
         <p:spPr>
           <a:xfrm>
-            <a:off x="838200" y="6356350"/>
-            <a:ext cx="2743200" cy="365125"/>
+            <a:off x="1295401" y="5969000"/>
+            <a:ext cx="7305900" cy="279400"/>
           </a:xfrm>
           <a:prstGeom prst="rect">
             <a:avLst/>
@@ -2897,44 +5369,34 @@
           <a:bodyPr vert="horz" lIns="91440" tIns="45720" rIns="91440" bIns="45720" rtlCol="0" anchor="ctr"/>
           <a:lstStyle>
             <a:lvl1pPr algn="l">
-              <a:defRPr sz="1200">
-                <a:solidFill>
-                  <a:schemeClr val="tx1">
-                    <a:tint val="75000"/>
-                  </a:schemeClr>
-                </a:solidFill>
+              <a:defRPr sz="1000" b="0" i="0">
+                <a:solidFill>
+                  <a:schemeClr val="tx1"/>
+                </a:solidFill>
+                <a:effectLst/>
+                <a:latin typeface="+mn-lt"/>
               </a:defRPr>
             </a:lvl1pPr>
           </a:lstStyle>
           <a:p>
-            <a:fld id="{70BC94CE-8BD2-4D24-BE63-671312790EC5}" type="datetimeFigureOut">
-              <a:rPr lang="en-US" smtClean="0"/>
-              <a:t>12/4/2017</a:t>
-            </a:fld>
             <a:endParaRPr lang="en-US"/>
           </a:p>
         </p:txBody>
       </p:sp>
       <p:sp>
         <p:nvSpPr>
-          <p:cNvPr id="5" name="Footer Placeholder 4">
-            <a:extLst>
-              <a:ext uri="{FF2B5EF4-FFF2-40B4-BE49-F238E27FC236}">
-                <a16:creationId xmlns:a16="http://schemas.microsoft.com/office/drawing/2014/main" id="{5EC0ADDB-54F0-4CD9-8EF3-F37535BD2445}"/>
-              </a:ext>
-            </a:extLst>
-          </p:cNvPr>
-          <p:cNvSpPr>
-            <a:spLocks noGrp="1"/>
-          </p:cNvSpPr>
-          <p:nvPr>
-            <p:ph type="ftr" sz="quarter" idx="3"/>
+          <p:cNvPr id="6" name="Slide Number Placeholder 5"/>
+          <p:cNvSpPr>
+            <a:spLocks noGrp="1"/>
+          </p:cNvSpPr>
+          <p:nvPr>
+            <p:ph type="sldNum" sz="quarter" idx="4"/>
           </p:nvPr>
         </p:nvSpPr>
         <p:spPr>
           <a:xfrm>
-            <a:off x="4038600" y="6356350"/>
-            <a:ext cx="4114800" cy="365125"/>
+            <a:off x="10353901" y="5969000"/>
+            <a:ext cx="542697" cy="279400"/>
           </a:xfrm>
           <a:prstGeom prst="rect">
             <a:avLst/>
@@ -2943,56 +5405,13 @@
         <p:txBody>
           <a:bodyPr vert="horz" lIns="91440" tIns="45720" rIns="91440" bIns="45720" rtlCol="0" anchor="ctr"/>
           <a:lstStyle>
-            <a:lvl1pPr algn="ctr">
-              <a:defRPr sz="1200">
-                <a:solidFill>
-                  <a:schemeClr val="tx1">
-                    <a:tint val="75000"/>
-                  </a:schemeClr>
-                </a:solidFill>
-              </a:defRPr>
-            </a:lvl1pPr>
-          </a:lstStyle>
-          <a:p>
-            <a:endParaRPr lang="en-US"/>
-          </a:p>
-        </p:txBody>
-      </p:sp>
-      <p:sp>
-        <p:nvSpPr>
-          <p:cNvPr id="6" name="Slide Number Placeholder 5">
-            <a:extLst>
-              <a:ext uri="{FF2B5EF4-FFF2-40B4-BE49-F238E27FC236}">
-                <a16:creationId xmlns:a16="http://schemas.microsoft.com/office/drawing/2014/main" id="{0F45EE4F-D7C8-4C2C-AFA1-F0F9A02FED6C}"/>
-              </a:ext>
-            </a:extLst>
-          </p:cNvPr>
-          <p:cNvSpPr>
-            <a:spLocks noGrp="1"/>
-          </p:cNvSpPr>
-          <p:nvPr>
-            <p:ph type="sldNum" sz="quarter" idx="4"/>
-          </p:nvPr>
-        </p:nvSpPr>
-        <p:spPr>
-          <a:xfrm>
-            <a:off x="8610600" y="6356350"/>
-            <a:ext cx="2743200" cy="365125"/>
-          </a:xfrm>
-          <a:prstGeom prst="rect">
-            <a:avLst/>
-          </a:prstGeom>
-        </p:spPr>
-        <p:txBody>
-          <a:bodyPr vert="horz" lIns="91440" tIns="45720" rIns="91440" bIns="45720" rtlCol="0" anchor="ctr"/>
-          <a:lstStyle>
             <a:lvl1pPr algn="r">
-              <a:defRPr sz="1200">
-                <a:solidFill>
-                  <a:schemeClr val="tx1">
-                    <a:tint val="75000"/>
-                  </a:schemeClr>
-                </a:solidFill>
+              <a:defRPr sz="1000" b="0" i="0">
+                <a:solidFill>
+                  <a:schemeClr val="tx1"/>
+                </a:solidFill>
+                <a:effectLst/>
+                <a:latin typeface="+mn-lt"/>
               </a:defRPr>
             </a:lvl1pPr>
           </a:lstStyle>
@@ -3008,202 +5427,340 @@
     </p:spTree>
     <p:extLst>
       <p:ext uri="{BB962C8B-B14F-4D97-AF65-F5344CB8AC3E}">
-        <p14:creationId xmlns:p14="http://schemas.microsoft.com/office/powerpoint/2010/main" val="3109719923"/>
+        <p14:creationId xmlns:p14="http://schemas.microsoft.com/office/powerpoint/2010/main" val="3414556888"/>
       </p:ext>
     </p:extLst>
   </p:cSld>
   <p:clrMap bg1="lt1" tx1="dk1" bg2="lt2" tx2="dk2" accent1="accent1" accent2="accent2" accent3="accent3" accent4="accent4" accent5="accent5" accent6="accent6" hlink="hlink" folHlink="folHlink"/>
   <p:sldLayoutIdLst>
-    <p:sldLayoutId id="2147483649" r:id="rId1"/>
-    <p:sldLayoutId id="2147483650" r:id="rId2"/>
-    <p:sldLayoutId id="2147483651" r:id="rId3"/>
-    <p:sldLayoutId id="2147483652" r:id="rId4"/>
-    <p:sldLayoutId id="2147483653" r:id="rId5"/>
-    <p:sldLayoutId id="2147483654" r:id="rId6"/>
-    <p:sldLayoutId id="2147483655" r:id="rId7"/>
-    <p:sldLayoutId id="2147483656" r:id="rId8"/>
-    <p:sldLayoutId id="2147483657" r:id="rId9"/>
-    <p:sldLayoutId id="2147483658" r:id="rId10"/>
-    <p:sldLayoutId id="2147483659" r:id="rId11"/>
+    <p:sldLayoutId id="2147483714" r:id="rId1"/>
+    <p:sldLayoutId id="2147483715" r:id="rId2"/>
+    <p:sldLayoutId id="2147483716" r:id="rId3"/>
+    <p:sldLayoutId id="2147483717" r:id="rId4"/>
+    <p:sldLayoutId id="2147483718" r:id="rId5"/>
+    <p:sldLayoutId id="2147483719" r:id="rId6"/>
+    <p:sldLayoutId id="2147483720" r:id="rId7"/>
+    <p:sldLayoutId id="2147483721" r:id="rId8"/>
+    <p:sldLayoutId id="2147483722" r:id="rId9"/>
+    <p:sldLayoutId id="2147483723" r:id="rId10"/>
+    <p:sldLayoutId id="2147483724" r:id="rId11"/>
+    <p:sldLayoutId id="2147483725" r:id="rId12"/>
+    <p:sldLayoutId id="2147483726" r:id="rId13"/>
+    <p:sldLayoutId id="2147483727" r:id="rId14"/>
+    <p:sldLayoutId id="2147483728" r:id="rId15"/>
+    <p:sldLayoutId id="2147483729" r:id="rId16"/>
+    <p:sldLayoutId id="2147483730" r:id="rId17"/>
   </p:sldLayoutIdLst>
   <p:txStyles>
     <p:titleStyle>
-      <a:lvl1pPr algn="l" defTabSz="914400" rtl="0" eaLnBrk="1" latinLnBrk="0" hangingPunct="1">
-        <a:lnSpc>
-          <a:spcPct val="90000"/>
-        </a:lnSpc>
+      <a:lvl1pPr algn="ctr" defTabSz="457200" rtl="0" eaLnBrk="1" latinLnBrk="0" hangingPunct="1">
         <a:spcBef>
           <a:spcPct val="0"/>
         </a:spcBef>
         <a:buNone/>
-        <a:defRPr sz="4400" kern="1200">
+        <a:defRPr sz="4400" kern="1200" cap="none">
+          <a:ln w="3175" cmpd="sng">
+            <a:noFill/>
+          </a:ln>
           <a:solidFill>
-            <a:schemeClr val="tx1"/>
+            <a:schemeClr val="tx1">
+              <a:lumMod val="85000"/>
+              <a:lumOff val="15000"/>
+            </a:schemeClr>
           </a:solidFill>
+          <a:effectLst/>
           <a:latin typeface="+mj-lt"/>
           <a:ea typeface="+mj-ea"/>
           <a:cs typeface="+mj-cs"/>
         </a:defRPr>
       </a:lvl1pPr>
+      <a:lvl2pPr eaLnBrk="1" hangingPunct="1">
+        <a:defRPr>
+          <a:solidFill>
+            <a:schemeClr val="tx2"/>
+          </a:solidFill>
+        </a:defRPr>
+      </a:lvl2pPr>
+      <a:lvl3pPr eaLnBrk="1" hangingPunct="1">
+        <a:defRPr>
+          <a:solidFill>
+            <a:schemeClr val="tx2"/>
+          </a:solidFill>
+        </a:defRPr>
+      </a:lvl3pPr>
+      <a:lvl4pPr eaLnBrk="1" hangingPunct="1">
+        <a:defRPr>
+          <a:solidFill>
+            <a:schemeClr val="tx2"/>
+          </a:solidFill>
+        </a:defRPr>
+      </a:lvl4pPr>
+      <a:lvl5pPr eaLnBrk="1" hangingPunct="1">
+        <a:defRPr>
+          <a:solidFill>
+            <a:schemeClr val="tx2"/>
+          </a:solidFill>
+        </a:defRPr>
+      </a:lvl5pPr>
+      <a:lvl6pPr eaLnBrk="1" hangingPunct="1">
+        <a:defRPr>
+          <a:solidFill>
+            <a:schemeClr val="tx2"/>
+          </a:solidFill>
+        </a:defRPr>
+      </a:lvl6pPr>
+      <a:lvl7pPr eaLnBrk="1" hangingPunct="1">
+        <a:defRPr>
+          <a:solidFill>
+            <a:schemeClr val="tx2"/>
+          </a:solidFill>
+        </a:defRPr>
+      </a:lvl7pPr>
+      <a:lvl8pPr eaLnBrk="1" hangingPunct="1">
+        <a:defRPr>
+          <a:solidFill>
+            <a:schemeClr val="tx2"/>
+          </a:solidFill>
+        </a:defRPr>
+      </a:lvl8pPr>
+      <a:lvl9pPr eaLnBrk="1" hangingPunct="1">
+        <a:defRPr>
+          <a:solidFill>
+            <a:schemeClr val="tx2"/>
+          </a:solidFill>
+        </a:defRPr>
+      </a:lvl9pPr>
     </p:titleStyle>
     <p:bodyStyle>
-      <a:lvl1pPr marL="228600" indent="-228600" algn="l" defTabSz="914400" rtl="0" eaLnBrk="1" latinLnBrk="0" hangingPunct="1">
-        <a:lnSpc>
-          <a:spcPct val="90000"/>
-        </a:lnSpc>
+      <a:lvl1pPr marL="285750" indent="-285750" algn="l" defTabSz="457200" rtl="0" eaLnBrk="1" latinLnBrk="0" hangingPunct="1">
         <a:spcBef>
-          <a:spcPts val="1000"/>
+          <a:spcPct val="20000"/>
         </a:spcBef>
-        <a:buFont typeface="Arial" panose="020B0604020202020204" pitchFamily="34" charset="0"/>
+        <a:spcAft>
+          <a:spcPts val="600"/>
+        </a:spcAft>
+        <a:buClr>
+          <a:schemeClr val="accent1"/>
+        </a:buClr>
+        <a:buSzPct val="115000"/>
+        <a:buFont typeface="Arial"/>
         <a:buChar char="•"/>
-        <a:defRPr sz="2800" kern="1200">
+        <a:defRPr sz="2400" kern="1200" cap="none">
           <a:solidFill>
-            <a:schemeClr val="tx1"/>
+            <a:schemeClr val="tx1">
+              <a:lumMod val="85000"/>
+              <a:lumOff val="15000"/>
+            </a:schemeClr>
           </a:solidFill>
+          <a:effectLst/>
           <a:latin typeface="+mn-lt"/>
           <a:ea typeface="+mn-ea"/>
           <a:cs typeface="+mn-cs"/>
         </a:defRPr>
       </a:lvl1pPr>
-      <a:lvl2pPr marL="685800" indent="-228600" algn="l" defTabSz="914400" rtl="0" eaLnBrk="1" latinLnBrk="0" hangingPunct="1">
-        <a:lnSpc>
-          <a:spcPct val="90000"/>
-        </a:lnSpc>
+      <a:lvl2pPr marL="742950" indent="-285750" algn="l" defTabSz="457200" rtl="0" eaLnBrk="1" latinLnBrk="0" hangingPunct="1">
         <a:spcBef>
-          <a:spcPts val="500"/>
+          <a:spcPct val="20000"/>
         </a:spcBef>
-        <a:buFont typeface="Arial" panose="020B0604020202020204" pitchFamily="34" charset="0"/>
+        <a:spcAft>
+          <a:spcPts val="600"/>
+        </a:spcAft>
+        <a:buClr>
+          <a:schemeClr val="accent1"/>
+        </a:buClr>
+        <a:buSzPct val="115000"/>
+        <a:buFont typeface="Arial"/>
         <a:buChar char="•"/>
-        <a:defRPr sz="2400" kern="1200">
+        <a:defRPr sz="2000" kern="1200" cap="none">
           <a:solidFill>
-            <a:schemeClr val="tx1"/>
+            <a:schemeClr val="tx1">
+              <a:lumMod val="85000"/>
+              <a:lumOff val="15000"/>
+            </a:schemeClr>
           </a:solidFill>
+          <a:effectLst/>
           <a:latin typeface="+mn-lt"/>
           <a:ea typeface="+mn-ea"/>
           <a:cs typeface="+mn-cs"/>
         </a:defRPr>
       </a:lvl2pPr>
-      <a:lvl3pPr marL="1143000" indent="-228600" algn="l" defTabSz="914400" rtl="0" eaLnBrk="1" latinLnBrk="0" hangingPunct="1">
-        <a:lnSpc>
-          <a:spcPct val="90000"/>
-        </a:lnSpc>
+      <a:lvl3pPr marL="1200150" indent="-285750" algn="l" defTabSz="457200" rtl="0" eaLnBrk="1" latinLnBrk="0" hangingPunct="1">
         <a:spcBef>
-          <a:spcPts val="500"/>
+          <a:spcPct val="20000"/>
         </a:spcBef>
-        <a:buFont typeface="Arial" panose="020B0604020202020204" pitchFamily="34" charset="0"/>
+        <a:spcAft>
+          <a:spcPts val="600"/>
+        </a:spcAft>
+        <a:buClr>
+          <a:schemeClr val="accent1"/>
+        </a:buClr>
+        <a:buSzPct val="115000"/>
+        <a:buFont typeface="Arial"/>
         <a:buChar char="•"/>
-        <a:defRPr sz="2000" kern="1200">
+        <a:defRPr sz="1800" kern="1200" cap="none">
           <a:solidFill>
-            <a:schemeClr val="tx1"/>
+            <a:schemeClr val="tx1">
+              <a:lumMod val="85000"/>
+              <a:lumOff val="15000"/>
+            </a:schemeClr>
           </a:solidFill>
+          <a:effectLst/>
           <a:latin typeface="+mn-lt"/>
           <a:ea typeface="+mn-ea"/>
           <a:cs typeface="+mn-cs"/>
         </a:defRPr>
       </a:lvl3pPr>
-      <a:lvl4pPr marL="1600200" indent="-228600" algn="l" defTabSz="914400" rtl="0" eaLnBrk="1" latinLnBrk="0" hangingPunct="1">
-        <a:lnSpc>
-          <a:spcPct val="90000"/>
-        </a:lnSpc>
+      <a:lvl4pPr marL="1543050" indent="-171450" algn="l" defTabSz="457200" rtl="0" eaLnBrk="1" latinLnBrk="0" hangingPunct="1">
         <a:spcBef>
-          <a:spcPts val="500"/>
+          <a:spcPct val="20000"/>
         </a:spcBef>
-        <a:buFont typeface="Arial" panose="020B0604020202020204" pitchFamily="34" charset="0"/>
+        <a:spcAft>
+          <a:spcPts val="600"/>
+        </a:spcAft>
+        <a:buClr>
+          <a:schemeClr val="accent1"/>
+        </a:buClr>
+        <a:buSzPct val="115000"/>
+        <a:buFont typeface="Arial"/>
         <a:buChar char="•"/>
-        <a:defRPr sz="1800" kern="1200">
+        <a:defRPr sz="1600" kern="1200" cap="none">
           <a:solidFill>
-            <a:schemeClr val="tx1"/>
+            <a:schemeClr val="tx1">
+              <a:lumMod val="85000"/>
+              <a:lumOff val="15000"/>
+            </a:schemeClr>
           </a:solidFill>
+          <a:effectLst/>
           <a:latin typeface="+mn-lt"/>
           <a:ea typeface="+mn-ea"/>
           <a:cs typeface="+mn-cs"/>
         </a:defRPr>
       </a:lvl4pPr>
-      <a:lvl5pPr marL="2057400" indent="-228600" algn="l" defTabSz="914400" rtl="0" eaLnBrk="1" latinLnBrk="0" hangingPunct="1">
-        <a:lnSpc>
-          <a:spcPct val="90000"/>
-        </a:lnSpc>
+      <a:lvl5pPr marL="2000250" indent="-171450" algn="l" defTabSz="457200" rtl="0" eaLnBrk="1" latinLnBrk="0" hangingPunct="1">
         <a:spcBef>
-          <a:spcPts val="500"/>
+          <a:spcPct val="20000"/>
         </a:spcBef>
-        <a:buFont typeface="Arial" panose="020B0604020202020204" pitchFamily="34" charset="0"/>
+        <a:spcAft>
+          <a:spcPts val="600"/>
+        </a:spcAft>
+        <a:buClr>
+          <a:schemeClr val="accent1"/>
+        </a:buClr>
+        <a:buSzPct val="115000"/>
+        <a:buFont typeface="Arial"/>
         <a:buChar char="•"/>
-        <a:defRPr sz="1800" kern="1200">
+        <a:defRPr sz="1400" kern="1200" cap="none">
           <a:solidFill>
-            <a:schemeClr val="tx1"/>
+            <a:schemeClr val="tx1">
+              <a:lumMod val="85000"/>
+              <a:lumOff val="15000"/>
+            </a:schemeClr>
           </a:solidFill>
+          <a:effectLst/>
           <a:latin typeface="+mn-lt"/>
           <a:ea typeface="+mn-ea"/>
           <a:cs typeface="+mn-cs"/>
         </a:defRPr>
       </a:lvl5pPr>
-      <a:lvl6pPr marL="2514600" indent="-228600" algn="l" defTabSz="914400" rtl="0" eaLnBrk="1" latinLnBrk="0" hangingPunct="1">
-        <a:lnSpc>
-          <a:spcPct val="90000"/>
-        </a:lnSpc>
+      <a:lvl6pPr marL="2514600" indent="-228600" algn="l" defTabSz="457200" rtl="0" eaLnBrk="1" latinLnBrk="0" hangingPunct="1">
         <a:spcBef>
-          <a:spcPts val="500"/>
+          <a:spcPct val="20000"/>
         </a:spcBef>
-        <a:buFont typeface="Arial" panose="020B0604020202020204" pitchFamily="34" charset="0"/>
+        <a:spcAft>
+          <a:spcPts val="600"/>
+        </a:spcAft>
+        <a:buClr>
+          <a:schemeClr val="accent1"/>
+        </a:buClr>
+        <a:buSzPct val="115000"/>
+        <a:buFont typeface="Arial"/>
         <a:buChar char="•"/>
-        <a:defRPr sz="1800" kern="1200">
+        <a:defRPr sz="1400" kern="1200" cap="none">
           <a:solidFill>
-            <a:schemeClr val="tx1"/>
+            <a:schemeClr val="tx1">
+              <a:lumMod val="85000"/>
+              <a:lumOff val="15000"/>
+            </a:schemeClr>
           </a:solidFill>
+          <a:effectLst/>
           <a:latin typeface="+mn-lt"/>
           <a:ea typeface="+mn-ea"/>
           <a:cs typeface="+mn-cs"/>
         </a:defRPr>
       </a:lvl6pPr>
-      <a:lvl7pPr marL="2971800" indent="-228600" algn="l" defTabSz="914400" rtl="0" eaLnBrk="1" latinLnBrk="0" hangingPunct="1">
-        <a:lnSpc>
-          <a:spcPct val="90000"/>
-        </a:lnSpc>
+      <a:lvl7pPr marL="2971800" indent="-228600" algn="l" defTabSz="457200" rtl="0" eaLnBrk="1" latinLnBrk="0" hangingPunct="1">
         <a:spcBef>
-          <a:spcPts val="500"/>
+          <a:spcPct val="20000"/>
         </a:spcBef>
-        <a:buFont typeface="Arial" panose="020B0604020202020204" pitchFamily="34" charset="0"/>
+        <a:spcAft>
+          <a:spcPts val="600"/>
+        </a:spcAft>
+        <a:buClr>
+          <a:schemeClr val="accent1"/>
+        </a:buClr>
+        <a:buSzPct val="115000"/>
+        <a:buFont typeface="Arial"/>
         <a:buChar char="•"/>
-        <a:defRPr sz="1800" kern="1200">
+        <a:defRPr sz="1400" kern="1200" cap="none">
           <a:solidFill>
-            <a:schemeClr val="tx1"/>
+            <a:schemeClr val="tx1">
+              <a:lumMod val="85000"/>
+              <a:lumOff val="15000"/>
+            </a:schemeClr>
           </a:solidFill>
+          <a:effectLst/>
           <a:latin typeface="+mn-lt"/>
           <a:ea typeface="+mn-ea"/>
           <a:cs typeface="+mn-cs"/>
         </a:defRPr>
       </a:lvl7pPr>
-      <a:lvl8pPr marL="3429000" indent="-228600" algn="l" defTabSz="914400" rtl="0" eaLnBrk="1" latinLnBrk="0" hangingPunct="1">
-        <a:lnSpc>
-          <a:spcPct val="90000"/>
-        </a:lnSpc>
+      <a:lvl8pPr marL="3429000" indent="-228600" algn="l" defTabSz="457200" rtl="0" eaLnBrk="1" latinLnBrk="0" hangingPunct="1">
         <a:spcBef>
-          <a:spcPts val="500"/>
+          <a:spcPct val="20000"/>
         </a:spcBef>
-        <a:buFont typeface="Arial" panose="020B0604020202020204" pitchFamily="34" charset="0"/>
+        <a:spcAft>
+          <a:spcPts val="600"/>
+        </a:spcAft>
+        <a:buClr>
+          <a:schemeClr val="accent1"/>
+        </a:buClr>
+        <a:buSzPct val="115000"/>
+        <a:buFont typeface="Arial"/>
         <a:buChar char="•"/>
-        <a:defRPr sz="1800" kern="1200">
+        <a:defRPr sz="1400" kern="1200" cap="none">
           <a:solidFill>
-            <a:schemeClr val="tx1"/>
+            <a:schemeClr val="tx1">
+              <a:lumMod val="85000"/>
+              <a:lumOff val="15000"/>
+            </a:schemeClr>
           </a:solidFill>
+          <a:effectLst/>
           <a:latin typeface="+mn-lt"/>
           <a:ea typeface="+mn-ea"/>
           <a:cs typeface="+mn-cs"/>
         </a:defRPr>
       </a:lvl8pPr>
-      <a:lvl9pPr marL="3886200" indent="-228600" algn="l" defTabSz="914400" rtl="0" eaLnBrk="1" latinLnBrk="0" hangingPunct="1">
-        <a:lnSpc>
-          <a:spcPct val="90000"/>
-        </a:lnSpc>
+      <a:lvl9pPr marL="3886200" indent="-228600" algn="l" defTabSz="457200" rtl="0" eaLnBrk="1" latinLnBrk="0" hangingPunct="1">
         <a:spcBef>
-          <a:spcPts val="500"/>
+          <a:spcPct val="20000"/>
         </a:spcBef>
-        <a:buFont typeface="Arial" panose="020B0604020202020204" pitchFamily="34" charset="0"/>
+        <a:spcAft>
+          <a:spcPts val="600"/>
+        </a:spcAft>
+        <a:buClr>
+          <a:schemeClr val="accent1"/>
+        </a:buClr>
+        <a:buSzPct val="115000"/>
+        <a:buFont typeface="Arial"/>
         <a:buChar char="•"/>
-        <a:defRPr sz="1800" kern="1200">
+        <a:defRPr sz="1400" kern="1200" cap="none">
           <a:solidFill>
-            <a:schemeClr val="tx1"/>
+            <a:schemeClr val="tx1">
+              <a:lumMod val="85000"/>
+              <a:lumOff val="15000"/>
+            </a:schemeClr>
           </a:solidFill>
+          <a:effectLst/>
           <a:latin typeface="+mn-lt"/>
           <a:ea typeface="+mn-ea"/>
           <a:cs typeface="+mn-cs"/>
@@ -3214,7 +5771,7 @@
       <a:defPPr>
         <a:defRPr lang="en-US"/>
       </a:defPPr>
-      <a:lvl1pPr marL="0" algn="l" defTabSz="914400" rtl="0" eaLnBrk="1" latinLnBrk="0" hangingPunct="1">
+      <a:lvl1pPr marL="0" algn="l" defTabSz="457200" rtl="0" eaLnBrk="1" latinLnBrk="0" hangingPunct="1">
         <a:defRPr sz="1800" kern="1200">
           <a:solidFill>
             <a:schemeClr val="tx1"/>
@@ -3224,7 +5781,7 @@
           <a:cs typeface="+mn-cs"/>
         </a:defRPr>
       </a:lvl1pPr>
-      <a:lvl2pPr marL="457200" algn="l" defTabSz="914400" rtl="0" eaLnBrk="1" latinLnBrk="0" hangingPunct="1">
+      <a:lvl2pPr marL="457200" algn="l" defTabSz="457200" rtl="0" eaLnBrk="1" latinLnBrk="0" hangingPunct="1">
         <a:defRPr sz="1800" kern="1200">
           <a:solidFill>
             <a:schemeClr val="tx1"/>
@@ -3234,7 +5791,7 @@
           <a:cs typeface="+mn-cs"/>
         </a:defRPr>
       </a:lvl2pPr>
-      <a:lvl3pPr marL="914400" algn="l" defTabSz="914400" rtl="0" eaLnBrk="1" latinLnBrk="0" hangingPunct="1">
+      <a:lvl3pPr marL="914400" algn="l" defTabSz="457200" rtl="0" eaLnBrk="1" latinLnBrk="0" hangingPunct="1">
         <a:defRPr sz="1800" kern="1200">
           <a:solidFill>
             <a:schemeClr val="tx1"/>
@@ -3244,7 +5801,7 @@
           <a:cs typeface="+mn-cs"/>
         </a:defRPr>
       </a:lvl3pPr>
-      <a:lvl4pPr marL="1371600" algn="l" defTabSz="914400" rtl="0" eaLnBrk="1" latinLnBrk="0" hangingPunct="1">
+      <a:lvl4pPr marL="1371600" algn="l" defTabSz="457200" rtl="0" eaLnBrk="1" latinLnBrk="0" hangingPunct="1">
         <a:defRPr sz="1800" kern="1200">
           <a:solidFill>
             <a:schemeClr val="tx1"/>
@@ -3254,7 +5811,7 @@
           <a:cs typeface="+mn-cs"/>
         </a:defRPr>
       </a:lvl4pPr>
-      <a:lvl5pPr marL="1828800" algn="l" defTabSz="914400" rtl="0" eaLnBrk="1" latinLnBrk="0" hangingPunct="1">
+      <a:lvl5pPr marL="1828800" algn="l" defTabSz="457200" rtl="0" eaLnBrk="1" latinLnBrk="0" hangingPunct="1">
         <a:defRPr sz="1800" kern="1200">
           <a:solidFill>
             <a:schemeClr val="tx1"/>
@@ -3264,7 +5821,7 @@
           <a:cs typeface="+mn-cs"/>
         </a:defRPr>
       </a:lvl5pPr>
-      <a:lvl6pPr marL="2286000" algn="l" defTabSz="914400" rtl="0" eaLnBrk="1" latinLnBrk="0" hangingPunct="1">
+      <a:lvl6pPr marL="2286000" algn="l" defTabSz="457200" rtl="0" eaLnBrk="1" latinLnBrk="0" hangingPunct="1">
         <a:defRPr sz="1800" kern="1200">
           <a:solidFill>
             <a:schemeClr val="tx1"/>
@@ -3274,7 +5831,7 @@
           <a:cs typeface="+mn-cs"/>
         </a:defRPr>
       </a:lvl6pPr>
-      <a:lvl7pPr marL="2743200" algn="l" defTabSz="914400" rtl="0" eaLnBrk="1" latinLnBrk="0" hangingPunct="1">
+      <a:lvl7pPr marL="2743200" algn="l" defTabSz="457200" rtl="0" eaLnBrk="1" latinLnBrk="0" hangingPunct="1">
         <a:defRPr sz="1800" kern="1200">
           <a:solidFill>
             <a:schemeClr val="tx1"/>
@@ -3284,7 +5841,7 @@
           <a:cs typeface="+mn-cs"/>
         </a:defRPr>
       </a:lvl7pPr>
-      <a:lvl8pPr marL="3200400" algn="l" defTabSz="914400" rtl="0" eaLnBrk="1" latinLnBrk="0" hangingPunct="1">
+      <a:lvl8pPr marL="3200400" algn="l" defTabSz="457200" rtl="0" eaLnBrk="1" latinLnBrk="0" hangingPunct="1">
         <a:defRPr sz="1800" kern="1200">
           <a:solidFill>
             <a:schemeClr val="tx1"/>
@@ -3294,7 +5851,7 @@
           <a:cs typeface="+mn-cs"/>
         </a:defRPr>
       </a:lvl8pPr>
-      <a:lvl9pPr marL="3657600" algn="l" defTabSz="914400" rtl="0" eaLnBrk="1" latinLnBrk="0" hangingPunct="1">
+      <a:lvl9pPr marL="3657600" algn="l" defTabSz="457200" rtl="0" eaLnBrk="1" latinLnBrk="0" hangingPunct="1">
         <a:defRPr sz="1800" kern="1200">
           <a:solidFill>
             <a:schemeClr val="tx1"/>
@@ -3373,7 +5930,9 @@
         </p:nvSpPr>
         <p:spPr/>
         <p:txBody>
-          <a:bodyPr/>
+          <a:bodyPr>
+            <a:normAutofit lnSpcReduction="10000"/>
+          </a:bodyPr>
           <a:lstStyle/>
           <a:p>
             <a:r>
@@ -3459,7 +6018,10 @@
           <a:bodyPr/>
           <a:lstStyle/>
           <a:p>
-            <a:endParaRPr lang="en-US"/>
+            <a:r>
+              <a:rPr lang="en-US" dirty="0"/>
+              <a:t>Project Goal</a:t>
+            </a:r>
           </a:p>
         </p:txBody>
       </p:sp>
@@ -3485,55 +6047,23 @@
           <a:lstStyle/>
           <a:p>
             <a:r>
+              <a:rPr lang="en-US" dirty="0">
+                <a:effectLst/>
+              </a:rPr>
+              <a:t>The goal of this project is to create a news feed application where a user can view news stories from several different sources and quickly see a brief description. </a:t>
+            </a:r>
+          </a:p>
+          <a:p>
+            <a:r>
               <a:rPr lang="en-US" dirty="0"/>
-              <a:t>Final Presentation (&lt;5m, 15%)</a:t>
-            </a:r>
-          </a:p>
-          <a:p>
-            <a:pPr lvl="0"/>
+              <a:t>User browsing history</a:t>
+            </a:r>
+          </a:p>
+          <a:p>
             <a:r>
               <a:rPr lang="en-US" dirty="0"/>
-              <a:t>Video demo on final app (&lt;3m)</a:t>
-            </a:r>
-          </a:p>
-          <a:p>
-            <a:pPr lvl="0"/>
-            <a:r>
-              <a:rPr lang="en-US" dirty="0"/>
-              <a:t>Describing the architecture design &amp; implementation approach (&lt;2m)</a:t>
-            </a:r>
-          </a:p>
-          <a:p>
-            <a:pPr lvl="1"/>
-            <a:r>
-              <a:rPr lang="en-US" dirty="0"/>
-              <a:t>Android Components (</a:t>
-            </a:r>
-            <a:r>
-              <a:rPr lang="en-US" dirty="0" err="1"/>
-              <a:t>activities&amp;fragments</a:t>
-            </a:r>
-            <a:r>
-              <a:rPr lang="en-US" dirty="0"/>
-              <a:t>, database, service, broadcast receiver if any)</a:t>
-            </a:r>
-          </a:p>
-          <a:p>
-            <a:pPr lvl="1"/>
-            <a:r>
-              <a:rPr lang="en-US" dirty="0"/>
-              <a:t>Backend components if any</a:t>
-            </a:r>
-          </a:p>
-          <a:p>
-            <a:pPr lvl="1"/>
-            <a:r>
-              <a:rPr lang="en-US"/>
-              <a:t>Data/control flows among various components</a:t>
-            </a:r>
-          </a:p>
-          <a:p>
-            <a:endParaRPr lang="en-US"/>
+              <a:t>Artificial intelligence powered analysis of article generates Wikipedia links to relevant topics in the articles</a:t>
+            </a:r>
           </a:p>
         </p:txBody>
       </p:sp>
@@ -3550,10 +6080,625 @@
 </p:sld>
 </file>
 
+<file path=ppt/slides/slide3.xml><?xml version="1.0" encoding="utf-8"?>
+<p:sld xmlns:a="http://schemas.openxmlformats.org/drawingml/2006/main" xmlns:r="http://schemas.openxmlformats.org/officeDocument/2006/relationships" xmlns:p="http://schemas.openxmlformats.org/presentationml/2006/main">
+  <p:cSld>
+    <p:spTree>
+      <p:nvGrpSpPr>
+        <p:cNvPr id="1" name=""/>
+        <p:cNvGrpSpPr/>
+        <p:nvPr/>
+      </p:nvGrpSpPr>
+      <p:grpSpPr>
+        <a:xfrm>
+          <a:off x="0" y="0"/>
+          <a:ext cx="0" cy="0"/>
+          <a:chOff x="0" y="0"/>
+          <a:chExt cx="0" cy="0"/>
+        </a:xfrm>
+      </p:grpSpPr>
+      <p:sp>
+        <p:nvSpPr>
+          <p:cNvPr id="2" name="Title 1">
+            <a:extLst>
+              <a:ext uri="{FF2B5EF4-FFF2-40B4-BE49-F238E27FC236}">
+                <a16:creationId xmlns:a16="http://schemas.microsoft.com/office/drawing/2014/main" id="{E6460F6B-4DB2-4A7D-A9EB-BA257724ECAD}"/>
+              </a:ext>
+            </a:extLst>
+          </p:cNvPr>
+          <p:cNvSpPr>
+            <a:spLocks noGrp="1"/>
+          </p:cNvSpPr>
+          <p:nvPr>
+            <p:ph type="title"/>
+          </p:nvPr>
+        </p:nvSpPr>
+        <p:spPr/>
+        <p:txBody>
+          <a:bodyPr/>
+          <a:lstStyle/>
+          <a:p>
+            <a:r>
+              <a:rPr lang="en-US" dirty="0"/>
+              <a:t>Android Components</a:t>
+            </a:r>
+          </a:p>
+        </p:txBody>
+      </p:sp>
+      <p:sp>
+        <p:nvSpPr>
+          <p:cNvPr id="3" name="Content Placeholder 2">
+            <a:extLst>
+              <a:ext uri="{FF2B5EF4-FFF2-40B4-BE49-F238E27FC236}">
+                <a16:creationId xmlns:a16="http://schemas.microsoft.com/office/drawing/2014/main" id="{A28388C0-9B5A-4F28-BDB7-5B5A78F909F8}"/>
+              </a:ext>
+            </a:extLst>
+          </p:cNvPr>
+          <p:cNvSpPr>
+            <a:spLocks noGrp="1"/>
+          </p:cNvSpPr>
+          <p:nvPr>
+            <p:ph idx="1"/>
+          </p:nvPr>
+        </p:nvSpPr>
+        <p:spPr/>
+        <p:txBody>
+          <a:bodyPr/>
+          <a:lstStyle/>
+          <a:p>
+            <a:r>
+              <a:rPr lang="en-US" dirty="0" err="1"/>
+              <a:t>ArticleAdapter</a:t>
+            </a:r>
+            <a:r>
+              <a:rPr lang="en-US" dirty="0"/>
+              <a:t> uses the backend components to create the list of articles the user sees</a:t>
+            </a:r>
+          </a:p>
+          <a:p>
+            <a:r>
+              <a:rPr lang="en-US" dirty="0" err="1"/>
+              <a:t>MainActivity</a:t>
+            </a:r>
+            <a:r>
+              <a:rPr lang="en-US" dirty="0"/>
+              <a:t> is the entry point for the application</a:t>
+            </a:r>
+          </a:p>
+          <a:p>
+            <a:r>
+              <a:rPr lang="en-US" dirty="0"/>
+              <a:t>Login and Registration activities are enable users to sign in and create accounts with our firebase server</a:t>
+            </a:r>
+          </a:p>
+        </p:txBody>
+      </p:sp>
+    </p:spTree>
+    <p:extLst>
+      <p:ext uri="{BB962C8B-B14F-4D97-AF65-F5344CB8AC3E}">
+        <p14:creationId xmlns:p14="http://schemas.microsoft.com/office/powerpoint/2010/main" val="434573017"/>
+      </p:ext>
+    </p:extLst>
+  </p:cSld>
+  <p:clrMapOvr>
+    <a:masterClrMapping/>
+  </p:clrMapOvr>
+</p:sld>
+</file>
+
+<file path=ppt/slides/slide4.xml><?xml version="1.0" encoding="utf-8"?>
+<p:sld xmlns:a="http://schemas.openxmlformats.org/drawingml/2006/main" xmlns:r="http://schemas.openxmlformats.org/officeDocument/2006/relationships" xmlns:p="http://schemas.openxmlformats.org/presentationml/2006/main">
+  <p:cSld>
+    <p:spTree>
+      <p:nvGrpSpPr>
+        <p:cNvPr id="1" name=""/>
+        <p:cNvGrpSpPr/>
+        <p:nvPr/>
+      </p:nvGrpSpPr>
+      <p:grpSpPr>
+        <a:xfrm>
+          <a:off x="0" y="0"/>
+          <a:ext cx="0" cy="0"/>
+          <a:chOff x="0" y="0"/>
+          <a:chExt cx="0" cy="0"/>
+        </a:xfrm>
+      </p:grpSpPr>
+      <p:sp>
+        <p:nvSpPr>
+          <p:cNvPr id="2" name="Title 1">
+            <a:extLst>
+              <a:ext uri="{FF2B5EF4-FFF2-40B4-BE49-F238E27FC236}">
+                <a16:creationId xmlns:a16="http://schemas.microsoft.com/office/drawing/2014/main" id="{A25CA5D6-BBC7-4507-9D87-418DDB86F14C}"/>
+              </a:ext>
+            </a:extLst>
+          </p:cNvPr>
+          <p:cNvSpPr>
+            <a:spLocks noGrp="1"/>
+          </p:cNvSpPr>
+          <p:nvPr>
+            <p:ph type="title"/>
+          </p:nvPr>
+        </p:nvSpPr>
+        <p:spPr/>
+        <p:txBody>
+          <a:bodyPr/>
+          <a:lstStyle/>
+          <a:p>
+            <a:r>
+              <a:rPr lang="en-US" dirty="0"/>
+              <a:t>Android Components Cont.</a:t>
+            </a:r>
+          </a:p>
+        </p:txBody>
+      </p:sp>
+      <p:sp>
+        <p:nvSpPr>
+          <p:cNvPr id="3" name="Content Placeholder 2">
+            <a:extLst>
+              <a:ext uri="{FF2B5EF4-FFF2-40B4-BE49-F238E27FC236}">
+                <a16:creationId xmlns:a16="http://schemas.microsoft.com/office/drawing/2014/main" id="{9E540E2D-60B1-40AD-B9EC-64000A744E9B}"/>
+              </a:ext>
+            </a:extLst>
+          </p:cNvPr>
+          <p:cNvSpPr>
+            <a:spLocks noGrp="1"/>
+          </p:cNvSpPr>
+          <p:nvPr>
+            <p:ph idx="1"/>
+          </p:nvPr>
+        </p:nvSpPr>
+        <p:spPr/>
+        <p:txBody>
+          <a:bodyPr/>
+          <a:lstStyle/>
+          <a:p>
+            <a:r>
+              <a:rPr lang="en-US" dirty="0" err="1"/>
+              <a:t>QueryUtils</a:t>
+            </a:r>
+            <a:r>
+              <a:rPr lang="en-US" dirty="0"/>
+              <a:t> contains all the logic for the REST API </a:t>
+            </a:r>
+            <a:r>
+              <a:rPr lang="en-US" dirty="0" err="1"/>
+              <a:t>quries</a:t>
+            </a:r>
+            <a:endParaRPr lang="en-US" dirty="0"/>
+          </a:p>
+          <a:p>
+            <a:r>
+              <a:rPr lang="en-US" dirty="0" err="1"/>
+              <a:t>ArticleLoader</a:t>
+            </a:r>
+            <a:r>
+              <a:rPr lang="en-US" dirty="0"/>
+              <a:t> runs the queries asynchronously and passes it to the article adapter</a:t>
+            </a:r>
+          </a:p>
+          <a:p>
+            <a:r>
+              <a:rPr lang="en-US" dirty="0"/>
+              <a:t> </a:t>
+            </a:r>
+            <a:r>
+              <a:rPr lang="en-US" dirty="0" err="1"/>
+              <a:t>UserHistoryUpload</a:t>
+            </a:r>
+            <a:r>
+              <a:rPr lang="en-US" dirty="0"/>
+              <a:t> is an </a:t>
+            </a:r>
+            <a:r>
+              <a:rPr lang="en-US" dirty="0" err="1"/>
+              <a:t>aysnc</a:t>
+            </a:r>
+            <a:r>
+              <a:rPr lang="en-US" dirty="0"/>
+              <a:t> task used to query the firebase </a:t>
+            </a:r>
+            <a:r>
+              <a:rPr lang="en-US" dirty="0" err="1"/>
+              <a:t>realtime</a:t>
+            </a:r>
+            <a:r>
+              <a:rPr lang="en-US" dirty="0"/>
+              <a:t> lookup</a:t>
+            </a:r>
+          </a:p>
+        </p:txBody>
+      </p:sp>
+    </p:spTree>
+    <p:extLst>
+      <p:ext uri="{BB962C8B-B14F-4D97-AF65-F5344CB8AC3E}">
+        <p14:creationId xmlns:p14="http://schemas.microsoft.com/office/powerpoint/2010/main" val="2496207530"/>
+      </p:ext>
+    </p:extLst>
+  </p:cSld>
+  <p:clrMapOvr>
+    <a:masterClrMapping/>
+  </p:clrMapOvr>
+</p:sld>
+</file>
+
+<file path=ppt/slides/slide5.xml><?xml version="1.0" encoding="utf-8"?>
+<p:sld xmlns:a="http://schemas.openxmlformats.org/drawingml/2006/main" xmlns:r="http://schemas.openxmlformats.org/officeDocument/2006/relationships" xmlns:p="http://schemas.openxmlformats.org/presentationml/2006/main">
+  <p:cSld>
+    <p:spTree>
+      <p:nvGrpSpPr>
+        <p:cNvPr id="1" name=""/>
+        <p:cNvGrpSpPr/>
+        <p:nvPr/>
+      </p:nvGrpSpPr>
+      <p:grpSpPr>
+        <a:xfrm>
+          <a:off x="0" y="0"/>
+          <a:ext cx="0" cy="0"/>
+          <a:chOff x="0" y="0"/>
+          <a:chExt cx="0" cy="0"/>
+        </a:xfrm>
+      </p:grpSpPr>
+      <p:sp>
+        <p:nvSpPr>
+          <p:cNvPr id="2" name="Title 1">
+            <a:extLst>
+              <a:ext uri="{FF2B5EF4-FFF2-40B4-BE49-F238E27FC236}">
+                <a16:creationId xmlns:a16="http://schemas.microsoft.com/office/drawing/2014/main" id="{B381081B-B201-46A1-9B35-08EBA11ECCD2}"/>
+              </a:ext>
+            </a:extLst>
+          </p:cNvPr>
+          <p:cNvSpPr>
+            <a:spLocks noGrp="1"/>
+          </p:cNvSpPr>
+          <p:nvPr>
+            <p:ph type="title"/>
+          </p:nvPr>
+        </p:nvSpPr>
+        <p:spPr/>
+        <p:txBody>
+          <a:bodyPr/>
+          <a:lstStyle/>
+          <a:p>
+            <a:r>
+              <a:rPr lang="en-US" dirty="0"/>
+              <a:t>Backend Components</a:t>
+            </a:r>
+          </a:p>
+        </p:txBody>
+      </p:sp>
+      <p:sp>
+        <p:nvSpPr>
+          <p:cNvPr id="3" name="Content Placeholder 2">
+            <a:extLst>
+              <a:ext uri="{FF2B5EF4-FFF2-40B4-BE49-F238E27FC236}">
+                <a16:creationId xmlns:a16="http://schemas.microsoft.com/office/drawing/2014/main" id="{DE155554-8E4C-4005-B4E0-16582AFA2878}"/>
+              </a:ext>
+            </a:extLst>
+          </p:cNvPr>
+          <p:cNvSpPr>
+            <a:spLocks noGrp="1"/>
+          </p:cNvSpPr>
+          <p:nvPr>
+            <p:ph idx="1"/>
+          </p:nvPr>
+        </p:nvSpPr>
+        <p:spPr/>
+        <p:txBody>
+          <a:bodyPr/>
+          <a:lstStyle/>
+          <a:p>
+            <a:endParaRPr lang="en-US" dirty="0"/>
+          </a:p>
+          <a:p>
+            <a:r>
+              <a:rPr lang="en-US" dirty="0"/>
+              <a:t>Firebase is used to maintain a recently viewed history sorted by user</a:t>
+            </a:r>
+          </a:p>
+          <a:p>
+            <a:r>
+              <a:rPr lang="en-US" dirty="0"/>
+              <a:t>Firebase is also used to enable user </a:t>
+            </a:r>
+            <a:r>
+              <a:rPr lang="en-US" dirty="0" err="1"/>
+              <a:t>authenitication</a:t>
+            </a:r>
+            <a:r>
+              <a:rPr lang="en-US" dirty="0"/>
+              <a:t> </a:t>
+            </a:r>
+          </a:p>
+        </p:txBody>
+      </p:sp>
+    </p:spTree>
+    <p:extLst>
+      <p:ext uri="{BB962C8B-B14F-4D97-AF65-F5344CB8AC3E}">
+        <p14:creationId xmlns:p14="http://schemas.microsoft.com/office/powerpoint/2010/main" val="3677370042"/>
+      </p:ext>
+    </p:extLst>
+  </p:cSld>
+  <p:clrMapOvr>
+    <a:masterClrMapping/>
+  </p:clrMapOvr>
+</p:sld>
+</file>
+
+<file path=ppt/slides/slide6.xml><?xml version="1.0" encoding="utf-8"?>
+<p:sld xmlns:a="http://schemas.openxmlformats.org/drawingml/2006/main" xmlns:r="http://schemas.openxmlformats.org/officeDocument/2006/relationships" xmlns:p="http://schemas.openxmlformats.org/presentationml/2006/main">
+  <p:cSld>
+    <p:spTree>
+      <p:nvGrpSpPr>
+        <p:cNvPr id="1" name=""/>
+        <p:cNvGrpSpPr/>
+        <p:nvPr/>
+      </p:nvGrpSpPr>
+      <p:grpSpPr>
+        <a:xfrm>
+          <a:off x="0" y="0"/>
+          <a:ext cx="0" cy="0"/>
+          <a:chOff x="0" y="0"/>
+          <a:chExt cx="0" cy="0"/>
+        </a:xfrm>
+      </p:grpSpPr>
+      <p:sp>
+        <p:nvSpPr>
+          <p:cNvPr id="2" name="Title 1">
+            <a:extLst>
+              <a:ext uri="{FF2B5EF4-FFF2-40B4-BE49-F238E27FC236}">
+                <a16:creationId xmlns:a16="http://schemas.microsoft.com/office/drawing/2014/main" id="{995B9D35-D344-4DAE-A788-D5BEF9720DBF}"/>
+              </a:ext>
+            </a:extLst>
+          </p:cNvPr>
+          <p:cNvSpPr>
+            <a:spLocks noGrp="1"/>
+          </p:cNvSpPr>
+          <p:nvPr>
+            <p:ph type="title"/>
+          </p:nvPr>
+        </p:nvSpPr>
+        <p:spPr>
+          <a:xfrm>
+            <a:off x="1295402" y="982132"/>
+            <a:ext cx="9601196" cy="1303867"/>
+          </a:xfrm>
+        </p:spPr>
+        <p:txBody>
+          <a:bodyPr/>
+          <a:lstStyle/>
+          <a:p>
+            <a:r>
+              <a:rPr lang="en-US" dirty="0"/>
+              <a:t>Architecture and design Control flows</a:t>
+            </a:r>
+          </a:p>
+        </p:txBody>
+      </p:sp>
+      <p:pic>
+        <p:nvPicPr>
+          <p:cNvPr id="4" name="Content Placeholder 3">
+            <a:extLst>
+              <a:ext uri="{FF2B5EF4-FFF2-40B4-BE49-F238E27FC236}">
+                <a16:creationId xmlns:a16="http://schemas.microsoft.com/office/drawing/2014/main" id="{F8905A83-B57C-40E4-9350-3FA1E3D29A95}"/>
+              </a:ext>
+            </a:extLst>
+          </p:cNvPr>
+          <p:cNvPicPr>
+            <a:picLocks noGrp="1" noChangeAspect="1"/>
+          </p:cNvPicPr>
+          <p:nvPr>
+            <p:ph idx="1"/>
+          </p:nvPr>
+        </p:nvPicPr>
+        <p:blipFill>
+          <a:blip r:embed="rId2"/>
+          <a:stretch>
+            <a:fillRect/>
+          </a:stretch>
+        </p:blipFill>
+        <p:spPr>
+          <a:xfrm>
+            <a:off x="773353" y="2081719"/>
+            <a:ext cx="10123245" cy="3961270"/>
+          </a:xfrm>
+          <a:prstGeom prst="rect">
+            <a:avLst/>
+          </a:prstGeom>
+        </p:spPr>
+      </p:pic>
+    </p:spTree>
+    <p:extLst>
+      <p:ext uri="{BB962C8B-B14F-4D97-AF65-F5344CB8AC3E}">
+        <p14:creationId xmlns:p14="http://schemas.microsoft.com/office/powerpoint/2010/main" val="1227851119"/>
+      </p:ext>
+    </p:extLst>
+  </p:cSld>
+  <p:clrMapOvr>
+    <a:masterClrMapping/>
+  </p:clrMapOvr>
+</p:sld>
+</file>
+
+<file path=ppt/slides/slide7.xml><?xml version="1.0" encoding="utf-8"?>
+<p:sld xmlns:a="http://schemas.openxmlformats.org/drawingml/2006/main" xmlns:r="http://schemas.openxmlformats.org/officeDocument/2006/relationships" xmlns:p="http://schemas.openxmlformats.org/presentationml/2006/main">
+  <p:cSld>
+    <p:spTree>
+      <p:nvGrpSpPr>
+        <p:cNvPr id="1" name=""/>
+        <p:cNvGrpSpPr/>
+        <p:nvPr/>
+      </p:nvGrpSpPr>
+      <p:grpSpPr>
+        <a:xfrm>
+          <a:off x="0" y="0"/>
+          <a:ext cx="0" cy="0"/>
+          <a:chOff x="0" y="0"/>
+          <a:chExt cx="0" cy="0"/>
+        </a:xfrm>
+      </p:grpSpPr>
+      <p:sp>
+        <p:nvSpPr>
+          <p:cNvPr id="2" name="Title 1">
+            <a:extLst>
+              <a:ext uri="{FF2B5EF4-FFF2-40B4-BE49-F238E27FC236}">
+                <a16:creationId xmlns:a16="http://schemas.microsoft.com/office/drawing/2014/main" id="{28423DD9-4B22-41C3-A766-F273E0DA48F8}"/>
+              </a:ext>
+            </a:extLst>
+          </p:cNvPr>
+          <p:cNvSpPr>
+            <a:spLocks noGrp="1"/>
+          </p:cNvSpPr>
+          <p:nvPr>
+            <p:ph type="title"/>
+          </p:nvPr>
+        </p:nvSpPr>
+        <p:spPr/>
+        <p:txBody>
+          <a:bodyPr/>
+          <a:lstStyle/>
+          <a:p>
+            <a:r>
+              <a:rPr lang="en-US" dirty="0"/>
+              <a:t>Screenshots</a:t>
+            </a:r>
+          </a:p>
+        </p:txBody>
+      </p:sp>
+      <p:pic>
+        <p:nvPicPr>
+          <p:cNvPr id="4" name="Content Placeholder 3">
+            <a:extLst>
+              <a:ext uri="{FF2B5EF4-FFF2-40B4-BE49-F238E27FC236}">
+                <a16:creationId xmlns:a16="http://schemas.microsoft.com/office/drawing/2014/main" id="{9D593286-C942-4518-A800-24AC53D65846}"/>
+              </a:ext>
+            </a:extLst>
+          </p:cNvPr>
+          <p:cNvPicPr>
+            <a:picLocks noGrp="1" noChangeAspect="1"/>
+          </p:cNvPicPr>
+          <p:nvPr>
+            <p:ph idx="1"/>
+          </p:nvPr>
+        </p:nvPicPr>
+        <p:blipFill>
+          <a:blip r:embed="rId2"/>
+          <a:stretch>
+            <a:fillRect/>
+          </a:stretch>
+        </p:blipFill>
+        <p:spPr>
+          <a:xfrm>
+            <a:off x="3158590" y="2285999"/>
+            <a:ext cx="5874820" cy="3317875"/>
+          </a:xfrm>
+          <a:prstGeom prst="rect">
+            <a:avLst/>
+          </a:prstGeom>
+        </p:spPr>
+      </p:pic>
+    </p:spTree>
+    <p:extLst>
+      <p:ext uri="{BB962C8B-B14F-4D97-AF65-F5344CB8AC3E}">
+        <p14:creationId xmlns:p14="http://schemas.microsoft.com/office/powerpoint/2010/main" val="2921914033"/>
+      </p:ext>
+    </p:extLst>
+  </p:cSld>
+  <p:clrMapOvr>
+    <a:masterClrMapping/>
+  </p:clrMapOvr>
+</p:sld>
+</file>
+
+<file path=ppt/slides/slide8.xml><?xml version="1.0" encoding="utf-8"?>
+<p:sld xmlns:a="http://schemas.openxmlformats.org/drawingml/2006/main" xmlns:r="http://schemas.openxmlformats.org/officeDocument/2006/relationships" xmlns:p="http://schemas.openxmlformats.org/presentationml/2006/main">
+  <p:cSld>
+    <p:spTree>
+      <p:nvGrpSpPr>
+        <p:cNvPr id="1" name=""/>
+        <p:cNvGrpSpPr/>
+        <p:nvPr/>
+      </p:nvGrpSpPr>
+      <p:grpSpPr>
+        <a:xfrm>
+          <a:off x="0" y="0"/>
+          <a:ext cx="0" cy="0"/>
+          <a:chOff x="0" y="0"/>
+          <a:chExt cx="0" cy="0"/>
+        </a:xfrm>
+      </p:grpSpPr>
+      <p:sp>
+        <p:nvSpPr>
+          <p:cNvPr id="2" name="Title 1">
+            <a:extLst>
+              <a:ext uri="{FF2B5EF4-FFF2-40B4-BE49-F238E27FC236}">
+                <a16:creationId xmlns:a16="http://schemas.microsoft.com/office/drawing/2014/main" id="{DF69575F-4C16-49E0-B30B-93C8067E5D94}"/>
+              </a:ext>
+            </a:extLst>
+          </p:cNvPr>
+          <p:cNvSpPr>
+            <a:spLocks noGrp="1"/>
+          </p:cNvSpPr>
+          <p:nvPr>
+            <p:ph type="title"/>
+          </p:nvPr>
+        </p:nvSpPr>
+        <p:spPr/>
+        <p:txBody>
+          <a:bodyPr/>
+          <a:lstStyle/>
+          <a:p>
+            <a:r>
+              <a:rPr lang="en-US" dirty="0"/>
+              <a:t>Video Demo</a:t>
+            </a:r>
+          </a:p>
+        </p:txBody>
+      </p:sp>
+      <p:sp>
+        <p:nvSpPr>
+          <p:cNvPr id="3" name="Content Placeholder 2">
+            <a:extLst>
+              <a:ext uri="{FF2B5EF4-FFF2-40B4-BE49-F238E27FC236}">
+                <a16:creationId xmlns:a16="http://schemas.microsoft.com/office/drawing/2014/main" id="{C196FD05-59B5-45C2-9EAB-1A45BE805294}"/>
+              </a:ext>
+            </a:extLst>
+          </p:cNvPr>
+          <p:cNvSpPr>
+            <a:spLocks noGrp="1"/>
+          </p:cNvSpPr>
+          <p:nvPr>
+            <p:ph idx="1"/>
+          </p:nvPr>
+        </p:nvSpPr>
+        <p:spPr/>
+        <p:txBody>
+          <a:bodyPr/>
+          <a:lstStyle/>
+          <a:p>
+            <a:r>
+              <a:rPr lang="en-US" dirty="0"/>
+              <a:t>Put demo here once code is finished</a:t>
+            </a:r>
+          </a:p>
+        </p:txBody>
+      </p:sp>
+    </p:spTree>
+    <p:extLst>
+      <p:ext uri="{BB962C8B-B14F-4D97-AF65-F5344CB8AC3E}">
+        <p14:creationId xmlns:p14="http://schemas.microsoft.com/office/powerpoint/2010/main" val="2815160168"/>
+      </p:ext>
+    </p:extLst>
+  </p:cSld>
+  <p:clrMapOvr>
+    <a:masterClrMapping/>
+  </p:clrMapOvr>
+</p:sld>
+</file>
+
 <file path=ppt/theme/theme1.xml><?xml version="1.0" encoding="utf-8"?>
-<a:theme xmlns:a="http://schemas.openxmlformats.org/drawingml/2006/main" name="Office Theme">
+<a:theme xmlns:a="http://schemas.openxmlformats.org/drawingml/2006/main" name="Organic">
   <a:themeElements>
-    <a:clrScheme name="Office">
+    <a:clrScheme name="Organic">
       <a:dk1>
         <a:sysClr val="windowText" lastClr="000000"/>
       </a:dk1>
@@ -3561,44 +6706,79 @@
         <a:sysClr val="window" lastClr="FFFFFF"/>
       </a:lt1>
       <a:dk2>
-        <a:srgbClr val="44546A"/>
+        <a:srgbClr val="212121"/>
       </a:dk2>
       <a:lt2>
-        <a:srgbClr val="E7E6E6"/>
+        <a:srgbClr val="DADADA"/>
       </a:lt2>
       <a:accent1>
-        <a:srgbClr val="4472C4"/>
+        <a:srgbClr val="83992A"/>
       </a:accent1>
       <a:accent2>
-        <a:srgbClr val="ED7D31"/>
+        <a:srgbClr val="3C9770"/>
       </a:accent2>
       <a:accent3>
-        <a:srgbClr val="A5A5A5"/>
+        <a:srgbClr val="44709D"/>
       </a:accent3>
       <a:accent4>
-        <a:srgbClr val="FFC000"/>
+        <a:srgbClr val="A23C33"/>
       </a:accent4>
       <a:accent5>
-        <a:srgbClr val="5B9BD5"/>
+        <a:srgbClr val="D97828"/>
       </a:accent5>
       <a:accent6>
-        <a:srgbClr val="70AD47"/>
+        <a:srgbClr val="DEB340"/>
       </a:accent6>
       <a:hlink>
-        <a:srgbClr val="0563C1"/>
+        <a:srgbClr val="A8BF4D"/>
       </a:hlink>
       <a:folHlink>
-        <a:srgbClr val="954F72"/>
+        <a:srgbClr val="B4CA80"/>
       </a:folHlink>
     </a:clrScheme>
-    <a:fontScheme name="Office">
+    <a:fontScheme name="Organic">
       <a:majorFont>
-        <a:latin typeface="Calibri Light" panose="020F0302020204030204"/>
+        <a:latin typeface="Garamond" panose="02020404030301010803"/>
         <a:ea typeface=""/>
         <a:cs typeface=""/>
-        <a:font script="Jpan" typeface="游ゴシック Light"/>
-        <a:font script="Hang" typeface="맑은 고딕"/>
-        <a:font script="Hans" typeface="等线 Light"/>
+        <a:font script="Jpan" typeface="ＭＳ Ｐゴシック"/>
+        <a:font script="Hang" typeface="돋움"/>
+        <a:font script="Hans" typeface="方正舒体"/>
+        <a:font script="Hant" typeface="微軟正黑體"/>
+        <a:font script="Arab" typeface="Arial"/>
+        <a:font script="Hebr" typeface="Arial"/>
+        <a:font script="Thai" typeface="Cordia New"/>
+        <a:font script="Ethi" typeface="Nyala"/>
+        <a:font script="Beng" typeface="Vrinda"/>
+        <a:font script="Gujr" typeface="Shruti"/>
+        <a:font script="Khmr" typeface="DaunPenh"/>
+        <a:font script="Knda" typeface="Tunga"/>
+        <a:font script="Guru" typeface="Raavi"/>
+        <a:font script="Cans" typeface="Euphemia"/>
+        <a:font script="Cher" typeface="Plantagenet Cherokee"/>
+        <a:font script="Yiii" typeface="Microsoft Yi Baiti"/>
+        <a:font script="Tibt" typeface="Microsoft Himalaya"/>
+        <a:font script="Thaa" typeface="MV Boli"/>
+        <a:font script="Deva" typeface="Mangal"/>
+        <a:font script="Telu" typeface="Gautami"/>
+        <a:font script="Taml" typeface="Latha"/>
+        <a:font script="Syrc" typeface="Estrangelo Edessa"/>
+        <a:font script="Orya" typeface="Kalinga"/>
+        <a:font script="Mlym" typeface="Kartika"/>
+        <a:font script="Laoo" typeface="DokChampa"/>
+        <a:font script="Sinh" typeface="Iskoola Pota"/>
+        <a:font script="Mong" typeface="Mongolian Baiti"/>
+        <a:font script="Viet" typeface="Arial"/>
+        <a:font script="Uigh" typeface="Microsoft Uighur"/>
+        <a:font script="Geor" typeface="Sylfaen"/>
+      </a:majorFont>
+      <a:minorFont>
+        <a:latin typeface="Garamond" panose="02020404030301010803"/>
+        <a:ea typeface=""/>
+        <a:cs typeface=""/>
+        <a:font script="Jpan" typeface="ＭＳ Ｐ明朝"/>
+        <a:font script="Hang" typeface="바탕"/>
+        <a:font script="Hans" typeface="方正舒体"/>
         <a:font script="Hant" typeface="新細明體"/>
         <a:font script="Arab" typeface="Times New Roman"/>
         <a:font script="Hebr" typeface="Times New Roman"/>
@@ -3626,78 +6806,9 @@
         <a:font script="Viet" typeface="Times New Roman"/>
         <a:font script="Uigh" typeface="Microsoft Uighur"/>
         <a:font script="Geor" typeface="Sylfaen"/>
-        <a:font script="Armn" typeface="Arial"/>
-        <a:font script="Bugi" typeface="Leelawadee UI"/>
-        <a:font script="Bopo" typeface="Microsoft JhengHei"/>
-        <a:font script="Java" typeface="Javanese Text"/>
-        <a:font script="Lisu" typeface="Segoe UI"/>
-        <a:font script="Mymr" typeface="Myanmar Text"/>
-        <a:font script="Nkoo" typeface="Ebrima"/>
-        <a:font script="Olck" typeface="Nirmala UI"/>
-        <a:font script="Osma" typeface="Ebrima"/>
-        <a:font script="Phag" typeface="Phagspa"/>
-        <a:font script="Syrn" typeface="Estrangelo Edessa"/>
-        <a:font script="Syrj" typeface="Estrangelo Edessa"/>
-        <a:font script="Syre" typeface="Estrangelo Edessa"/>
-        <a:font script="Sora" typeface="Nirmala UI"/>
-        <a:font script="Tale" typeface="Microsoft Tai Le"/>
-        <a:font script="Talu" typeface="Microsoft New Tai Lue"/>
-        <a:font script="Tfng" typeface="Ebrima"/>
-      </a:majorFont>
-      <a:minorFont>
-        <a:latin typeface="Calibri" panose="020F0502020204030204"/>
-        <a:ea typeface=""/>
-        <a:cs typeface=""/>
-        <a:font script="Jpan" typeface="游ゴシック"/>
-        <a:font script="Hang" typeface="맑은 고딕"/>
-        <a:font script="Hans" typeface="等线"/>
-        <a:font script="Hant" typeface="新細明體"/>
-        <a:font script="Arab" typeface="Arial"/>
-        <a:font script="Hebr" typeface="Arial"/>
-        <a:font script="Thai" typeface="Cordia New"/>
-        <a:font script="Ethi" typeface="Nyala"/>
-        <a:font script="Beng" typeface="Vrinda"/>
-        <a:font script="Gujr" typeface="Shruti"/>
-        <a:font script="Khmr" typeface="DaunPenh"/>
-        <a:font script="Knda" typeface="Tunga"/>
-        <a:font script="Guru" typeface="Raavi"/>
-        <a:font script="Cans" typeface="Euphemia"/>
-        <a:font script="Cher" typeface="Plantagenet Cherokee"/>
-        <a:font script="Yiii" typeface="Microsoft Yi Baiti"/>
-        <a:font script="Tibt" typeface="Microsoft Himalaya"/>
-        <a:font script="Thaa" typeface="MV Boli"/>
-        <a:font script="Deva" typeface="Mangal"/>
-        <a:font script="Telu" typeface="Gautami"/>
-        <a:font script="Taml" typeface="Latha"/>
-        <a:font script="Syrc" typeface="Estrangelo Edessa"/>
-        <a:font script="Orya" typeface="Kalinga"/>
-        <a:font script="Mlym" typeface="Kartika"/>
-        <a:font script="Laoo" typeface="DokChampa"/>
-        <a:font script="Sinh" typeface="Iskoola Pota"/>
-        <a:font script="Mong" typeface="Mongolian Baiti"/>
-        <a:font script="Viet" typeface="Arial"/>
-        <a:font script="Uigh" typeface="Microsoft Uighur"/>
-        <a:font script="Geor" typeface="Sylfaen"/>
-        <a:font script="Armn" typeface="Arial"/>
-        <a:font script="Bugi" typeface="Leelawadee UI"/>
-        <a:font script="Bopo" typeface="Microsoft JhengHei"/>
-        <a:font script="Java" typeface="Javanese Text"/>
-        <a:font script="Lisu" typeface="Segoe UI"/>
-        <a:font script="Mymr" typeface="Myanmar Text"/>
-        <a:font script="Nkoo" typeface="Ebrima"/>
-        <a:font script="Olck" typeface="Nirmala UI"/>
-        <a:font script="Osma" typeface="Ebrima"/>
-        <a:font script="Phag" typeface="Phagspa"/>
-        <a:font script="Syrn" typeface="Estrangelo Edessa"/>
-        <a:font script="Syrj" typeface="Estrangelo Edessa"/>
-        <a:font script="Syre" typeface="Estrangelo Edessa"/>
-        <a:font script="Sora" typeface="Nirmala UI"/>
-        <a:font script="Tale" typeface="Microsoft Tai Le"/>
-        <a:font script="Talu" typeface="Microsoft New Tai Lue"/>
-        <a:font script="Tfng" typeface="Ebrima"/>
       </a:minorFont>
     </a:fontScheme>
-    <a:fmtScheme name="Office">
+    <a:fmtScheme name="Organic">
       <a:fillStyleLst>
         <a:solidFill>
           <a:schemeClr val="phClr"/>
@@ -3706,76 +6817,54 @@
           <a:gsLst>
             <a:gs pos="0">
               <a:schemeClr val="phClr">
+                <a:tint val="60000"/>
                 <a:lumMod val="110000"/>
-                <a:satMod val="105000"/>
-                <a:tint val="67000"/>
-              </a:schemeClr>
-            </a:gs>
-            <a:gs pos="50000">
-              <a:schemeClr val="phClr">
-                <a:lumMod val="105000"/>
-                <a:satMod val="103000"/>
-                <a:tint val="73000"/>
               </a:schemeClr>
             </a:gs>
             <a:gs pos="100000">
               <a:schemeClr val="phClr">
-                <a:lumMod val="105000"/>
-                <a:satMod val="109000"/>
-                <a:tint val="81000"/>
+                <a:tint val="82000"/>
               </a:schemeClr>
             </a:gs>
           </a:gsLst>
           <a:lin ang="5400000" scaled="0"/>
         </a:gradFill>
-        <a:gradFill rotWithShape="1">
-          <a:gsLst>
-            <a:gs pos="0">
+        <a:blipFill>
+          <a:blip xmlns:r="http://schemas.openxmlformats.org/officeDocument/2006/relationships" r:embed="rId1">
+            <a:duotone>
               <a:schemeClr val="phClr">
-                <a:satMod val="103000"/>
-                <a:lumMod val="102000"/>
+                <a:shade val="74000"/>
+                <a:satMod val="130000"/>
+                <a:lumMod val="90000"/>
+              </a:schemeClr>
+              <a:schemeClr val="phClr">
                 <a:tint val="94000"/>
+                <a:satMod val="120000"/>
+                <a:lumMod val="104000"/>
               </a:schemeClr>
-            </a:gs>
-            <a:gs pos="50000">
-              <a:schemeClr val="phClr">
-                <a:satMod val="110000"/>
-                <a:lumMod val="100000"/>
-                <a:shade val="100000"/>
-              </a:schemeClr>
-            </a:gs>
-            <a:gs pos="100000">
-              <a:schemeClr val="phClr">
-                <a:lumMod val="99000"/>
-                <a:satMod val="120000"/>
-                <a:shade val="78000"/>
-              </a:schemeClr>
-            </a:gs>
-          </a:gsLst>
-          <a:lin ang="5400000" scaled="0"/>
-        </a:gradFill>
+            </a:duotone>
+          </a:blip>
+          <a:tile tx="0" ty="0" sx="100000" sy="100000" flip="none" algn="tl"/>
+        </a:blipFill>
       </a:fillStyleLst>
       <a:lnStyleLst>
-        <a:ln w="6350" cap="flat" cmpd="sng" algn="ctr">
+        <a:ln w="9525" cap="flat" cmpd="sng" algn="ctr">
           <a:solidFill>
             <a:schemeClr val="phClr"/>
           </a:solidFill>
           <a:prstDash val="solid"/>
-          <a:miter lim="800000"/>
         </a:ln>
-        <a:ln w="12700" cap="flat" cmpd="sng" algn="ctr">
+        <a:ln w="15875" cap="flat" cmpd="sng" algn="ctr">
           <a:solidFill>
             <a:schemeClr val="phClr"/>
           </a:solidFill>
           <a:prstDash val="solid"/>
-          <a:miter lim="800000"/>
         </a:ln>
-        <a:ln w="19050" cap="flat" cmpd="sng" algn="ctr">
+        <a:ln w="25400" cap="flat" cmpd="sng" algn="ctr">
           <a:solidFill>
             <a:schemeClr val="phClr"/>
           </a:solidFill>
           <a:prstDash val="solid"/>
-          <a:miter lim="800000"/>
         </a:ln>
       </a:lnStyleLst>
       <a:effectStyleLst>
@@ -3783,13 +6872,19 @@
           <a:effectLst/>
         </a:effectStyle>
         <a:effectStyle>
-          <a:effectLst/>
+          <a:effectLst>
+            <a:innerShdw blurRad="25400" dist="12700" dir="13500000">
+              <a:srgbClr val="000000">
+                <a:alpha val="45000"/>
+              </a:srgbClr>
+            </a:innerShdw>
+          </a:effectLst>
         </a:effectStyle>
         <a:effectStyle>
           <a:effectLst>
-            <a:outerShdw blurRad="57150" dist="19050" dir="5400000" algn="ctr" rotWithShape="0">
+            <a:outerShdw blurRad="38100" dist="25400" dir="5400000" rotWithShape="0">
               <a:srgbClr val="000000">
-                <a:alpha val="63000"/>
+                <a:alpha val="60000"/>
               </a:srgbClr>
             </a:outerShdw>
           </a:effectLst>
@@ -3799,39 +6894,27 @@
         <a:solidFill>
           <a:schemeClr val="phClr"/>
         </a:solidFill>
-        <a:solidFill>
-          <a:schemeClr val="phClr">
-            <a:tint val="95000"/>
-            <a:satMod val="170000"/>
-          </a:schemeClr>
-        </a:solidFill>
         <a:gradFill rotWithShape="1">
           <a:gsLst>
             <a:gs pos="0">
               <a:schemeClr val="phClr">
-                <a:tint val="93000"/>
-                <a:satMod val="150000"/>
-                <a:shade val="98000"/>
-                <a:lumMod val="102000"/>
-              </a:schemeClr>
-            </a:gs>
-            <a:gs pos="50000">
-              <a:schemeClr val="phClr">
-                <a:tint val="98000"/>
-                <a:satMod val="130000"/>
-                <a:shade val="90000"/>
-                <a:lumMod val="103000"/>
+                <a:tint val="90000"/>
+                <a:lumMod val="110000"/>
               </a:schemeClr>
             </a:gs>
             <a:gs pos="100000">
               <a:schemeClr val="phClr">
-                <a:shade val="63000"/>
-                <a:satMod val="120000"/>
+                <a:shade val="88000"/>
+                <a:lumMod val="98000"/>
               </a:schemeClr>
             </a:gs>
           </a:gsLst>
           <a:lin ang="5400000" scaled="0"/>
         </a:gradFill>
+        <a:blipFill>
+          <a:blip xmlns:r="http://schemas.openxmlformats.org/officeDocument/2006/relationships" r:embed="rId2"/>
+          <a:stretch/>
+        </a:blipFill>
       </a:bgFillStyleLst>
     </a:fmtScheme>
   </a:themeElements>
@@ -3839,7 +6922,7 @@
   <a:extraClrSchemeLst/>
   <a:extLst>
     <a:ext uri="{05A4C25C-085E-4340-85A3-A5531E510DB2}">
-      <thm15:themeFamily xmlns:thm15="http://schemas.microsoft.com/office/thememl/2012/main" name="Office Theme" id="{62F939B6-93AF-4DB8-9C6B-D6C7DFDC589F}" vid="{4A3C46E8-61CC-4603-A589-7422A47A8E4A}"/>
+      <thm15:themeFamily xmlns:thm15="http://schemas.microsoft.com/office/thememl/2012/main" name="Organic" id="{28CDC826-8792-45C0-861B-85EB3ADEDA33}" vid="{7DAC20F1-423D-49E2-BD0B-50532748BAD0}"/>
     </a:ext>
   </a:extLst>
 </a:theme>
